--- a/Courses/Applied-Programmer/Programming-Basics/04-Повторения/12.Повторения-от-по-висока-сложност.pptx
+++ b/Courses/Applied-Programmer/Programming-Basics/04-Повторения/12.Повторения-от-по-висока-сложност.pptx
@@ -320,7 +320,7 @@
             <a:fld id="{FE5B4EDC-59C0-49C7-8ADA-5A781B329E02}" type="datetimeFigureOut">
               <a:rPr lang="en-US"/>
               <a:pPr/>
-              <a:t>16-Dec-19</a:t>
+              <a:t>09-Nov-20</a:t>
             </a:fld>
             <a:endParaRPr dirty="0"/>
           </a:p>
@@ -618,7 +618,7 @@
             <a:fld id="{F2D8D46A-B586-417D-BFBD-8C8FE0AAF762}" type="datetimeFigureOut">
               <a:rPr lang="en-US" smtClean="0"/>
               <a:pPr/>
-              <a:t>16-Dec-19</a:t>
+              <a:t>09-Nov-20</a:t>
             </a:fld>
             <a:endParaRPr lang="en-US" dirty="0"/>
           </a:p>
@@ -4778,7 +4778,12 @@
             <p:ph idx="1"/>
           </p:nvPr>
         </p:nvSpPr>
-        <p:spPr/>
+        <p:spPr>
+          <a:xfrm>
+            <a:off x="188815" y="942211"/>
+            <a:ext cx="11804822" cy="5570355"/>
+          </a:xfrm>
+        </p:spPr>
         <p:txBody>
           <a:bodyPr>
             <a:normAutofit/>
@@ -4801,7 +4806,11 @@
             </a:r>
           </a:p>
           <a:p>
-            <a:pPr lvl="1"/>
+            <a:pPr lvl="1">
+              <a:lnSpc>
+                <a:spcPct val="100000"/>
+              </a:lnSpc>
+            </a:pPr>
             <a:r>
               <a:rPr lang="bg-BG" sz="3000" dirty="0"/>
               <a:t>При </a:t>
@@ -4857,7 +4866,7 @@
         </p:nvSpPr>
         <p:spPr bwMode="auto">
           <a:xfrm>
-            <a:off x="992188" y="2543616"/>
+            <a:off x="987414" y="2133600"/>
             <a:ext cx="10207624" cy="3933384"/>
           </a:xfrm>
           <a:prstGeom prst="rect">
@@ -5471,6 +5480,98 @@
                   <a:tint val="75000"/>
                 </a:prstClr>
               </a:solidFill>
+            </a:endParaRPr>
+          </a:p>
+        </p:txBody>
+      </p:sp>
+      <p:sp>
+        <p:nvSpPr>
+          <p:cNvPr id="2" name="Текстово поле 1">
+            <a:extLst>
+              <a:ext uri="{FF2B5EF4-FFF2-40B4-BE49-F238E27FC236}">
+                <a16:creationId xmlns:a16="http://schemas.microsoft.com/office/drawing/2014/main" id="{C0E0520B-C401-4A28-8142-9F8373B69B04}"/>
+              </a:ext>
+            </a:extLst>
+          </p:cNvPr>
+          <p:cNvSpPr txBox="1"/>
+          <p:nvPr/>
+        </p:nvSpPr>
+        <p:spPr>
+          <a:xfrm>
+            <a:off x="1154484" y="5999634"/>
+            <a:ext cx="9873484" cy="865173"/>
+          </a:xfrm>
+          <a:prstGeom prst="rect">
+            <a:avLst/>
+          </a:prstGeom>
+          <a:noFill/>
+        </p:spPr>
+        <p:txBody>
+          <a:bodyPr wrap="square">
+            <a:spAutoFit/>
+          </a:bodyPr>
+          <a:lstStyle/>
+          <a:p>
+            <a:pPr marL="0" marR="0" algn="ctr">
+              <a:lnSpc>
+                <a:spcPct val="107000"/>
+              </a:lnSpc>
+              <a:spcBef>
+                <a:spcPts val="0"/>
+              </a:spcBef>
+              <a:spcAft>
+                <a:spcPts val="0"/>
+              </a:spcAft>
+            </a:pPr>
+            <a:r>
+              <a:rPr lang="bg-BG" sz="2400" dirty="0">
+                <a:effectLst/>
+                <a:latin typeface="Calibri" panose="020F0502020204030204" pitchFamily="34" charset="0"/>
+                <a:ea typeface="Calibri" panose="020F0502020204030204" pitchFamily="34" charset="0"/>
+                <a:cs typeface="Times New Roman" panose="02020603050405020304" pitchFamily="18" charset="0"/>
+              </a:rPr>
+              <a:t>Тествайте в </a:t>
+            </a:r>
+            <a:r>
+              <a:rPr lang="en-US" sz="2400" dirty="0">
+                <a:effectLst/>
+                <a:latin typeface="Calibri" panose="020F0502020204030204" pitchFamily="34" charset="0"/>
+                <a:ea typeface="Calibri" panose="020F0502020204030204" pitchFamily="34" charset="0"/>
+                <a:cs typeface="Times New Roman" panose="02020603050405020304" pitchFamily="18" charset="0"/>
+              </a:rPr>
+              <a:t>Judge: </a:t>
+            </a:r>
+          </a:p>
+          <a:p>
+            <a:pPr marL="0" marR="0" algn="ctr">
+              <a:lnSpc>
+                <a:spcPct val="107000"/>
+              </a:lnSpc>
+              <a:spcBef>
+                <a:spcPts val="0"/>
+              </a:spcBef>
+              <a:spcAft>
+                <a:spcPts val="0"/>
+              </a:spcAft>
+            </a:pPr>
+            <a:r>
+              <a:rPr lang="bg-BG" sz="2400" u="sng" dirty="0">
+                <a:solidFill>
+                  <a:srgbClr val="0563C1"/>
+                </a:solidFill>
+                <a:effectLst/>
+                <a:latin typeface="Calibri" panose="020F0502020204030204" pitchFamily="34" charset="0"/>
+                <a:ea typeface="Calibri" panose="020F0502020204030204" pitchFamily="34" charset="0"/>
+                <a:cs typeface="Times New Roman" panose="02020603050405020304" pitchFamily="18" charset="0"/>
+                <a:hlinkClick r:id="rId4"/>
+              </a:rPr>
+              <a:t>https://judge.softuni.bg/Contests/2641/Повторения-от-по-висока-сложност</a:t>
+            </a:r>
+            <a:endParaRPr lang="en-US" sz="2400" dirty="0">
+              <a:effectLst/>
+              <a:latin typeface="Calibri" panose="020F0502020204030204" pitchFamily="34" charset="0"/>
+              <a:ea typeface="Calibri" panose="020F0502020204030204" pitchFamily="34" charset="0"/>
+              <a:cs typeface="Times New Roman" panose="02020603050405020304" pitchFamily="18" charset="0"/>
             </a:endParaRPr>
           </a:p>
         </p:txBody>
@@ -8082,6 +8183,98 @@
           </a:p>
         </p:txBody>
       </p:sp>
+      <p:sp>
+        <p:nvSpPr>
+          <p:cNvPr id="2" name="Текстово поле 1">
+            <a:extLst>
+              <a:ext uri="{FF2B5EF4-FFF2-40B4-BE49-F238E27FC236}">
+                <a16:creationId xmlns:a16="http://schemas.microsoft.com/office/drawing/2014/main" id="{F567C601-D817-4A3F-9F8F-F5BE3DA5F09F}"/>
+              </a:ext>
+            </a:extLst>
+          </p:cNvPr>
+          <p:cNvSpPr txBox="1"/>
+          <p:nvPr/>
+        </p:nvSpPr>
+        <p:spPr>
+          <a:xfrm>
+            <a:off x="1154484" y="5994647"/>
+            <a:ext cx="9873484" cy="865173"/>
+          </a:xfrm>
+          <a:prstGeom prst="rect">
+            <a:avLst/>
+          </a:prstGeom>
+          <a:noFill/>
+        </p:spPr>
+        <p:txBody>
+          <a:bodyPr wrap="square">
+            <a:spAutoFit/>
+          </a:bodyPr>
+          <a:lstStyle/>
+          <a:p>
+            <a:pPr marL="0" marR="0" algn="ctr">
+              <a:lnSpc>
+                <a:spcPct val="107000"/>
+              </a:lnSpc>
+              <a:spcBef>
+                <a:spcPts val="0"/>
+              </a:spcBef>
+              <a:spcAft>
+                <a:spcPts val="0"/>
+              </a:spcAft>
+            </a:pPr>
+            <a:r>
+              <a:rPr lang="bg-BG" sz="2400" dirty="0">
+                <a:effectLst/>
+                <a:latin typeface="Calibri" panose="020F0502020204030204" pitchFamily="34" charset="0"/>
+                <a:ea typeface="Calibri" panose="020F0502020204030204" pitchFamily="34" charset="0"/>
+                <a:cs typeface="Times New Roman" panose="02020603050405020304" pitchFamily="18" charset="0"/>
+              </a:rPr>
+              <a:t>Тествайте в </a:t>
+            </a:r>
+            <a:r>
+              <a:rPr lang="en-US" sz="2400" dirty="0">
+                <a:effectLst/>
+                <a:latin typeface="Calibri" panose="020F0502020204030204" pitchFamily="34" charset="0"/>
+                <a:ea typeface="Calibri" panose="020F0502020204030204" pitchFamily="34" charset="0"/>
+                <a:cs typeface="Times New Roman" panose="02020603050405020304" pitchFamily="18" charset="0"/>
+              </a:rPr>
+              <a:t>Judge: </a:t>
+            </a:r>
+          </a:p>
+          <a:p>
+            <a:pPr marL="0" marR="0" algn="ctr">
+              <a:lnSpc>
+                <a:spcPct val="107000"/>
+              </a:lnSpc>
+              <a:spcBef>
+                <a:spcPts val="0"/>
+              </a:spcBef>
+              <a:spcAft>
+                <a:spcPts val="0"/>
+              </a:spcAft>
+            </a:pPr>
+            <a:r>
+              <a:rPr lang="bg-BG" sz="2400" u="sng" dirty="0">
+                <a:solidFill>
+                  <a:srgbClr val="0563C1"/>
+                </a:solidFill>
+                <a:effectLst/>
+                <a:latin typeface="Calibri" panose="020F0502020204030204" pitchFamily="34" charset="0"/>
+                <a:ea typeface="Calibri" panose="020F0502020204030204" pitchFamily="34" charset="0"/>
+                <a:cs typeface="Times New Roman" panose="02020603050405020304" pitchFamily="18" charset="0"/>
+                <a:hlinkClick r:id="rId3"/>
+              </a:rPr>
+              <a:t>https://judge.softuni.bg/Contests/2641/Повторения-от-по-висока-сложност</a:t>
+            </a:r>
+            <a:endParaRPr lang="en-US" sz="2400" dirty="0">
+              <a:effectLst/>
+              <a:latin typeface="Calibri" panose="020F0502020204030204" pitchFamily="34" charset="0"/>
+              <a:ea typeface="Calibri" panose="020F0502020204030204" pitchFamily="34" charset="0"/>
+              <a:cs typeface="Times New Roman" panose="02020603050405020304" pitchFamily="18" charset="0"/>
+            </a:endParaRPr>
+          </a:p>
+        </p:txBody>
+      </p:sp>
     </p:spTree>
     <p:extLst>
       <p:ext uri="{BB962C8B-B14F-4D97-AF65-F5344CB8AC3E}">
@@ -10544,7 +10737,7 @@
         </p:nvSpPr>
         <p:spPr bwMode="auto">
           <a:xfrm>
-            <a:off x="760412" y="1187065"/>
+            <a:off x="795326" y="890404"/>
             <a:ext cx="10591800" cy="5213735"/>
           </a:xfrm>
           <a:prstGeom prst="rect">
@@ -11647,6 +11840,98 @@
                   <a:tint val="75000"/>
                 </a:prstClr>
               </a:solidFill>
+            </a:endParaRPr>
+          </a:p>
+        </p:txBody>
+      </p:sp>
+      <p:sp>
+        <p:nvSpPr>
+          <p:cNvPr id="2" name="Текстово поле 1">
+            <a:extLst>
+              <a:ext uri="{FF2B5EF4-FFF2-40B4-BE49-F238E27FC236}">
+                <a16:creationId xmlns:a16="http://schemas.microsoft.com/office/drawing/2014/main" id="{8BBC758D-29AF-4FB8-8A11-49E980B41143}"/>
+              </a:ext>
+            </a:extLst>
+          </p:cNvPr>
+          <p:cNvSpPr txBox="1"/>
+          <p:nvPr/>
+        </p:nvSpPr>
+        <p:spPr>
+          <a:xfrm>
+            <a:off x="1154484" y="6034213"/>
+            <a:ext cx="9873484" cy="865173"/>
+          </a:xfrm>
+          <a:prstGeom prst="rect">
+            <a:avLst/>
+          </a:prstGeom>
+          <a:noFill/>
+        </p:spPr>
+        <p:txBody>
+          <a:bodyPr wrap="square">
+            <a:spAutoFit/>
+          </a:bodyPr>
+          <a:lstStyle/>
+          <a:p>
+            <a:pPr marL="0" marR="0" algn="ctr">
+              <a:lnSpc>
+                <a:spcPct val="107000"/>
+              </a:lnSpc>
+              <a:spcBef>
+                <a:spcPts val="0"/>
+              </a:spcBef>
+              <a:spcAft>
+                <a:spcPts val="0"/>
+              </a:spcAft>
+            </a:pPr>
+            <a:r>
+              <a:rPr lang="bg-BG" sz="2400" dirty="0">
+                <a:effectLst/>
+                <a:latin typeface="Calibri" panose="020F0502020204030204" pitchFamily="34" charset="0"/>
+                <a:ea typeface="Calibri" panose="020F0502020204030204" pitchFamily="34" charset="0"/>
+                <a:cs typeface="Times New Roman" panose="02020603050405020304" pitchFamily="18" charset="0"/>
+              </a:rPr>
+              <a:t>Тествайте в </a:t>
+            </a:r>
+            <a:r>
+              <a:rPr lang="en-US" sz="2400" dirty="0">
+                <a:effectLst/>
+                <a:latin typeface="Calibri" panose="020F0502020204030204" pitchFamily="34" charset="0"/>
+                <a:ea typeface="Calibri" panose="020F0502020204030204" pitchFamily="34" charset="0"/>
+                <a:cs typeface="Times New Roman" panose="02020603050405020304" pitchFamily="18" charset="0"/>
+              </a:rPr>
+              <a:t>Judge: </a:t>
+            </a:r>
+          </a:p>
+          <a:p>
+            <a:pPr marL="0" marR="0" algn="ctr">
+              <a:lnSpc>
+                <a:spcPct val="107000"/>
+              </a:lnSpc>
+              <a:spcBef>
+                <a:spcPts val="0"/>
+              </a:spcBef>
+              <a:spcAft>
+                <a:spcPts val="0"/>
+              </a:spcAft>
+            </a:pPr>
+            <a:r>
+              <a:rPr lang="bg-BG" sz="2400" u="sng" dirty="0">
+                <a:solidFill>
+                  <a:srgbClr val="0563C1"/>
+                </a:solidFill>
+                <a:effectLst/>
+                <a:latin typeface="Calibri" panose="020F0502020204030204" pitchFamily="34" charset="0"/>
+                <a:ea typeface="Calibri" panose="020F0502020204030204" pitchFamily="34" charset="0"/>
+                <a:cs typeface="Times New Roman" panose="02020603050405020304" pitchFamily="18" charset="0"/>
+                <a:hlinkClick r:id="rId3"/>
+              </a:rPr>
+              <a:t>https://judge.softuni.bg/Contests/2641/Повторения-от-по-висока-сложност</a:t>
+            </a:r>
+            <a:endParaRPr lang="en-US" sz="2400" dirty="0">
+              <a:effectLst/>
+              <a:latin typeface="Calibri" panose="020F0502020204030204" pitchFamily="34" charset="0"/>
+              <a:ea typeface="Calibri" panose="020F0502020204030204" pitchFamily="34" charset="0"/>
+              <a:cs typeface="Times New Roman" panose="02020603050405020304" pitchFamily="18" charset="0"/>
             </a:endParaRPr>
           </a:p>
         </p:txBody>
@@ -15742,6 +16027,98 @@
                   <a:tint val="75000"/>
                 </a:prstClr>
               </a:solidFill>
+            </a:endParaRPr>
+          </a:p>
+        </p:txBody>
+      </p:sp>
+      <p:sp>
+        <p:nvSpPr>
+          <p:cNvPr id="2" name="Текстово поле 1">
+            <a:extLst>
+              <a:ext uri="{FF2B5EF4-FFF2-40B4-BE49-F238E27FC236}">
+                <a16:creationId xmlns:a16="http://schemas.microsoft.com/office/drawing/2014/main" id="{C0433710-85D3-4C5D-BC49-41EBDF6D8A3F}"/>
+              </a:ext>
+            </a:extLst>
+          </p:cNvPr>
+          <p:cNvSpPr txBox="1"/>
+          <p:nvPr/>
+        </p:nvSpPr>
+        <p:spPr>
+          <a:xfrm>
+            <a:off x="1154484" y="5942869"/>
+            <a:ext cx="9873484" cy="865173"/>
+          </a:xfrm>
+          <a:prstGeom prst="rect">
+            <a:avLst/>
+          </a:prstGeom>
+          <a:noFill/>
+        </p:spPr>
+        <p:txBody>
+          <a:bodyPr wrap="square">
+            <a:spAutoFit/>
+          </a:bodyPr>
+          <a:lstStyle/>
+          <a:p>
+            <a:pPr marL="0" marR="0" algn="ctr">
+              <a:lnSpc>
+                <a:spcPct val="107000"/>
+              </a:lnSpc>
+              <a:spcBef>
+                <a:spcPts val="0"/>
+              </a:spcBef>
+              <a:spcAft>
+                <a:spcPts val="0"/>
+              </a:spcAft>
+            </a:pPr>
+            <a:r>
+              <a:rPr lang="bg-BG" sz="2400" dirty="0">
+                <a:effectLst/>
+                <a:latin typeface="Calibri" panose="020F0502020204030204" pitchFamily="34" charset="0"/>
+                <a:ea typeface="Calibri" panose="020F0502020204030204" pitchFamily="34" charset="0"/>
+                <a:cs typeface="Times New Roman" panose="02020603050405020304" pitchFamily="18" charset="0"/>
+              </a:rPr>
+              <a:t>Тествайте в </a:t>
+            </a:r>
+            <a:r>
+              <a:rPr lang="en-US" sz="2400" dirty="0">
+                <a:effectLst/>
+                <a:latin typeface="Calibri" panose="020F0502020204030204" pitchFamily="34" charset="0"/>
+                <a:ea typeface="Calibri" panose="020F0502020204030204" pitchFamily="34" charset="0"/>
+                <a:cs typeface="Times New Roman" panose="02020603050405020304" pitchFamily="18" charset="0"/>
+              </a:rPr>
+              <a:t>Judge: </a:t>
+            </a:r>
+          </a:p>
+          <a:p>
+            <a:pPr marL="0" marR="0" algn="ctr">
+              <a:lnSpc>
+                <a:spcPct val="107000"/>
+              </a:lnSpc>
+              <a:spcBef>
+                <a:spcPts val="0"/>
+              </a:spcBef>
+              <a:spcAft>
+                <a:spcPts val="0"/>
+              </a:spcAft>
+            </a:pPr>
+            <a:r>
+              <a:rPr lang="bg-BG" sz="2400" u="sng" dirty="0">
+                <a:solidFill>
+                  <a:srgbClr val="0563C1"/>
+                </a:solidFill>
+                <a:effectLst/>
+                <a:latin typeface="Calibri" panose="020F0502020204030204" pitchFamily="34" charset="0"/>
+                <a:ea typeface="Calibri" panose="020F0502020204030204" pitchFamily="34" charset="0"/>
+                <a:cs typeface="Times New Roman" panose="02020603050405020304" pitchFamily="18" charset="0"/>
+                <a:hlinkClick r:id="rId2"/>
+              </a:rPr>
+              <a:t>https://judge.softuni.bg/Contests/2641/Повторения-от-по-висока-сложност</a:t>
+            </a:r>
+            <a:endParaRPr lang="en-US" sz="2400" dirty="0">
+              <a:effectLst/>
+              <a:latin typeface="Calibri" panose="020F0502020204030204" pitchFamily="34" charset="0"/>
+              <a:ea typeface="Calibri" panose="020F0502020204030204" pitchFamily="34" charset="0"/>
+              <a:cs typeface="Times New Roman" panose="02020603050405020304" pitchFamily="18" charset="0"/>
             </a:endParaRPr>
           </a:p>
         </p:txBody>
@@ -19543,6 +19920,98 @@
           </a:p>
         </p:txBody>
       </p:sp>
+      <p:sp>
+        <p:nvSpPr>
+          <p:cNvPr id="9" name="Текстово поле 8">
+            <a:extLst>
+              <a:ext uri="{FF2B5EF4-FFF2-40B4-BE49-F238E27FC236}">
+                <a16:creationId xmlns:a16="http://schemas.microsoft.com/office/drawing/2014/main" id="{1BDC5697-C678-4740-9049-2245F6C8A5E7}"/>
+              </a:ext>
+            </a:extLst>
+          </p:cNvPr>
+          <p:cNvSpPr txBox="1"/>
+          <p:nvPr/>
+        </p:nvSpPr>
+        <p:spPr>
+          <a:xfrm>
+            <a:off x="1154484" y="5907090"/>
+            <a:ext cx="9873484" cy="865173"/>
+          </a:xfrm>
+          <a:prstGeom prst="rect">
+            <a:avLst/>
+          </a:prstGeom>
+          <a:noFill/>
+        </p:spPr>
+        <p:txBody>
+          <a:bodyPr wrap="square">
+            <a:spAutoFit/>
+          </a:bodyPr>
+          <a:lstStyle/>
+          <a:p>
+            <a:pPr marL="0" marR="0" algn="ctr">
+              <a:lnSpc>
+                <a:spcPct val="107000"/>
+              </a:lnSpc>
+              <a:spcBef>
+                <a:spcPts val="0"/>
+              </a:spcBef>
+              <a:spcAft>
+                <a:spcPts val="0"/>
+              </a:spcAft>
+            </a:pPr>
+            <a:r>
+              <a:rPr lang="bg-BG" sz="2400" dirty="0">
+                <a:effectLst/>
+                <a:latin typeface="Calibri" panose="020F0502020204030204" pitchFamily="34" charset="0"/>
+                <a:ea typeface="Calibri" panose="020F0502020204030204" pitchFamily="34" charset="0"/>
+                <a:cs typeface="Times New Roman" panose="02020603050405020304" pitchFamily="18" charset="0"/>
+              </a:rPr>
+              <a:t>Тествайте в </a:t>
+            </a:r>
+            <a:r>
+              <a:rPr lang="en-US" sz="2400" dirty="0">
+                <a:effectLst/>
+                <a:latin typeface="Calibri" panose="020F0502020204030204" pitchFamily="34" charset="0"/>
+                <a:ea typeface="Calibri" panose="020F0502020204030204" pitchFamily="34" charset="0"/>
+                <a:cs typeface="Times New Roman" panose="02020603050405020304" pitchFamily="18" charset="0"/>
+              </a:rPr>
+              <a:t>Judge: </a:t>
+            </a:r>
+          </a:p>
+          <a:p>
+            <a:pPr marL="0" marR="0" algn="ctr">
+              <a:lnSpc>
+                <a:spcPct val="107000"/>
+              </a:lnSpc>
+              <a:spcBef>
+                <a:spcPts val="0"/>
+              </a:spcBef>
+              <a:spcAft>
+                <a:spcPts val="0"/>
+              </a:spcAft>
+            </a:pPr>
+            <a:r>
+              <a:rPr lang="bg-BG" sz="2400" u="sng" dirty="0">
+                <a:solidFill>
+                  <a:srgbClr val="0563C1"/>
+                </a:solidFill>
+                <a:effectLst/>
+                <a:latin typeface="Calibri" panose="020F0502020204030204" pitchFamily="34" charset="0"/>
+                <a:ea typeface="Calibri" panose="020F0502020204030204" pitchFamily="34" charset="0"/>
+                <a:cs typeface="Times New Roman" panose="02020603050405020304" pitchFamily="18" charset="0"/>
+                <a:hlinkClick r:id="rId2"/>
+              </a:rPr>
+              <a:t>https://judge.softuni.bg/Contests/2641/Повторения-от-по-висока-сложност</a:t>
+            </a:r>
+            <a:endParaRPr lang="en-US" sz="2400" dirty="0">
+              <a:effectLst/>
+              <a:latin typeface="Calibri" panose="020F0502020204030204" pitchFamily="34" charset="0"/>
+              <a:ea typeface="Calibri" panose="020F0502020204030204" pitchFamily="34" charset="0"/>
+              <a:cs typeface="Times New Roman" panose="02020603050405020304" pitchFamily="18" charset="0"/>
+            </a:endParaRPr>
+          </a:p>
+        </p:txBody>
+      </p:sp>
     </p:spTree>
     <p:extLst>
       <p:ext uri="{BB962C8B-B14F-4D97-AF65-F5344CB8AC3E}">
@@ -20586,6 +21055,98 @@
                   <a:tint val="75000"/>
                 </a:prstClr>
               </a:solidFill>
+            </a:endParaRPr>
+          </a:p>
+        </p:txBody>
+      </p:sp>
+      <p:sp>
+        <p:nvSpPr>
+          <p:cNvPr id="2" name="Текстово поле 1">
+            <a:extLst>
+              <a:ext uri="{FF2B5EF4-FFF2-40B4-BE49-F238E27FC236}">
+                <a16:creationId xmlns:a16="http://schemas.microsoft.com/office/drawing/2014/main" id="{237FCEB9-A790-4740-A084-F56E9E3A585A}"/>
+              </a:ext>
+            </a:extLst>
+          </p:cNvPr>
+          <p:cNvSpPr txBox="1"/>
+          <p:nvPr/>
+        </p:nvSpPr>
+        <p:spPr>
+          <a:xfrm>
+            <a:off x="1154484" y="5952438"/>
+            <a:ext cx="9873484" cy="865173"/>
+          </a:xfrm>
+          <a:prstGeom prst="rect">
+            <a:avLst/>
+          </a:prstGeom>
+          <a:noFill/>
+        </p:spPr>
+        <p:txBody>
+          <a:bodyPr wrap="square">
+            <a:spAutoFit/>
+          </a:bodyPr>
+          <a:lstStyle/>
+          <a:p>
+            <a:pPr marL="0" marR="0" algn="ctr">
+              <a:lnSpc>
+                <a:spcPct val="107000"/>
+              </a:lnSpc>
+              <a:spcBef>
+                <a:spcPts val="0"/>
+              </a:spcBef>
+              <a:spcAft>
+                <a:spcPts val="0"/>
+              </a:spcAft>
+            </a:pPr>
+            <a:r>
+              <a:rPr lang="bg-BG" sz="2400" dirty="0">
+                <a:effectLst/>
+                <a:latin typeface="Calibri" panose="020F0502020204030204" pitchFamily="34" charset="0"/>
+                <a:ea typeface="Calibri" panose="020F0502020204030204" pitchFamily="34" charset="0"/>
+                <a:cs typeface="Times New Roman" panose="02020603050405020304" pitchFamily="18" charset="0"/>
+              </a:rPr>
+              <a:t>Тествайте в </a:t>
+            </a:r>
+            <a:r>
+              <a:rPr lang="en-US" sz="2400" dirty="0">
+                <a:effectLst/>
+                <a:latin typeface="Calibri" panose="020F0502020204030204" pitchFamily="34" charset="0"/>
+                <a:ea typeface="Calibri" panose="020F0502020204030204" pitchFamily="34" charset="0"/>
+                <a:cs typeface="Times New Roman" panose="02020603050405020304" pitchFamily="18" charset="0"/>
+              </a:rPr>
+              <a:t>Judge: </a:t>
+            </a:r>
+          </a:p>
+          <a:p>
+            <a:pPr marL="0" marR="0" algn="ctr">
+              <a:lnSpc>
+                <a:spcPct val="107000"/>
+              </a:lnSpc>
+              <a:spcBef>
+                <a:spcPts val="0"/>
+              </a:spcBef>
+              <a:spcAft>
+                <a:spcPts val="0"/>
+              </a:spcAft>
+            </a:pPr>
+            <a:r>
+              <a:rPr lang="bg-BG" sz="2400" u="sng" dirty="0">
+                <a:solidFill>
+                  <a:srgbClr val="0563C1"/>
+                </a:solidFill>
+                <a:effectLst/>
+                <a:latin typeface="Calibri" panose="020F0502020204030204" pitchFamily="34" charset="0"/>
+                <a:ea typeface="Calibri" panose="020F0502020204030204" pitchFamily="34" charset="0"/>
+                <a:cs typeface="Times New Roman" panose="02020603050405020304" pitchFamily="18" charset="0"/>
+                <a:hlinkClick r:id="rId2"/>
+              </a:rPr>
+              <a:t>https://judge.softuni.bg/Contests/2641/Повторения-от-по-висока-сложност</a:t>
+            </a:r>
+            <a:endParaRPr lang="en-US" sz="2400" dirty="0">
+              <a:effectLst/>
+              <a:latin typeface="Calibri" panose="020F0502020204030204" pitchFamily="34" charset="0"/>
+              <a:ea typeface="Calibri" panose="020F0502020204030204" pitchFamily="34" charset="0"/>
+              <a:cs typeface="Times New Roman" panose="02020603050405020304" pitchFamily="18" charset="0"/>
             </a:endParaRPr>
           </a:p>
         </p:txBody>
@@ -23173,6 +23734,98 @@
                   <a:tint val="75000"/>
                 </a:prstClr>
               </a:solidFill>
+            </a:endParaRPr>
+          </a:p>
+        </p:txBody>
+      </p:sp>
+      <p:sp>
+        <p:nvSpPr>
+          <p:cNvPr id="2" name="Текстово поле 1">
+            <a:extLst>
+              <a:ext uri="{FF2B5EF4-FFF2-40B4-BE49-F238E27FC236}">
+                <a16:creationId xmlns:a16="http://schemas.microsoft.com/office/drawing/2014/main" id="{C6046BBE-4D88-4D7F-A93D-E8711D2C0E06}"/>
+              </a:ext>
+            </a:extLst>
+          </p:cNvPr>
+          <p:cNvSpPr txBox="1"/>
+          <p:nvPr/>
+        </p:nvSpPr>
+        <p:spPr>
+          <a:xfrm>
+            <a:off x="1154484" y="5952486"/>
+            <a:ext cx="9873484" cy="865173"/>
+          </a:xfrm>
+          <a:prstGeom prst="rect">
+            <a:avLst/>
+          </a:prstGeom>
+          <a:noFill/>
+        </p:spPr>
+        <p:txBody>
+          <a:bodyPr wrap="square">
+            <a:spAutoFit/>
+          </a:bodyPr>
+          <a:lstStyle/>
+          <a:p>
+            <a:pPr marL="0" marR="0" algn="ctr">
+              <a:lnSpc>
+                <a:spcPct val="107000"/>
+              </a:lnSpc>
+              <a:spcBef>
+                <a:spcPts val="0"/>
+              </a:spcBef>
+              <a:spcAft>
+                <a:spcPts val="0"/>
+              </a:spcAft>
+            </a:pPr>
+            <a:r>
+              <a:rPr lang="bg-BG" sz="2400" dirty="0">
+                <a:effectLst/>
+                <a:latin typeface="Calibri" panose="020F0502020204030204" pitchFamily="34" charset="0"/>
+                <a:ea typeface="Calibri" panose="020F0502020204030204" pitchFamily="34" charset="0"/>
+                <a:cs typeface="Times New Roman" panose="02020603050405020304" pitchFamily="18" charset="0"/>
+              </a:rPr>
+              <a:t>Тествайте в </a:t>
+            </a:r>
+            <a:r>
+              <a:rPr lang="en-US" sz="2400" dirty="0">
+                <a:effectLst/>
+                <a:latin typeface="Calibri" panose="020F0502020204030204" pitchFamily="34" charset="0"/>
+                <a:ea typeface="Calibri" panose="020F0502020204030204" pitchFamily="34" charset="0"/>
+                <a:cs typeface="Times New Roman" panose="02020603050405020304" pitchFamily="18" charset="0"/>
+              </a:rPr>
+              <a:t>Judge: </a:t>
+            </a:r>
+          </a:p>
+          <a:p>
+            <a:pPr marL="0" marR="0" algn="ctr">
+              <a:lnSpc>
+                <a:spcPct val="107000"/>
+              </a:lnSpc>
+              <a:spcBef>
+                <a:spcPts val="0"/>
+              </a:spcBef>
+              <a:spcAft>
+                <a:spcPts val="0"/>
+              </a:spcAft>
+            </a:pPr>
+            <a:r>
+              <a:rPr lang="bg-BG" sz="2400" u="sng" dirty="0">
+                <a:solidFill>
+                  <a:srgbClr val="0563C1"/>
+                </a:solidFill>
+                <a:effectLst/>
+                <a:latin typeface="Calibri" panose="020F0502020204030204" pitchFamily="34" charset="0"/>
+                <a:ea typeface="Calibri" panose="020F0502020204030204" pitchFamily="34" charset="0"/>
+                <a:cs typeface="Times New Roman" panose="02020603050405020304" pitchFamily="18" charset="0"/>
+                <a:hlinkClick r:id="rId3"/>
+              </a:rPr>
+              <a:t>https://judge.softuni.bg/Contests/2641/Повторения-от-по-висока-сложност</a:t>
+            </a:r>
+            <a:endParaRPr lang="en-US" sz="2400" dirty="0">
+              <a:effectLst/>
+              <a:latin typeface="Calibri" panose="020F0502020204030204" pitchFamily="34" charset="0"/>
+              <a:ea typeface="Calibri" panose="020F0502020204030204" pitchFamily="34" charset="0"/>
+              <a:cs typeface="Times New Roman" panose="02020603050405020304" pitchFamily="18" charset="0"/>
             </a:endParaRPr>
           </a:p>
         </p:txBody>

--- a/Courses/Applied-Programmer/Programming-Basics/04-Повторения/12.Повторения-от-по-висока-сложност.pptx
+++ b/Courses/Applied-Programmer/Programming-Basics/04-Повторения/12.Повторения-от-по-висока-сложност.pptx
@@ -320,7 +320,7 @@
             <a:fld id="{FE5B4EDC-59C0-49C7-8ADA-5A781B329E02}" type="datetimeFigureOut">
               <a:rPr lang="en-US"/>
               <a:pPr/>
-              <a:t>09-Nov-20</a:t>
+              <a:t>11-Nov-20</a:t>
             </a:fld>
             <a:endParaRPr dirty="0"/>
           </a:p>
@@ -618,7 +618,7 @@
             <a:fld id="{F2D8D46A-B586-417D-BFBD-8C8FE0AAF762}" type="datetimeFigureOut">
               <a:rPr lang="en-US" smtClean="0"/>
               <a:pPr/>
-              <a:t>09-Nov-20</a:t>
+              <a:t>11-Nov-20</a:t>
             </a:fld>
             <a:endParaRPr lang="en-US" dirty="0"/>
           </a:p>
@@ -3806,7 +3806,7 @@
         </p:blipFill>
         <p:spPr bwMode="auto">
           <a:xfrm>
-            <a:off x="745783" y="4076772"/>
+            <a:off x="751612" y="4339714"/>
             <a:ext cx="2175525" cy="761165"/>
           </a:xfrm>
           <a:prstGeom prst="roundRect">
@@ -3845,7 +3845,7 @@
         </p:nvSpPr>
         <p:spPr bwMode="auto">
           <a:xfrm>
-            <a:off x="760413" y="4998598"/>
+            <a:off x="730566" y="5106274"/>
             <a:ext cx="3187614" cy="444343"/>
           </a:xfrm>
           <a:prstGeom prst="rect">
@@ -4080,7 +4080,7 @@
               <a:t>Учителски</a:t>
             </a:r>
             <a:r>
-              <a:rPr lang="bg-BG"/>
+              <a:rPr lang="bg-BG" dirty="0"/>
               <a:t> екип</a:t>
             </a:r>
           </a:p>
@@ -4102,7 +4102,7 @@
         </p:nvSpPr>
         <p:spPr bwMode="auto">
           <a:xfrm>
-            <a:off x="760412" y="5403725"/>
+            <a:off x="715590" y="5520874"/>
             <a:ext cx="3187613" cy="382788"/>
           </a:xfrm>
           <a:prstGeom prst="rect">
@@ -4336,7 +4336,7 @@
           </a:lstStyle>
           <a:p>
             <a:r>
-              <a:rPr lang="bg-BG"/>
+              <a:rPr lang="bg-BG" dirty="0"/>
               <a:t>Обучение за ИТ кариера</a:t>
             </a:r>
           </a:p>
@@ -4358,7 +4358,7 @@
         </p:nvSpPr>
         <p:spPr bwMode="auto">
           <a:xfrm>
-            <a:off x="760412" y="5690893"/>
+            <a:off x="715590" y="5859800"/>
             <a:ext cx="3810000" cy="458462"/>
           </a:xfrm>
           <a:prstGeom prst="rect">
@@ -4589,12 +4589,12 @@
           </a:lstStyle>
           <a:p>
             <a:r>
-              <a:rPr lang="en-GB">
+              <a:rPr lang="en-GB" dirty="0">
                 <a:hlinkClick r:id="rId7"/>
               </a:rPr>
               <a:t>https://it-kariera.mon.bg/e-learning/</a:t>
             </a:r>
-            <a:endParaRPr lang="en-GB"/>
+            <a:endParaRPr lang="en-GB" dirty="0"/>
           </a:p>
         </p:txBody>
       </p:sp>
@@ -4738,6 +4738,138 @@
           </a:prstGeom>
         </p:spPr>
       </p:pic>
+      <p:sp>
+        <p:nvSpPr>
+          <p:cNvPr id="13" name="Текстово поле 1">
+            <a:extLst>
+              <a:ext uri="{FF2B5EF4-FFF2-40B4-BE49-F238E27FC236}">
+                <a16:creationId xmlns:a16="http://schemas.microsoft.com/office/drawing/2014/main" id="{B398007E-9BC4-479A-87BF-1B270134F51F}"/>
+              </a:ext>
+            </a:extLst>
+          </p:cNvPr>
+          <p:cNvSpPr txBox="1"/>
+          <p:nvPr/>
+        </p:nvSpPr>
+        <p:spPr>
+          <a:xfrm>
+            <a:off x="684212" y="6318262"/>
+            <a:ext cx="11216029" cy="369332"/>
+          </a:xfrm>
+          <a:prstGeom prst="rect">
+            <a:avLst/>
+          </a:prstGeom>
+          <a:noFill/>
+        </p:spPr>
+        <p:txBody>
+          <a:bodyPr wrap="square" rtlCol="0">
+            <a:spAutoFit/>
+          </a:bodyPr>
+          <a:lstStyle>
+            <a:defPPr>
+              <a:defRPr lang="en-US"/>
+            </a:defPPr>
+            <a:lvl1pPr marL="0" algn="l" defTabSz="1218987" rtl="0" eaLnBrk="1" latinLnBrk="0" hangingPunct="1">
+              <a:defRPr sz="2400" kern="1200">
+                <a:solidFill>
+                  <a:schemeClr val="tx1"/>
+                </a:solidFill>
+                <a:latin typeface="+mn-lt"/>
+                <a:ea typeface="+mn-ea"/>
+                <a:cs typeface="+mn-cs"/>
+              </a:defRPr>
+            </a:lvl1pPr>
+            <a:lvl2pPr marL="609493" algn="l" defTabSz="1218987" rtl="0" eaLnBrk="1" latinLnBrk="0" hangingPunct="1">
+              <a:defRPr sz="2400" kern="1200">
+                <a:solidFill>
+                  <a:schemeClr val="tx1"/>
+                </a:solidFill>
+                <a:latin typeface="+mn-lt"/>
+                <a:ea typeface="+mn-ea"/>
+                <a:cs typeface="+mn-cs"/>
+              </a:defRPr>
+            </a:lvl2pPr>
+            <a:lvl3pPr marL="1218987" algn="l" defTabSz="1218987" rtl="0" eaLnBrk="1" latinLnBrk="0" hangingPunct="1">
+              <a:defRPr sz="2400" kern="1200">
+                <a:solidFill>
+                  <a:schemeClr val="tx1"/>
+                </a:solidFill>
+                <a:latin typeface="+mn-lt"/>
+                <a:ea typeface="+mn-ea"/>
+                <a:cs typeface="+mn-cs"/>
+              </a:defRPr>
+            </a:lvl3pPr>
+            <a:lvl4pPr marL="1828480" algn="l" defTabSz="1218987" rtl="0" eaLnBrk="1" latinLnBrk="0" hangingPunct="1">
+              <a:defRPr sz="2400" kern="1200">
+                <a:solidFill>
+                  <a:schemeClr val="tx1"/>
+                </a:solidFill>
+                <a:latin typeface="+mn-lt"/>
+                <a:ea typeface="+mn-ea"/>
+                <a:cs typeface="+mn-cs"/>
+              </a:defRPr>
+            </a:lvl4pPr>
+            <a:lvl5pPr marL="2437973" algn="l" defTabSz="1218987" rtl="0" eaLnBrk="1" latinLnBrk="0" hangingPunct="1">
+              <a:defRPr sz="2400" kern="1200">
+                <a:solidFill>
+                  <a:schemeClr val="tx1"/>
+                </a:solidFill>
+                <a:latin typeface="+mn-lt"/>
+                <a:ea typeface="+mn-ea"/>
+                <a:cs typeface="+mn-cs"/>
+              </a:defRPr>
+            </a:lvl5pPr>
+            <a:lvl6pPr marL="3047467" algn="l" defTabSz="1218987" rtl="0" eaLnBrk="1" latinLnBrk="0" hangingPunct="1">
+              <a:defRPr sz="2400" kern="1200">
+                <a:solidFill>
+                  <a:schemeClr val="tx1"/>
+                </a:solidFill>
+                <a:latin typeface="+mn-lt"/>
+                <a:ea typeface="+mn-ea"/>
+                <a:cs typeface="+mn-cs"/>
+              </a:defRPr>
+            </a:lvl6pPr>
+            <a:lvl7pPr marL="3656960" algn="l" defTabSz="1218987" rtl="0" eaLnBrk="1" latinLnBrk="0" hangingPunct="1">
+              <a:defRPr sz="2400" kern="1200">
+                <a:solidFill>
+                  <a:schemeClr val="tx1"/>
+                </a:solidFill>
+                <a:latin typeface="+mn-lt"/>
+                <a:ea typeface="+mn-ea"/>
+                <a:cs typeface="+mn-cs"/>
+              </a:defRPr>
+            </a:lvl7pPr>
+            <a:lvl8pPr marL="4266453" algn="l" defTabSz="1218987" rtl="0" eaLnBrk="1" latinLnBrk="0" hangingPunct="1">
+              <a:defRPr sz="2400" kern="1200">
+                <a:solidFill>
+                  <a:schemeClr val="tx1"/>
+                </a:solidFill>
+                <a:latin typeface="+mn-lt"/>
+                <a:ea typeface="+mn-ea"/>
+                <a:cs typeface="+mn-cs"/>
+              </a:defRPr>
+            </a:lvl8pPr>
+            <a:lvl9pPr marL="4875947" algn="l" defTabSz="1218987" rtl="0" eaLnBrk="1" latinLnBrk="0" hangingPunct="1">
+              <a:defRPr sz="2400" kern="1200">
+                <a:solidFill>
+                  <a:schemeClr val="tx1"/>
+                </a:solidFill>
+                <a:latin typeface="+mn-lt"/>
+                <a:ea typeface="+mn-ea"/>
+                <a:cs typeface="+mn-cs"/>
+              </a:defRPr>
+            </a:lvl9pPr>
+          </a:lstStyle>
+          <a:p>
+            <a:r>
+              <a:rPr lang="en-US" sz="1800" b="1" dirty="0">
+                <a:hlinkClick r:id="rId9"/>
+              </a:rPr>
+              <a:t>https://github.com/BG-IT-Edu/School-Programming/tree/main/Courses/Applied-Programmer/Programming-Basics</a:t>
+            </a:r>
+            <a:endParaRPr lang="bg-BG" sz="1800" b="1" dirty="0"/>
+          </a:p>
+        </p:txBody>
+      </p:sp>
     </p:spTree>
     <p:extLst>
       <p:ext uri="{BB962C8B-B14F-4D97-AF65-F5344CB8AC3E}">
@@ -5586,6 +5718,658 @@
   <p:clrMapOvr>
     <a:masterClrMapping/>
   </p:clrMapOvr>
+  <p:timing>
+    <p:tnLst>
+      <p:par>
+        <p:cTn id="1" dur="indefinite" restart="never" nodeType="tmRoot">
+          <p:childTnLst>
+            <p:seq concurrent="1" nextAc="seek">
+              <p:cTn id="2" dur="indefinite" nodeType="mainSeq">
+                <p:childTnLst>
+                  <p:par>
+                    <p:cTn id="3" fill="hold">
+                      <p:stCondLst>
+                        <p:cond delay="indefinite"/>
+                        <p:cond evt="onBegin" delay="0">
+                          <p:tn val="2"/>
+                        </p:cond>
+                      </p:stCondLst>
+                      <p:childTnLst>
+                        <p:par>
+                          <p:cTn id="4" fill="hold">
+                            <p:stCondLst>
+                              <p:cond delay="0"/>
+                            </p:stCondLst>
+                            <p:childTnLst>
+                              <p:par>
+                                <p:cTn id="5" presetID="1" presetClass="entr" presetSubtype="0" fill="hold" nodeType="withEffect">
+                                  <p:stCondLst>
+                                    <p:cond delay="0"/>
+                                  </p:stCondLst>
+                                  <p:childTnLst>
+                                    <p:set>
+                                      <p:cBhvr>
+                                        <p:cTn id="6" dur="1" fill="hold">
+                                          <p:stCondLst>
+                                            <p:cond delay="0"/>
+                                          </p:stCondLst>
+                                        </p:cTn>
+                                        <p:tgtEl>
+                                          <p:spTgt spid="3">
+                                            <p:txEl>
+                                              <p:pRg st="0" end="0"/>
+                                            </p:txEl>
+                                          </p:spTgt>
+                                        </p:tgtEl>
+                                        <p:attrNameLst>
+                                          <p:attrName>style.visibility</p:attrName>
+                                        </p:attrNameLst>
+                                      </p:cBhvr>
+                                      <p:to>
+                                        <p:strVal val="visible"/>
+                                      </p:to>
+                                    </p:set>
+                                  </p:childTnLst>
+                                </p:cTn>
+                              </p:par>
+                            </p:childTnLst>
+                          </p:cTn>
+                        </p:par>
+                      </p:childTnLst>
+                    </p:cTn>
+                  </p:par>
+                  <p:par>
+                    <p:cTn id="7" fill="hold">
+                      <p:stCondLst>
+                        <p:cond delay="indefinite"/>
+                      </p:stCondLst>
+                      <p:childTnLst>
+                        <p:par>
+                          <p:cTn id="8" fill="hold">
+                            <p:stCondLst>
+                              <p:cond delay="0"/>
+                            </p:stCondLst>
+                            <p:childTnLst>
+                              <p:par>
+                                <p:cTn id="9" presetID="1" presetClass="entr" presetSubtype="0" fill="hold" nodeType="clickEffect">
+                                  <p:stCondLst>
+                                    <p:cond delay="0"/>
+                                  </p:stCondLst>
+                                  <p:childTnLst>
+                                    <p:set>
+                                      <p:cBhvr>
+                                        <p:cTn id="10" dur="1" fill="hold">
+                                          <p:stCondLst>
+                                            <p:cond delay="0"/>
+                                          </p:stCondLst>
+                                        </p:cTn>
+                                        <p:tgtEl>
+                                          <p:spTgt spid="3">
+                                            <p:txEl>
+                                              <p:pRg st="1" end="1"/>
+                                            </p:txEl>
+                                          </p:spTgt>
+                                        </p:tgtEl>
+                                        <p:attrNameLst>
+                                          <p:attrName>style.visibility</p:attrName>
+                                        </p:attrNameLst>
+                                      </p:cBhvr>
+                                      <p:to>
+                                        <p:strVal val="visible"/>
+                                      </p:to>
+                                    </p:set>
+                                  </p:childTnLst>
+                                </p:cTn>
+                              </p:par>
+                            </p:childTnLst>
+                          </p:cTn>
+                        </p:par>
+                      </p:childTnLst>
+                    </p:cTn>
+                  </p:par>
+                  <p:par>
+                    <p:cTn id="11" fill="hold">
+                      <p:stCondLst>
+                        <p:cond delay="indefinite"/>
+                      </p:stCondLst>
+                      <p:childTnLst>
+                        <p:par>
+                          <p:cTn id="12" fill="hold">
+                            <p:stCondLst>
+                              <p:cond delay="0"/>
+                            </p:stCondLst>
+                            <p:childTnLst>
+                              <p:par>
+                                <p:cTn id="13" presetID="1" presetClass="entr" presetSubtype="0" fill="hold" grpId="0" nodeType="clickEffect">
+                                  <p:stCondLst>
+                                    <p:cond delay="0"/>
+                                  </p:stCondLst>
+                                  <p:childTnLst>
+                                    <p:set>
+                                      <p:cBhvr>
+                                        <p:cTn id="14" dur="1" fill="hold">
+                                          <p:stCondLst>
+                                            <p:cond delay="0"/>
+                                          </p:stCondLst>
+                                        </p:cTn>
+                                        <p:tgtEl>
+                                          <p:spTgt spid="5"/>
+                                        </p:tgtEl>
+                                        <p:attrNameLst>
+                                          <p:attrName>style.visibility</p:attrName>
+                                        </p:attrNameLst>
+                                      </p:cBhvr>
+                                      <p:to>
+                                        <p:strVal val="visible"/>
+                                      </p:to>
+                                    </p:set>
+                                  </p:childTnLst>
+                                </p:cTn>
+                              </p:par>
+                              <p:par>
+                                <p:cTn id="15" presetID="1" presetClass="entr" presetSubtype="0" fill="hold" nodeType="withEffect">
+                                  <p:stCondLst>
+                                    <p:cond delay="0"/>
+                                  </p:stCondLst>
+                                  <p:childTnLst>
+                                    <p:set>
+                                      <p:cBhvr>
+                                        <p:cTn id="16" dur="1" fill="hold">
+                                          <p:stCondLst>
+                                            <p:cond delay="0"/>
+                                          </p:stCondLst>
+                                        </p:cTn>
+                                        <p:tgtEl>
+                                          <p:spTgt spid="5">
+                                            <p:txEl>
+                                              <p:pRg st="0" end="0"/>
+                                            </p:txEl>
+                                          </p:spTgt>
+                                        </p:tgtEl>
+                                        <p:attrNameLst>
+                                          <p:attrName>style.visibility</p:attrName>
+                                        </p:attrNameLst>
+                                      </p:cBhvr>
+                                      <p:to>
+                                        <p:strVal val="visible"/>
+                                      </p:to>
+                                    </p:set>
+                                  </p:childTnLst>
+                                </p:cTn>
+                              </p:par>
+                              <p:par>
+                                <p:cTn id="17" presetID="1" presetClass="entr" presetSubtype="0" fill="hold" nodeType="withEffect">
+                                  <p:stCondLst>
+                                    <p:cond delay="0"/>
+                                  </p:stCondLst>
+                                  <p:childTnLst>
+                                    <p:set>
+                                      <p:cBhvr>
+                                        <p:cTn id="18" dur="1" fill="hold">
+                                          <p:stCondLst>
+                                            <p:cond delay="0"/>
+                                          </p:stCondLst>
+                                        </p:cTn>
+                                        <p:tgtEl>
+                                          <p:spTgt spid="8"/>
+                                        </p:tgtEl>
+                                        <p:attrNameLst>
+                                          <p:attrName>style.visibility</p:attrName>
+                                        </p:attrNameLst>
+                                      </p:cBhvr>
+                                      <p:to>
+                                        <p:strVal val="visible"/>
+                                      </p:to>
+                                    </p:set>
+                                  </p:childTnLst>
+                                </p:cTn>
+                              </p:par>
+                            </p:childTnLst>
+                          </p:cTn>
+                        </p:par>
+                      </p:childTnLst>
+                    </p:cTn>
+                  </p:par>
+                  <p:par>
+                    <p:cTn id="19" fill="hold">
+                      <p:stCondLst>
+                        <p:cond delay="indefinite"/>
+                      </p:stCondLst>
+                      <p:childTnLst>
+                        <p:par>
+                          <p:cTn id="20" fill="hold">
+                            <p:stCondLst>
+                              <p:cond delay="0"/>
+                            </p:stCondLst>
+                            <p:childTnLst>
+                              <p:par>
+                                <p:cTn id="21" presetID="1" presetClass="entr" presetSubtype="0" fill="hold" nodeType="clickEffect">
+                                  <p:stCondLst>
+                                    <p:cond delay="0"/>
+                                  </p:stCondLst>
+                                  <p:childTnLst>
+                                    <p:set>
+                                      <p:cBhvr>
+                                        <p:cTn id="22" dur="1" fill="hold">
+                                          <p:stCondLst>
+                                            <p:cond delay="0"/>
+                                          </p:stCondLst>
+                                        </p:cTn>
+                                        <p:tgtEl>
+                                          <p:spTgt spid="5">
+                                            <p:txEl>
+                                              <p:pRg st="1" end="1"/>
+                                            </p:txEl>
+                                          </p:spTgt>
+                                        </p:tgtEl>
+                                        <p:attrNameLst>
+                                          <p:attrName>style.visibility</p:attrName>
+                                        </p:attrNameLst>
+                                      </p:cBhvr>
+                                      <p:to>
+                                        <p:strVal val="visible"/>
+                                      </p:to>
+                                    </p:set>
+                                  </p:childTnLst>
+                                </p:cTn>
+                              </p:par>
+                              <p:par>
+                                <p:cTn id="23" presetID="1" presetClass="entr" presetSubtype="0" fill="hold" nodeType="withEffect">
+                                  <p:stCondLst>
+                                    <p:cond delay="0"/>
+                                  </p:stCondLst>
+                                  <p:childTnLst>
+                                    <p:set>
+                                      <p:cBhvr>
+                                        <p:cTn id="24" dur="1" fill="hold">
+                                          <p:stCondLst>
+                                            <p:cond delay="0"/>
+                                          </p:stCondLst>
+                                        </p:cTn>
+                                        <p:tgtEl>
+                                          <p:spTgt spid="5">
+                                            <p:txEl>
+                                              <p:pRg st="2" end="2"/>
+                                            </p:txEl>
+                                          </p:spTgt>
+                                        </p:tgtEl>
+                                        <p:attrNameLst>
+                                          <p:attrName>style.visibility</p:attrName>
+                                        </p:attrNameLst>
+                                      </p:cBhvr>
+                                      <p:to>
+                                        <p:strVal val="visible"/>
+                                      </p:to>
+                                    </p:set>
+                                  </p:childTnLst>
+                                </p:cTn>
+                              </p:par>
+                              <p:par>
+                                <p:cTn id="25" presetID="1" presetClass="entr" presetSubtype="0" fill="hold" nodeType="withEffect">
+                                  <p:stCondLst>
+                                    <p:cond delay="0"/>
+                                  </p:stCondLst>
+                                  <p:childTnLst>
+                                    <p:set>
+                                      <p:cBhvr>
+                                        <p:cTn id="26" dur="1" fill="hold">
+                                          <p:stCondLst>
+                                            <p:cond delay="0"/>
+                                          </p:stCondLst>
+                                        </p:cTn>
+                                        <p:tgtEl>
+                                          <p:spTgt spid="5">
+                                            <p:txEl>
+                                              <p:pRg st="8" end="8"/>
+                                            </p:txEl>
+                                          </p:spTgt>
+                                        </p:tgtEl>
+                                        <p:attrNameLst>
+                                          <p:attrName>style.visibility</p:attrName>
+                                        </p:attrNameLst>
+                                      </p:cBhvr>
+                                      <p:to>
+                                        <p:strVal val="visible"/>
+                                      </p:to>
+                                    </p:set>
+                                  </p:childTnLst>
+                                </p:cTn>
+                              </p:par>
+                            </p:childTnLst>
+                          </p:cTn>
+                        </p:par>
+                      </p:childTnLst>
+                    </p:cTn>
+                  </p:par>
+                  <p:par>
+                    <p:cTn id="27" fill="hold">
+                      <p:stCondLst>
+                        <p:cond delay="indefinite"/>
+                      </p:stCondLst>
+                      <p:childTnLst>
+                        <p:par>
+                          <p:cTn id="28" fill="hold">
+                            <p:stCondLst>
+                              <p:cond delay="0"/>
+                            </p:stCondLst>
+                            <p:childTnLst>
+                              <p:par>
+                                <p:cTn id="29" presetID="1" presetClass="entr" presetSubtype="0" fill="hold" nodeType="clickEffect">
+                                  <p:stCondLst>
+                                    <p:cond delay="0"/>
+                                  </p:stCondLst>
+                                  <p:childTnLst>
+                                    <p:set>
+                                      <p:cBhvr>
+                                        <p:cTn id="30" dur="1" fill="hold">
+                                          <p:stCondLst>
+                                            <p:cond delay="0"/>
+                                          </p:stCondLst>
+                                        </p:cTn>
+                                        <p:tgtEl>
+                                          <p:spTgt spid="5">
+                                            <p:txEl>
+                                              <p:pRg st="3" end="3"/>
+                                            </p:txEl>
+                                          </p:spTgt>
+                                        </p:tgtEl>
+                                        <p:attrNameLst>
+                                          <p:attrName>style.visibility</p:attrName>
+                                        </p:attrNameLst>
+                                      </p:cBhvr>
+                                      <p:to>
+                                        <p:strVal val="visible"/>
+                                      </p:to>
+                                    </p:set>
+                                  </p:childTnLst>
+                                </p:cTn>
+                              </p:par>
+                              <p:par>
+                                <p:cTn id="31" presetID="1" presetClass="entr" presetSubtype="0" fill="hold" nodeType="withEffect">
+                                  <p:stCondLst>
+                                    <p:cond delay="0"/>
+                                  </p:stCondLst>
+                                  <p:childTnLst>
+                                    <p:set>
+                                      <p:cBhvr>
+                                        <p:cTn id="32" dur="1" fill="hold">
+                                          <p:stCondLst>
+                                            <p:cond delay="0"/>
+                                          </p:stCondLst>
+                                        </p:cTn>
+                                        <p:tgtEl>
+                                          <p:spTgt spid="5">
+                                            <p:txEl>
+                                              <p:pRg st="4" end="4"/>
+                                            </p:txEl>
+                                          </p:spTgt>
+                                        </p:tgtEl>
+                                        <p:attrNameLst>
+                                          <p:attrName>style.visibility</p:attrName>
+                                        </p:attrNameLst>
+                                      </p:cBhvr>
+                                      <p:to>
+                                        <p:strVal val="visible"/>
+                                      </p:to>
+                                    </p:set>
+                                  </p:childTnLst>
+                                </p:cTn>
+                              </p:par>
+                            </p:childTnLst>
+                          </p:cTn>
+                        </p:par>
+                      </p:childTnLst>
+                    </p:cTn>
+                  </p:par>
+                  <p:par>
+                    <p:cTn id="33" fill="hold">
+                      <p:stCondLst>
+                        <p:cond delay="indefinite"/>
+                      </p:stCondLst>
+                      <p:childTnLst>
+                        <p:par>
+                          <p:cTn id="34" fill="hold">
+                            <p:stCondLst>
+                              <p:cond delay="0"/>
+                            </p:stCondLst>
+                            <p:childTnLst>
+                              <p:par>
+                                <p:cTn id="35" presetID="1" presetClass="entr" presetSubtype="0" fill="hold" nodeType="clickEffect">
+                                  <p:stCondLst>
+                                    <p:cond delay="0"/>
+                                  </p:stCondLst>
+                                  <p:childTnLst>
+                                    <p:set>
+                                      <p:cBhvr>
+                                        <p:cTn id="36" dur="1" fill="hold">
+                                          <p:stCondLst>
+                                            <p:cond delay="0"/>
+                                          </p:stCondLst>
+                                        </p:cTn>
+                                        <p:tgtEl>
+                                          <p:spTgt spid="5">
+                                            <p:txEl>
+                                              <p:pRg st="5" end="5"/>
+                                            </p:txEl>
+                                          </p:spTgt>
+                                        </p:tgtEl>
+                                        <p:attrNameLst>
+                                          <p:attrName>style.visibility</p:attrName>
+                                        </p:attrNameLst>
+                                      </p:cBhvr>
+                                      <p:to>
+                                        <p:strVal val="visible"/>
+                                      </p:to>
+                                    </p:set>
+                                  </p:childTnLst>
+                                </p:cTn>
+                              </p:par>
+                              <p:par>
+                                <p:cTn id="37" presetID="1" presetClass="entr" presetSubtype="0" fill="hold" nodeType="withEffect">
+                                  <p:stCondLst>
+                                    <p:cond delay="0"/>
+                                  </p:stCondLst>
+                                  <p:childTnLst>
+                                    <p:set>
+                                      <p:cBhvr>
+                                        <p:cTn id="38" dur="1" fill="hold">
+                                          <p:stCondLst>
+                                            <p:cond delay="0"/>
+                                          </p:stCondLst>
+                                        </p:cTn>
+                                        <p:tgtEl>
+                                          <p:spTgt spid="5">
+                                            <p:txEl>
+                                              <p:pRg st="6" end="6"/>
+                                            </p:txEl>
+                                          </p:spTgt>
+                                        </p:tgtEl>
+                                        <p:attrNameLst>
+                                          <p:attrName>style.visibility</p:attrName>
+                                        </p:attrNameLst>
+                                      </p:cBhvr>
+                                      <p:to>
+                                        <p:strVal val="visible"/>
+                                      </p:to>
+                                    </p:set>
+                                  </p:childTnLst>
+                                </p:cTn>
+                              </p:par>
+                            </p:childTnLst>
+                          </p:cTn>
+                        </p:par>
+                      </p:childTnLst>
+                    </p:cTn>
+                  </p:par>
+                  <p:par>
+                    <p:cTn id="39" fill="hold">
+                      <p:stCondLst>
+                        <p:cond delay="indefinite"/>
+                      </p:stCondLst>
+                      <p:childTnLst>
+                        <p:par>
+                          <p:cTn id="40" fill="hold">
+                            <p:stCondLst>
+                              <p:cond delay="0"/>
+                            </p:stCondLst>
+                            <p:childTnLst>
+                              <p:par>
+                                <p:cTn id="41" presetID="1" presetClass="entr" presetSubtype="0" fill="hold" nodeType="clickEffect">
+                                  <p:stCondLst>
+                                    <p:cond delay="0"/>
+                                  </p:stCondLst>
+                                  <p:childTnLst>
+                                    <p:set>
+                                      <p:cBhvr>
+                                        <p:cTn id="42" dur="1" fill="hold">
+                                          <p:stCondLst>
+                                            <p:cond delay="0"/>
+                                          </p:stCondLst>
+                                        </p:cTn>
+                                        <p:tgtEl>
+                                          <p:spTgt spid="5">
+                                            <p:txEl>
+                                              <p:pRg st="7" end="7"/>
+                                            </p:txEl>
+                                          </p:spTgt>
+                                        </p:tgtEl>
+                                        <p:attrNameLst>
+                                          <p:attrName>style.visibility</p:attrName>
+                                        </p:attrNameLst>
+                                      </p:cBhvr>
+                                      <p:to>
+                                        <p:strVal val="visible"/>
+                                      </p:to>
+                                    </p:set>
+                                  </p:childTnLst>
+                                </p:cTn>
+                              </p:par>
+                            </p:childTnLst>
+                          </p:cTn>
+                        </p:par>
+                      </p:childTnLst>
+                    </p:cTn>
+                  </p:par>
+                  <p:par>
+                    <p:cTn id="43" fill="hold">
+                      <p:stCondLst>
+                        <p:cond delay="indefinite"/>
+                      </p:stCondLst>
+                      <p:childTnLst>
+                        <p:par>
+                          <p:cTn id="44" fill="hold">
+                            <p:stCondLst>
+                              <p:cond delay="0"/>
+                            </p:stCondLst>
+                            <p:childTnLst>
+                              <p:par>
+                                <p:cTn id="45" presetID="1" presetClass="entr" presetSubtype="0" fill="hold" nodeType="clickEffect">
+                                  <p:stCondLst>
+                                    <p:cond delay="0"/>
+                                  </p:stCondLst>
+                                  <p:childTnLst>
+                                    <p:set>
+                                      <p:cBhvr>
+                                        <p:cTn id="46" dur="1" fill="hold">
+                                          <p:stCondLst>
+                                            <p:cond delay="0"/>
+                                          </p:stCondLst>
+                                        </p:cTn>
+                                        <p:tgtEl>
+                                          <p:spTgt spid="5">
+                                            <p:txEl>
+                                              <p:pRg st="9" end="9"/>
+                                            </p:txEl>
+                                          </p:spTgt>
+                                        </p:tgtEl>
+                                        <p:attrNameLst>
+                                          <p:attrName>style.visibility</p:attrName>
+                                        </p:attrNameLst>
+                                      </p:cBhvr>
+                                      <p:to>
+                                        <p:strVal val="visible"/>
+                                      </p:to>
+                                    </p:set>
+                                  </p:childTnLst>
+                                </p:cTn>
+                              </p:par>
+                            </p:childTnLst>
+                          </p:cTn>
+                        </p:par>
+                      </p:childTnLst>
+                    </p:cTn>
+                  </p:par>
+                  <p:par>
+                    <p:cTn id="47" fill="hold">
+                      <p:stCondLst>
+                        <p:cond delay="indefinite"/>
+                      </p:stCondLst>
+                      <p:childTnLst>
+                        <p:par>
+                          <p:cTn id="48" fill="hold">
+                            <p:stCondLst>
+                              <p:cond delay="0"/>
+                            </p:stCondLst>
+                            <p:childTnLst>
+                              <p:par>
+                                <p:cTn id="49" presetID="1" presetClass="entr" presetSubtype="0" fill="hold" grpId="0" nodeType="clickEffect">
+                                  <p:stCondLst>
+                                    <p:cond delay="0"/>
+                                  </p:stCondLst>
+                                  <p:childTnLst>
+                                    <p:set>
+                                      <p:cBhvr>
+                                        <p:cTn id="50" dur="1" fill="hold">
+                                          <p:stCondLst>
+                                            <p:cond delay="0"/>
+                                          </p:stCondLst>
+                                        </p:cTn>
+                                        <p:tgtEl>
+                                          <p:spTgt spid="2"/>
+                                        </p:tgtEl>
+                                        <p:attrNameLst>
+                                          <p:attrName>style.visibility</p:attrName>
+                                        </p:attrNameLst>
+                                      </p:cBhvr>
+                                      <p:to>
+                                        <p:strVal val="visible"/>
+                                      </p:to>
+                                    </p:set>
+                                  </p:childTnLst>
+                                </p:cTn>
+                              </p:par>
+                            </p:childTnLst>
+                          </p:cTn>
+                        </p:par>
+                      </p:childTnLst>
+                    </p:cTn>
+                  </p:par>
+                </p:childTnLst>
+              </p:cTn>
+              <p:prevCondLst>
+                <p:cond evt="onPrev" delay="0">
+                  <p:tgtEl>
+                    <p:sldTgt/>
+                  </p:tgtEl>
+                </p:cond>
+              </p:prevCondLst>
+              <p:nextCondLst>
+                <p:cond evt="onNext" delay="0">
+                  <p:tgtEl>
+                    <p:sldTgt/>
+                  </p:tgtEl>
+                </p:cond>
+              </p:nextCondLst>
+            </p:seq>
+          </p:childTnLst>
+        </p:cTn>
+      </p:par>
+    </p:tnLst>
+    <p:bldLst>
+      <p:bldP spid="5" grpId="0" animBg="1"/>
+      <p:bldP spid="2" grpId="0"/>
+    </p:bldLst>
+  </p:timing>
 </p:sld>
 </file>
 
@@ -6599,6 +7383,9 @@
                     <p:cTn id="3" fill="hold">
                       <p:stCondLst>
                         <p:cond delay="indefinite"/>
+                        <p:cond evt="onBegin" delay="0">
+                          <p:tn val="2"/>
+                        </p:cond>
                       </p:stCondLst>
                       <p:childTnLst>
                         <p:par>
@@ -6608,7 +7395,7 @@
                             </p:stCondLst>
                             <p:childTnLst>
                               <p:par>
-                                <p:cTn id="5" presetID="1" presetClass="entr" presetSubtype="0" fill="hold" grpId="0" nodeType="clickEffect">
+                                <p:cTn id="5" presetID="1" presetClass="entr" presetSubtype="0" fill="hold" grpId="0" nodeType="withEffect">
                                   <p:stCondLst>
                                     <p:cond delay="0"/>
                                   </p:stCondLst>
@@ -6621,7 +7408,568 @@
                                           </p:stCondLst>
                                         </p:cTn>
                                         <p:tgtEl>
+                                          <p:spTgt spid="5"/>
+                                        </p:tgtEl>
+                                        <p:attrNameLst>
+                                          <p:attrName>style.visibility</p:attrName>
+                                        </p:attrNameLst>
+                                      </p:cBhvr>
+                                      <p:to>
+                                        <p:strVal val="visible"/>
+                                      </p:to>
+                                    </p:set>
+                                  </p:childTnLst>
+                                </p:cTn>
+                              </p:par>
+                            </p:childTnLst>
+                          </p:cTn>
+                        </p:par>
+                      </p:childTnLst>
+                    </p:cTn>
+                  </p:par>
+                  <p:par>
+                    <p:cTn id="7" fill="hold">
+                      <p:stCondLst>
+                        <p:cond delay="indefinite"/>
+                      </p:stCondLst>
+                      <p:childTnLst>
+                        <p:par>
+                          <p:cTn id="8" fill="hold">
+                            <p:stCondLst>
+                              <p:cond delay="0"/>
+                            </p:stCondLst>
+                            <p:childTnLst>
+                              <p:par>
+                                <p:cTn id="9" presetID="1" presetClass="entr" presetSubtype="0" fill="hold" nodeType="clickEffect">
+                                  <p:stCondLst>
+                                    <p:cond delay="0"/>
+                                  </p:stCondLst>
+                                  <p:childTnLst>
+                                    <p:set>
+                                      <p:cBhvr>
+                                        <p:cTn id="10" dur="1" fill="hold">
+                                          <p:stCondLst>
+                                            <p:cond delay="0"/>
+                                          </p:stCondLst>
+                                        </p:cTn>
+                                        <p:tgtEl>
+                                          <p:spTgt spid="5">
+                                            <p:txEl>
+                                              <p:pRg st="0" end="0"/>
+                                            </p:txEl>
+                                          </p:spTgt>
+                                        </p:tgtEl>
+                                        <p:attrNameLst>
+                                          <p:attrName>style.visibility</p:attrName>
+                                        </p:attrNameLst>
+                                      </p:cBhvr>
+                                      <p:to>
+                                        <p:strVal val="visible"/>
+                                      </p:to>
+                                    </p:set>
+                                  </p:childTnLst>
+                                </p:cTn>
+                              </p:par>
+                              <p:par>
+                                <p:cTn id="11" presetID="1" presetClass="entr" presetSubtype="0" fill="hold" nodeType="withEffect">
+                                  <p:stCondLst>
+                                    <p:cond delay="0"/>
+                                  </p:stCondLst>
+                                  <p:childTnLst>
+                                    <p:set>
+                                      <p:cBhvr>
+                                        <p:cTn id="12" dur="1" fill="hold">
+                                          <p:stCondLst>
+                                            <p:cond delay="0"/>
+                                          </p:stCondLst>
+                                        </p:cTn>
+                                        <p:tgtEl>
+                                          <p:spTgt spid="5">
+                                            <p:txEl>
+                                              <p:pRg st="1" end="1"/>
+                                            </p:txEl>
+                                          </p:spTgt>
+                                        </p:tgtEl>
+                                        <p:attrNameLst>
+                                          <p:attrName>style.visibility</p:attrName>
+                                        </p:attrNameLst>
+                                      </p:cBhvr>
+                                      <p:to>
+                                        <p:strVal val="visible"/>
+                                      </p:to>
+                                    </p:set>
+                                  </p:childTnLst>
+                                </p:cTn>
+                              </p:par>
+                              <p:par>
+                                <p:cTn id="13" presetID="1" presetClass="entr" presetSubtype="0" fill="hold" nodeType="withEffect">
+                                  <p:stCondLst>
+                                    <p:cond delay="0"/>
+                                  </p:stCondLst>
+                                  <p:childTnLst>
+                                    <p:set>
+                                      <p:cBhvr>
+                                        <p:cTn id="14" dur="1" fill="hold">
+                                          <p:stCondLst>
+                                            <p:cond delay="0"/>
+                                          </p:stCondLst>
+                                        </p:cTn>
+                                        <p:tgtEl>
+                                          <p:spTgt spid="5">
+                                            <p:txEl>
+                                              <p:pRg st="7" end="7"/>
+                                            </p:txEl>
+                                          </p:spTgt>
+                                        </p:tgtEl>
+                                        <p:attrNameLst>
+                                          <p:attrName>style.visibility</p:attrName>
+                                        </p:attrNameLst>
+                                      </p:cBhvr>
+                                      <p:to>
+                                        <p:strVal val="visible"/>
+                                      </p:to>
+                                    </p:set>
+                                  </p:childTnLst>
+                                </p:cTn>
+                              </p:par>
+                              <p:par>
+                                <p:cTn id="15" presetID="1" presetClass="entr" presetSubtype="0" fill="hold" nodeType="withEffect">
+                                  <p:stCondLst>
+                                    <p:cond delay="0"/>
+                                  </p:stCondLst>
+                                  <p:childTnLst>
+                                    <p:set>
+                                      <p:cBhvr>
+                                        <p:cTn id="16" dur="1" fill="hold">
+                                          <p:stCondLst>
+                                            <p:cond delay="0"/>
+                                          </p:stCondLst>
+                                        </p:cTn>
+                                        <p:tgtEl>
+                                          <p:spTgt spid="5">
+                                            <p:txEl>
+                                              <p:pRg st="8" end="8"/>
+                                            </p:txEl>
+                                          </p:spTgt>
+                                        </p:tgtEl>
+                                        <p:attrNameLst>
+                                          <p:attrName>style.visibility</p:attrName>
+                                        </p:attrNameLst>
+                                      </p:cBhvr>
+                                      <p:to>
+                                        <p:strVal val="visible"/>
+                                      </p:to>
+                                    </p:set>
+                                  </p:childTnLst>
+                                </p:cTn>
+                              </p:par>
+                              <p:par>
+                                <p:cTn id="17" presetID="1" presetClass="entr" presetSubtype="0" fill="hold" nodeType="withEffect">
+                                  <p:stCondLst>
+                                    <p:cond delay="0"/>
+                                  </p:stCondLst>
+                                  <p:childTnLst>
+                                    <p:set>
+                                      <p:cBhvr>
+                                        <p:cTn id="18" dur="1" fill="hold">
+                                          <p:stCondLst>
+                                            <p:cond delay="0"/>
+                                          </p:stCondLst>
+                                        </p:cTn>
+                                        <p:tgtEl>
+                                          <p:spTgt spid="5">
+                                            <p:txEl>
+                                              <p:pRg st="9" end="9"/>
+                                            </p:txEl>
+                                          </p:spTgt>
+                                        </p:tgtEl>
+                                        <p:attrNameLst>
+                                          <p:attrName>style.visibility</p:attrName>
+                                        </p:attrNameLst>
+                                      </p:cBhvr>
+                                      <p:to>
+                                        <p:strVal val="visible"/>
+                                      </p:to>
+                                    </p:set>
+                                  </p:childTnLst>
+                                </p:cTn>
+                              </p:par>
+                              <p:par>
+                                <p:cTn id="19" presetID="1" presetClass="entr" presetSubtype="0" fill="hold" nodeType="withEffect">
+                                  <p:stCondLst>
+                                    <p:cond delay="0"/>
+                                  </p:stCondLst>
+                                  <p:childTnLst>
+                                    <p:set>
+                                      <p:cBhvr>
+                                        <p:cTn id="20" dur="1" fill="hold">
+                                          <p:stCondLst>
+                                            <p:cond delay="0"/>
+                                          </p:stCondLst>
+                                        </p:cTn>
+                                        <p:tgtEl>
+                                          <p:spTgt spid="5">
+                                            <p:txEl>
+                                              <p:pRg st="11" end="11"/>
+                                            </p:txEl>
+                                          </p:spTgt>
+                                        </p:tgtEl>
+                                        <p:attrNameLst>
+                                          <p:attrName>style.visibility</p:attrName>
+                                        </p:attrNameLst>
+                                      </p:cBhvr>
+                                      <p:to>
+                                        <p:strVal val="visible"/>
+                                      </p:to>
+                                    </p:set>
+                                  </p:childTnLst>
+                                </p:cTn>
+                              </p:par>
+                              <p:par>
+                                <p:cTn id="21" presetID="1" presetClass="entr" presetSubtype="0" fill="hold" nodeType="withEffect">
+                                  <p:stCondLst>
+                                    <p:cond delay="0"/>
+                                  </p:stCondLst>
+                                  <p:childTnLst>
+                                    <p:set>
+                                      <p:cBhvr>
+                                        <p:cTn id="22" dur="1" fill="hold">
+                                          <p:stCondLst>
+                                            <p:cond delay="0"/>
+                                          </p:stCondLst>
+                                        </p:cTn>
+                                        <p:tgtEl>
+                                          <p:spTgt spid="14"/>
+                                        </p:tgtEl>
+                                        <p:attrNameLst>
+                                          <p:attrName>style.visibility</p:attrName>
+                                        </p:attrNameLst>
+                                      </p:cBhvr>
+                                      <p:to>
+                                        <p:strVal val="visible"/>
+                                      </p:to>
+                                    </p:set>
+                                  </p:childTnLst>
+                                </p:cTn>
+                              </p:par>
+                              <p:par>
+                                <p:cTn id="23" presetID="1" presetClass="entr" presetSubtype="0" fill="hold" nodeType="withEffect">
+                                  <p:stCondLst>
+                                    <p:cond delay="0"/>
+                                  </p:stCondLst>
+                                  <p:childTnLst>
+                                    <p:set>
+                                      <p:cBhvr>
+                                        <p:cTn id="24" dur="1" fill="hold">
+                                          <p:stCondLst>
+                                            <p:cond delay="0"/>
+                                          </p:stCondLst>
+                                        </p:cTn>
+                                        <p:tgtEl>
+                                          <p:spTgt spid="16"/>
+                                        </p:tgtEl>
+                                        <p:attrNameLst>
+                                          <p:attrName>style.visibility</p:attrName>
+                                        </p:attrNameLst>
+                                      </p:cBhvr>
+                                      <p:to>
+                                        <p:strVal val="visible"/>
+                                      </p:to>
+                                    </p:set>
+                                  </p:childTnLst>
+                                </p:cTn>
+                              </p:par>
+                            </p:childTnLst>
+                          </p:cTn>
+                        </p:par>
+                      </p:childTnLst>
+                    </p:cTn>
+                  </p:par>
+                  <p:par>
+                    <p:cTn id="25" fill="hold">
+                      <p:stCondLst>
+                        <p:cond delay="indefinite"/>
+                      </p:stCondLst>
+                      <p:childTnLst>
+                        <p:par>
+                          <p:cTn id="26" fill="hold">
+                            <p:stCondLst>
+                              <p:cond delay="0"/>
+                            </p:stCondLst>
+                            <p:childTnLst>
+                              <p:par>
+                                <p:cTn id="27" presetID="1" presetClass="entr" presetSubtype="0" fill="hold" grpId="0" nodeType="clickEffect">
+                                  <p:stCondLst>
+                                    <p:cond delay="0"/>
+                                  </p:stCondLst>
+                                  <p:childTnLst>
+                                    <p:set>
+                                      <p:cBhvr>
+                                        <p:cTn id="28" dur="1" fill="hold">
+                                          <p:stCondLst>
+                                            <p:cond delay="0"/>
+                                          </p:stCondLst>
+                                        </p:cTn>
+                                        <p:tgtEl>
                                           <p:spTgt spid="6"/>
+                                        </p:tgtEl>
+                                        <p:attrNameLst>
+                                          <p:attrName>style.visibility</p:attrName>
+                                        </p:attrNameLst>
+                                      </p:cBhvr>
+                                      <p:to>
+                                        <p:strVal val="visible"/>
+                                      </p:to>
+                                    </p:set>
+                                  </p:childTnLst>
+                                </p:cTn>
+                              </p:par>
+                            </p:childTnLst>
+                          </p:cTn>
+                        </p:par>
+                      </p:childTnLst>
+                    </p:cTn>
+                  </p:par>
+                  <p:par>
+                    <p:cTn id="29" fill="hold">
+                      <p:stCondLst>
+                        <p:cond delay="indefinite"/>
+                      </p:stCondLst>
+                      <p:childTnLst>
+                        <p:par>
+                          <p:cTn id="30" fill="hold">
+                            <p:stCondLst>
+                              <p:cond delay="0"/>
+                            </p:stCondLst>
+                            <p:childTnLst>
+                              <p:par>
+                                <p:cTn id="31" presetID="1" presetClass="entr" presetSubtype="0" fill="hold" nodeType="clickEffect">
+                                  <p:stCondLst>
+                                    <p:cond delay="0"/>
+                                  </p:stCondLst>
+                                  <p:childTnLst>
+                                    <p:set>
+                                      <p:cBhvr>
+                                        <p:cTn id="32" dur="1" fill="hold">
+                                          <p:stCondLst>
+                                            <p:cond delay="0"/>
+                                          </p:stCondLst>
+                                        </p:cTn>
+                                        <p:tgtEl>
+                                          <p:spTgt spid="5">
+                                            <p:txEl>
+                                              <p:pRg st="2" end="2"/>
+                                            </p:txEl>
+                                          </p:spTgt>
+                                        </p:tgtEl>
+                                        <p:attrNameLst>
+                                          <p:attrName>style.visibility</p:attrName>
+                                        </p:attrNameLst>
+                                      </p:cBhvr>
+                                      <p:to>
+                                        <p:strVal val="visible"/>
+                                      </p:to>
+                                    </p:set>
+                                  </p:childTnLst>
+                                </p:cTn>
+                              </p:par>
+                              <p:par>
+                                <p:cTn id="33" presetID="1" presetClass="entr" presetSubtype="0" fill="hold" nodeType="withEffect">
+                                  <p:stCondLst>
+                                    <p:cond delay="0"/>
+                                  </p:stCondLst>
+                                  <p:childTnLst>
+                                    <p:set>
+                                      <p:cBhvr>
+                                        <p:cTn id="34" dur="1" fill="hold">
+                                          <p:stCondLst>
+                                            <p:cond delay="0"/>
+                                          </p:stCondLst>
+                                        </p:cTn>
+                                        <p:tgtEl>
+                                          <p:spTgt spid="5">
+                                            <p:txEl>
+                                              <p:pRg st="3" end="3"/>
+                                            </p:txEl>
+                                          </p:spTgt>
+                                        </p:tgtEl>
+                                        <p:attrNameLst>
+                                          <p:attrName>style.visibility</p:attrName>
+                                        </p:attrNameLst>
+                                      </p:cBhvr>
+                                      <p:to>
+                                        <p:strVal val="visible"/>
+                                      </p:to>
+                                    </p:set>
+                                  </p:childTnLst>
+                                </p:cTn>
+                              </p:par>
+                            </p:childTnLst>
+                          </p:cTn>
+                        </p:par>
+                      </p:childTnLst>
+                    </p:cTn>
+                  </p:par>
+                  <p:par>
+                    <p:cTn id="35" fill="hold">
+                      <p:stCondLst>
+                        <p:cond delay="indefinite"/>
+                      </p:stCondLst>
+                      <p:childTnLst>
+                        <p:par>
+                          <p:cTn id="36" fill="hold">
+                            <p:stCondLst>
+                              <p:cond delay="0"/>
+                            </p:stCondLst>
+                            <p:childTnLst>
+                              <p:par>
+                                <p:cTn id="37" presetID="1" presetClass="entr" presetSubtype="0" fill="hold" nodeType="clickEffect">
+                                  <p:stCondLst>
+                                    <p:cond delay="0"/>
+                                  </p:stCondLst>
+                                  <p:childTnLst>
+                                    <p:set>
+                                      <p:cBhvr>
+                                        <p:cTn id="38" dur="1" fill="hold">
+                                          <p:stCondLst>
+                                            <p:cond delay="0"/>
+                                          </p:stCondLst>
+                                        </p:cTn>
+                                        <p:tgtEl>
+                                          <p:spTgt spid="5">
+                                            <p:txEl>
+                                              <p:pRg st="4" end="4"/>
+                                            </p:txEl>
+                                          </p:spTgt>
+                                        </p:tgtEl>
+                                        <p:attrNameLst>
+                                          <p:attrName>style.visibility</p:attrName>
+                                        </p:attrNameLst>
+                                      </p:cBhvr>
+                                      <p:to>
+                                        <p:strVal val="visible"/>
+                                      </p:to>
+                                    </p:set>
+                                  </p:childTnLst>
+                                </p:cTn>
+                              </p:par>
+                              <p:par>
+                                <p:cTn id="39" presetID="1" presetClass="entr" presetSubtype="0" fill="hold" nodeType="withEffect">
+                                  <p:stCondLst>
+                                    <p:cond delay="0"/>
+                                  </p:stCondLst>
+                                  <p:childTnLst>
+                                    <p:set>
+                                      <p:cBhvr>
+                                        <p:cTn id="40" dur="1" fill="hold">
+                                          <p:stCondLst>
+                                            <p:cond delay="0"/>
+                                          </p:stCondLst>
+                                        </p:cTn>
+                                        <p:tgtEl>
+                                          <p:spTgt spid="5">
+                                            <p:txEl>
+                                              <p:pRg st="5" end="5"/>
+                                            </p:txEl>
+                                          </p:spTgt>
+                                        </p:tgtEl>
+                                        <p:attrNameLst>
+                                          <p:attrName>style.visibility</p:attrName>
+                                        </p:attrNameLst>
+                                      </p:cBhvr>
+                                      <p:to>
+                                        <p:strVal val="visible"/>
+                                      </p:to>
+                                    </p:set>
+                                  </p:childTnLst>
+                                </p:cTn>
+                              </p:par>
+                            </p:childTnLst>
+                          </p:cTn>
+                        </p:par>
+                      </p:childTnLst>
+                    </p:cTn>
+                  </p:par>
+                  <p:par>
+                    <p:cTn id="41" fill="hold">
+                      <p:stCondLst>
+                        <p:cond delay="indefinite"/>
+                      </p:stCondLst>
+                      <p:childTnLst>
+                        <p:par>
+                          <p:cTn id="42" fill="hold">
+                            <p:stCondLst>
+                              <p:cond delay="0"/>
+                            </p:stCondLst>
+                            <p:childTnLst>
+                              <p:par>
+                                <p:cTn id="43" presetID="1" presetClass="entr" presetSubtype="0" fill="hold" nodeType="clickEffect">
+                                  <p:stCondLst>
+                                    <p:cond delay="0"/>
+                                  </p:stCondLst>
+                                  <p:childTnLst>
+                                    <p:set>
+                                      <p:cBhvr>
+                                        <p:cTn id="44" dur="1" fill="hold">
+                                          <p:stCondLst>
+                                            <p:cond delay="0"/>
+                                          </p:stCondLst>
+                                        </p:cTn>
+                                        <p:tgtEl>
+                                          <p:spTgt spid="5">
+                                            <p:txEl>
+                                              <p:pRg st="6" end="6"/>
+                                            </p:txEl>
+                                          </p:spTgt>
+                                        </p:tgtEl>
+                                        <p:attrNameLst>
+                                          <p:attrName>style.visibility</p:attrName>
+                                        </p:attrNameLst>
+                                      </p:cBhvr>
+                                      <p:to>
+                                        <p:strVal val="visible"/>
+                                      </p:to>
+                                    </p:set>
+                                  </p:childTnLst>
+                                </p:cTn>
+                              </p:par>
+                            </p:childTnLst>
+                          </p:cTn>
+                        </p:par>
+                      </p:childTnLst>
+                    </p:cTn>
+                  </p:par>
+                  <p:par>
+                    <p:cTn id="45" fill="hold">
+                      <p:stCondLst>
+                        <p:cond delay="indefinite"/>
+                      </p:stCondLst>
+                      <p:childTnLst>
+                        <p:par>
+                          <p:cTn id="46" fill="hold">
+                            <p:stCondLst>
+                              <p:cond delay="0"/>
+                            </p:stCondLst>
+                            <p:childTnLst>
+                              <p:par>
+                                <p:cTn id="47" presetID="1" presetClass="entr" presetSubtype="0" fill="hold" nodeType="clickEffect">
+                                  <p:stCondLst>
+                                    <p:cond delay="0"/>
+                                  </p:stCondLst>
+                                  <p:childTnLst>
+                                    <p:set>
+                                      <p:cBhvr>
+                                        <p:cTn id="48" dur="1" fill="hold">
+                                          <p:stCondLst>
+                                            <p:cond delay="0"/>
+                                          </p:stCondLst>
+                                        </p:cTn>
+                                        <p:tgtEl>
+                                          <p:spTgt spid="5">
+                                            <p:txEl>
+                                              <p:pRg st="10" end="10"/>
+                                            </p:txEl>
+                                          </p:spTgt>
                                         </p:tgtEl>
                                         <p:attrNameLst>
                                           <p:attrName>style.visibility</p:attrName>
@@ -6662,6 +8010,7 @@
       </p:par>
     </p:tnLst>
     <p:bldLst>
+      <p:bldP spid="5" grpId="0" animBg="1"/>
       <p:bldP spid="6" grpId="0" animBg="1"/>
     </p:bldLst>
   </p:timing>
@@ -8285,6 +9634,764 @@
   <p:clrMapOvr>
     <a:masterClrMapping/>
   </p:clrMapOvr>
+  <p:timing>
+    <p:tnLst>
+      <p:par>
+        <p:cTn id="1" dur="indefinite" restart="never" nodeType="tmRoot">
+          <p:childTnLst>
+            <p:seq concurrent="1" nextAc="seek">
+              <p:cTn id="2" dur="indefinite" nodeType="mainSeq">
+                <p:childTnLst>
+                  <p:par>
+                    <p:cTn id="3" fill="hold">
+                      <p:stCondLst>
+                        <p:cond delay="indefinite"/>
+                        <p:cond evt="onBegin" delay="0">
+                          <p:tn val="2"/>
+                        </p:cond>
+                      </p:stCondLst>
+                      <p:childTnLst>
+                        <p:par>
+                          <p:cTn id="4" fill="hold">
+                            <p:stCondLst>
+                              <p:cond delay="0"/>
+                            </p:stCondLst>
+                            <p:childTnLst>
+                              <p:par>
+                                <p:cTn id="5" presetID="1" presetClass="entr" presetSubtype="0" fill="hold" nodeType="withEffect">
+                                  <p:stCondLst>
+                                    <p:cond delay="0"/>
+                                  </p:stCondLst>
+                                  <p:childTnLst>
+                                    <p:set>
+                                      <p:cBhvr>
+                                        <p:cTn id="6" dur="1" fill="hold">
+                                          <p:stCondLst>
+                                            <p:cond delay="0"/>
+                                          </p:stCondLst>
+                                        </p:cTn>
+                                        <p:tgtEl>
+                                          <p:spTgt spid="3">
+                                            <p:txEl>
+                                              <p:pRg st="0" end="0"/>
+                                            </p:txEl>
+                                          </p:spTgt>
+                                        </p:tgtEl>
+                                        <p:attrNameLst>
+                                          <p:attrName>style.visibility</p:attrName>
+                                        </p:attrNameLst>
+                                      </p:cBhvr>
+                                      <p:to>
+                                        <p:strVal val="visible"/>
+                                      </p:to>
+                                    </p:set>
+                                  </p:childTnLst>
+                                </p:cTn>
+                              </p:par>
+                            </p:childTnLst>
+                          </p:cTn>
+                        </p:par>
+                      </p:childTnLst>
+                    </p:cTn>
+                  </p:par>
+                  <p:par>
+                    <p:cTn id="7" fill="hold">
+                      <p:stCondLst>
+                        <p:cond delay="indefinite"/>
+                      </p:stCondLst>
+                      <p:childTnLst>
+                        <p:par>
+                          <p:cTn id="8" fill="hold">
+                            <p:stCondLst>
+                              <p:cond delay="0"/>
+                            </p:stCondLst>
+                            <p:childTnLst>
+                              <p:par>
+                                <p:cTn id="9" presetID="1" presetClass="entr" presetSubtype="0" fill="hold" nodeType="clickEffect">
+                                  <p:stCondLst>
+                                    <p:cond delay="0"/>
+                                  </p:stCondLst>
+                                  <p:childTnLst>
+                                    <p:set>
+                                      <p:cBhvr>
+                                        <p:cTn id="10" dur="1" fill="hold">
+                                          <p:stCondLst>
+                                            <p:cond delay="0"/>
+                                          </p:stCondLst>
+                                        </p:cTn>
+                                        <p:tgtEl>
+                                          <p:spTgt spid="3">
+                                            <p:txEl>
+                                              <p:pRg st="1" end="1"/>
+                                            </p:txEl>
+                                          </p:spTgt>
+                                        </p:tgtEl>
+                                        <p:attrNameLst>
+                                          <p:attrName>style.visibility</p:attrName>
+                                        </p:attrNameLst>
+                                      </p:cBhvr>
+                                      <p:to>
+                                        <p:strVal val="visible"/>
+                                      </p:to>
+                                    </p:set>
+                                  </p:childTnLst>
+                                </p:cTn>
+                              </p:par>
+                              <p:par>
+                                <p:cTn id="11" presetID="1" presetClass="entr" presetSubtype="0" fill="hold" nodeType="withEffect">
+                                  <p:stCondLst>
+                                    <p:cond delay="0"/>
+                                  </p:stCondLst>
+                                  <p:childTnLst>
+                                    <p:set>
+                                      <p:cBhvr>
+                                        <p:cTn id="12" dur="1" fill="hold">
+                                          <p:stCondLst>
+                                            <p:cond delay="0"/>
+                                          </p:stCondLst>
+                                        </p:cTn>
+                                        <p:tgtEl>
+                                          <p:spTgt spid="3">
+                                            <p:txEl>
+                                              <p:pRg st="2" end="2"/>
+                                            </p:txEl>
+                                          </p:spTgt>
+                                        </p:tgtEl>
+                                        <p:attrNameLst>
+                                          <p:attrName>style.visibility</p:attrName>
+                                        </p:attrNameLst>
+                                      </p:cBhvr>
+                                      <p:to>
+                                        <p:strVal val="visible"/>
+                                      </p:to>
+                                    </p:set>
+                                  </p:childTnLst>
+                                </p:cTn>
+                              </p:par>
+                              <p:par>
+                                <p:cTn id="13" presetID="1" presetClass="entr" presetSubtype="0" fill="hold" nodeType="withEffect">
+                                  <p:stCondLst>
+                                    <p:cond delay="0"/>
+                                  </p:stCondLst>
+                                  <p:childTnLst>
+                                    <p:set>
+                                      <p:cBhvr>
+                                        <p:cTn id="14" dur="1" fill="hold">
+                                          <p:stCondLst>
+                                            <p:cond delay="0"/>
+                                          </p:stCondLst>
+                                        </p:cTn>
+                                        <p:tgtEl>
+                                          <p:spTgt spid="3">
+                                            <p:txEl>
+                                              <p:pRg st="3" end="3"/>
+                                            </p:txEl>
+                                          </p:spTgt>
+                                        </p:tgtEl>
+                                        <p:attrNameLst>
+                                          <p:attrName>style.visibility</p:attrName>
+                                        </p:attrNameLst>
+                                      </p:cBhvr>
+                                      <p:to>
+                                        <p:strVal val="visible"/>
+                                      </p:to>
+                                    </p:set>
+                                  </p:childTnLst>
+                                </p:cTn>
+                              </p:par>
+                            </p:childTnLst>
+                          </p:cTn>
+                        </p:par>
+                      </p:childTnLst>
+                    </p:cTn>
+                  </p:par>
+                  <p:par>
+                    <p:cTn id="15" fill="hold">
+                      <p:stCondLst>
+                        <p:cond delay="indefinite"/>
+                      </p:stCondLst>
+                      <p:childTnLst>
+                        <p:par>
+                          <p:cTn id="16" fill="hold">
+                            <p:stCondLst>
+                              <p:cond delay="0"/>
+                            </p:stCondLst>
+                            <p:childTnLst>
+                              <p:par>
+                                <p:cTn id="17" presetID="1" presetClass="entr" presetSubtype="0" fill="hold" nodeType="clickEffect">
+                                  <p:stCondLst>
+                                    <p:cond delay="0"/>
+                                  </p:stCondLst>
+                                  <p:childTnLst>
+                                    <p:set>
+                                      <p:cBhvr>
+                                        <p:cTn id="18" dur="1" fill="hold">
+                                          <p:stCondLst>
+                                            <p:cond delay="0"/>
+                                          </p:stCondLst>
+                                        </p:cTn>
+                                        <p:tgtEl>
+                                          <p:spTgt spid="6">
+                                            <p:txEl>
+                                              <p:pRg st="0" end="0"/>
+                                            </p:txEl>
+                                          </p:spTgt>
+                                        </p:tgtEl>
+                                        <p:attrNameLst>
+                                          <p:attrName>style.visibility</p:attrName>
+                                        </p:attrNameLst>
+                                      </p:cBhvr>
+                                      <p:to>
+                                        <p:strVal val="visible"/>
+                                      </p:to>
+                                    </p:set>
+                                  </p:childTnLst>
+                                </p:cTn>
+                              </p:par>
+                            </p:childTnLst>
+                          </p:cTn>
+                        </p:par>
+                      </p:childTnLst>
+                    </p:cTn>
+                  </p:par>
+                  <p:par>
+                    <p:cTn id="19" fill="hold">
+                      <p:stCondLst>
+                        <p:cond delay="indefinite"/>
+                      </p:stCondLst>
+                      <p:childTnLst>
+                        <p:par>
+                          <p:cTn id="20" fill="hold">
+                            <p:stCondLst>
+                              <p:cond delay="0"/>
+                            </p:stCondLst>
+                            <p:childTnLst>
+                              <p:par>
+                                <p:cTn id="21" presetID="1" presetClass="entr" presetSubtype="0" fill="hold" nodeType="clickEffect">
+                                  <p:stCondLst>
+                                    <p:cond delay="0"/>
+                                  </p:stCondLst>
+                                  <p:childTnLst>
+                                    <p:set>
+                                      <p:cBhvr>
+                                        <p:cTn id="22" dur="1" fill="hold">
+                                          <p:stCondLst>
+                                            <p:cond delay="0"/>
+                                          </p:stCondLst>
+                                        </p:cTn>
+                                        <p:tgtEl>
+                                          <p:spTgt spid="6">
+                                            <p:txEl>
+                                              <p:pRg st="1" end="1"/>
+                                            </p:txEl>
+                                          </p:spTgt>
+                                        </p:tgtEl>
+                                        <p:attrNameLst>
+                                          <p:attrName>style.visibility</p:attrName>
+                                        </p:attrNameLst>
+                                      </p:cBhvr>
+                                      <p:to>
+                                        <p:strVal val="visible"/>
+                                      </p:to>
+                                    </p:set>
+                                  </p:childTnLst>
+                                </p:cTn>
+                              </p:par>
+                            </p:childTnLst>
+                          </p:cTn>
+                        </p:par>
+                      </p:childTnLst>
+                    </p:cTn>
+                  </p:par>
+                  <p:par>
+                    <p:cTn id="23" fill="hold">
+                      <p:stCondLst>
+                        <p:cond delay="indefinite"/>
+                      </p:stCondLst>
+                      <p:childTnLst>
+                        <p:par>
+                          <p:cTn id="24" fill="hold">
+                            <p:stCondLst>
+                              <p:cond delay="0"/>
+                            </p:stCondLst>
+                            <p:childTnLst>
+                              <p:par>
+                                <p:cTn id="25" presetID="1" presetClass="entr" presetSubtype="0" fill="hold" grpId="0" nodeType="clickEffect">
+                                  <p:stCondLst>
+                                    <p:cond delay="0"/>
+                                  </p:stCondLst>
+                                  <p:childTnLst>
+                                    <p:set>
+                                      <p:cBhvr>
+                                        <p:cTn id="26" dur="1" fill="hold">
+                                          <p:stCondLst>
+                                            <p:cond delay="0"/>
+                                          </p:stCondLst>
+                                        </p:cTn>
+                                        <p:tgtEl>
+                                          <p:spTgt spid="7"/>
+                                        </p:tgtEl>
+                                        <p:attrNameLst>
+                                          <p:attrName>style.visibility</p:attrName>
+                                        </p:attrNameLst>
+                                      </p:cBhvr>
+                                      <p:to>
+                                        <p:strVal val="visible"/>
+                                      </p:to>
+                                    </p:set>
+                                  </p:childTnLst>
+                                </p:cTn>
+                              </p:par>
+                              <p:par>
+                                <p:cTn id="27" presetID="1" presetClass="entr" presetSubtype="0" fill="hold" nodeType="withEffect">
+                                  <p:stCondLst>
+                                    <p:cond delay="0"/>
+                                  </p:stCondLst>
+                                  <p:childTnLst>
+                                    <p:set>
+                                      <p:cBhvr>
+                                        <p:cTn id="28" dur="1" fill="hold">
+                                          <p:stCondLst>
+                                            <p:cond delay="0"/>
+                                          </p:stCondLst>
+                                        </p:cTn>
+                                        <p:tgtEl>
+                                          <p:spTgt spid="7">
+                                            <p:txEl>
+                                              <p:pRg st="0" end="0"/>
+                                            </p:txEl>
+                                          </p:spTgt>
+                                        </p:tgtEl>
+                                        <p:attrNameLst>
+                                          <p:attrName>style.visibility</p:attrName>
+                                        </p:attrNameLst>
+                                      </p:cBhvr>
+                                      <p:to>
+                                        <p:strVal val="visible"/>
+                                      </p:to>
+                                    </p:set>
+                                  </p:childTnLst>
+                                </p:cTn>
+                              </p:par>
+                              <p:par>
+                                <p:cTn id="29" presetID="1" presetClass="entr" presetSubtype="0" fill="hold" nodeType="withEffect">
+                                  <p:stCondLst>
+                                    <p:cond delay="0"/>
+                                  </p:stCondLst>
+                                  <p:childTnLst>
+                                    <p:set>
+                                      <p:cBhvr>
+                                        <p:cTn id="30" dur="1" fill="hold">
+                                          <p:stCondLst>
+                                            <p:cond delay="0"/>
+                                          </p:stCondLst>
+                                        </p:cTn>
+                                        <p:tgtEl>
+                                          <p:spTgt spid="7">
+                                            <p:txEl>
+                                              <p:pRg st="1" end="1"/>
+                                            </p:txEl>
+                                          </p:spTgt>
+                                        </p:tgtEl>
+                                        <p:attrNameLst>
+                                          <p:attrName>style.visibility</p:attrName>
+                                        </p:attrNameLst>
+                                      </p:cBhvr>
+                                      <p:to>
+                                        <p:strVal val="visible"/>
+                                      </p:to>
+                                    </p:set>
+                                  </p:childTnLst>
+                                </p:cTn>
+                              </p:par>
+                              <p:par>
+                                <p:cTn id="31" presetID="1" presetClass="entr" presetSubtype="0" fill="hold" nodeType="withEffect">
+                                  <p:stCondLst>
+                                    <p:cond delay="0"/>
+                                  </p:stCondLst>
+                                  <p:childTnLst>
+                                    <p:set>
+                                      <p:cBhvr>
+                                        <p:cTn id="32" dur="1" fill="hold">
+                                          <p:stCondLst>
+                                            <p:cond delay="0"/>
+                                          </p:stCondLst>
+                                        </p:cTn>
+                                        <p:tgtEl>
+                                          <p:spTgt spid="7">
+                                            <p:txEl>
+                                              <p:pRg st="2" end="2"/>
+                                            </p:txEl>
+                                          </p:spTgt>
+                                        </p:tgtEl>
+                                        <p:attrNameLst>
+                                          <p:attrName>style.visibility</p:attrName>
+                                        </p:attrNameLst>
+                                      </p:cBhvr>
+                                      <p:to>
+                                        <p:strVal val="visible"/>
+                                      </p:to>
+                                    </p:set>
+                                  </p:childTnLst>
+                                </p:cTn>
+                              </p:par>
+                              <p:par>
+                                <p:cTn id="33" presetID="1" presetClass="entr" presetSubtype="0" fill="hold" nodeType="withEffect">
+                                  <p:stCondLst>
+                                    <p:cond delay="0"/>
+                                  </p:stCondLst>
+                                  <p:childTnLst>
+                                    <p:set>
+                                      <p:cBhvr>
+                                        <p:cTn id="34" dur="1" fill="hold">
+                                          <p:stCondLst>
+                                            <p:cond delay="0"/>
+                                          </p:stCondLst>
+                                        </p:cTn>
+                                        <p:tgtEl>
+                                          <p:spTgt spid="9218"/>
+                                        </p:tgtEl>
+                                        <p:attrNameLst>
+                                          <p:attrName>style.visibility</p:attrName>
+                                        </p:attrNameLst>
+                                      </p:cBhvr>
+                                      <p:to>
+                                        <p:strVal val="visible"/>
+                                      </p:to>
+                                    </p:set>
+                                  </p:childTnLst>
+                                </p:cTn>
+                              </p:par>
+                            </p:childTnLst>
+                          </p:cTn>
+                        </p:par>
+                      </p:childTnLst>
+                    </p:cTn>
+                  </p:par>
+                  <p:par>
+                    <p:cTn id="35" fill="hold">
+                      <p:stCondLst>
+                        <p:cond delay="indefinite"/>
+                      </p:stCondLst>
+                      <p:childTnLst>
+                        <p:par>
+                          <p:cTn id="36" fill="hold">
+                            <p:stCondLst>
+                              <p:cond delay="0"/>
+                            </p:stCondLst>
+                            <p:childTnLst>
+                              <p:par>
+                                <p:cTn id="37" presetID="1" presetClass="entr" presetSubtype="0" fill="hold" nodeType="clickEffect">
+                                  <p:stCondLst>
+                                    <p:cond delay="0"/>
+                                  </p:stCondLst>
+                                  <p:childTnLst>
+                                    <p:set>
+                                      <p:cBhvr>
+                                        <p:cTn id="38" dur="1" fill="hold">
+                                          <p:stCondLst>
+                                            <p:cond delay="0"/>
+                                          </p:stCondLst>
+                                        </p:cTn>
+                                        <p:tgtEl>
+                                          <p:spTgt spid="7">
+                                            <p:txEl>
+                                              <p:pRg st="3" end="3"/>
+                                            </p:txEl>
+                                          </p:spTgt>
+                                        </p:tgtEl>
+                                        <p:attrNameLst>
+                                          <p:attrName>style.visibility</p:attrName>
+                                        </p:attrNameLst>
+                                      </p:cBhvr>
+                                      <p:to>
+                                        <p:strVal val="visible"/>
+                                      </p:to>
+                                    </p:set>
+                                  </p:childTnLst>
+                                </p:cTn>
+                              </p:par>
+                              <p:par>
+                                <p:cTn id="39" presetID="1" presetClass="entr" presetSubtype="0" fill="hold" nodeType="withEffect">
+                                  <p:stCondLst>
+                                    <p:cond delay="0"/>
+                                  </p:stCondLst>
+                                  <p:childTnLst>
+                                    <p:set>
+                                      <p:cBhvr>
+                                        <p:cTn id="40" dur="1" fill="hold">
+                                          <p:stCondLst>
+                                            <p:cond delay="0"/>
+                                          </p:stCondLst>
+                                        </p:cTn>
+                                        <p:tgtEl>
+                                          <p:spTgt spid="7">
+                                            <p:txEl>
+                                              <p:pRg st="4" end="4"/>
+                                            </p:txEl>
+                                          </p:spTgt>
+                                        </p:tgtEl>
+                                        <p:attrNameLst>
+                                          <p:attrName>style.visibility</p:attrName>
+                                        </p:attrNameLst>
+                                      </p:cBhvr>
+                                      <p:to>
+                                        <p:strVal val="visible"/>
+                                      </p:to>
+                                    </p:set>
+                                  </p:childTnLst>
+                                </p:cTn>
+                              </p:par>
+                              <p:par>
+                                <p:cTn id="41" presetID="1" presetClass="entr" presetSubtype="0" fill="hold" nodeType="withEffect">
+                                  <p:stCondLst>
+                                    <p:cond delay="0"/>
+                                  </p:stCondLst>
+                                  <p:childTnLst>
+                                    <p:set>
+                                      <p:cBhvr>
+                                        <p:cTn id="42" dur="1" fill="hold">
+                                          <p:stCondLst>
+                                            <p:cond delay="0"/>
+                                          </p:stCondLst>
+                                        </p:cTn>
+                                        <p:tgtEl>
+                                          <p:spTgt spid="7">
+                                            <p:txEl>
+                                              <p:pRg st="5" end="5"/>
+                                            </p:txEl>
+                                          </p:spTgt>
+                                        </p:tgtEl>
+                                        <p:attrNameLst>
+                                          <p:attrName>style.visibility</p:attrName>
+                                        </p:attrNameLst>
+                                      </p:cBhvr>
+                                      <p:to>
+                                        <p:strVal val="visible"/>
+                                      </p:to>
+                                    </p:set>
+                                  </p:childTnLst>
+                                </p:cTn>
+                              </p:par>
+                              <p:par>
+                                <p:cTn id="43" presetID="1" presetClass="entr" presetSubtype="0" fill="hold" nodeType="withEffect">
+                                  <p:stCondLst>
+                                    <p:cond delay="0"/>
+                                  </p:stCondLst>
+                                  <p:childTnLst>
+                                    <p:set>
+                                      <p:cBhvr>
+                                        <p:cTn id="44" dur="1" fill="hold">
+                                          <p:stCondLst>
+                                            <p:cond delay="0"/>
+                                          </p:stCondLst>
+                                        </p:cTn>
+                                        <p:tgtEl>
+                                          <p:spTgt spid="7">
+                                            <p:txEl>
+                                              <p:pRg st="6" end="6"/>
+                                            </p:txEl>
+                                          </p:spTgt>
+                                        </p:tgtEl>
+                                        <p:attrNameLst>
+                                          <p:attrName>style.visibility</p:attrName>
+                                        </p:attrNameLst>
+                                      </p:cBhvr>
+                                      <p:to>
+                                        <p:strVal val="visible"/>
+                                      </p:to>
+                                    </p:set>
+                                  </p:childTnLst>
+                                </p:cTn>
+                              </p:par>
+                              <p:par>
+                                <p:cTn id="45" presetID="1" presetClass="entr" presetSubtype="0" fill="hold" nodeType="withEffect">
+                                  <p:stCondLst>
+                                    <p:cond delay="0"/>
+                                  </p:stCondLst>
+                                  <p:childTnLst>
+                                    <p:set>
+                                      <p:cBhvr>
+                                        <p:cTn id="46" dur="1" fill="hold">
+                                          <p:stCondLst>
+                                            <p:cond delay="0"/>
+                                          </p:stCondLst>
+                                        </p:cTn>
+                                        <p:tgtEl>
+                                          <p:spTgt spid="7">
+                                            <p:txEl>
+                                              <p:pRg st="7" end="7"/>
+                                            </p:txEl>
+                                          </p:spTgt>
+                                        </p:tgtEl>
+                                        <p:attrNameLst>
+                                          <p:attrName>style.visibility</p:attrName>
+                                        </p:attrNameLst>
+                                      </p:cBhvr>
+                                      <p:to>
+                                        <p:strVal val="visible"/>
+                                      </p:to>
+                                    </p:set>
+                                  </p:childTnLst>
+                                </p:cTn>
+                              </p:par>
+                              <p:par>
+                                <p:cTn id="47" presetID="1" presetClass="entr" presetSubtype="0" fill="hold" nodeType="withEffect">
+                                  <p:stCondLst>
+                                    <p:cond delay="0"/>
+                                  </p:stCondLst>
+                                  <p:childTnLst>
+                                    <p:set>
+                                      <p:cBhvr>
+                                        <p:cTn id="48" dur="1" fill="hold">
+                                          <p:stCondLst>
+                                            <p:cond delay="0"/>
+                                          </p:stCondLst>
+                                        </p:cTn>
+                                        <p:tgtEl>
+                                          <p:spTgt spid="7">
+                                            <p:txEl>
+                                              <p:pRg st="8" end="8"/>
+                                            </p:txEl>
+                                          </p:spTgt>
+                                        </p:tgtEl>
+                                        <p:attrNameLst>
+                                          <p:attrName>style.visibility</p:attrName>
+                                        </p:attrNameLst>
+                                      </p:cBhvr>
+                                      <p:to>
+                                        <p:strVal val="visible"/>
+                                      </p:to>
+                                    </p:set>
+                                  </p:childTnLst>
+                                </p:cTn>
+                              </p:par>
+                            </p:childTnLst>
+                          </p:cTn>
+                        </p:par>
+                      </p:childTnLst>
+                    </p:cTn>
+                  </p:par>
+                  <p:par>
+                    <p:cTn id="49" fill="hold">
+                      <p:stCondLst>
+                        <p:cond delay="indefinite"/>
+                      </p:stCondLst>
+                      <p:childTnLst>
+                        <p:par>
+                          <p:cTn id="50" fill="hold">
+                            <p:stCondLst>
+                              <p:cond delay="0"/>
+                            </p:stCondLst>
+                            <p:childTnLst>
+                              <p:par>
+                                <p:cTn id="51" presetID="1" presetClass="entr" presetSubtype="0" fill="hold" nodeType="clickEffect">
+                                  <p:stCondLst>
+                                    <p:cond delay="0"/>
+                                  </p:stCondLst>
+                                  <p:childTnLst>
+                                    <p:set>
+                                      <p:cBhvr>
+                                        <p:cTn id="52" dur="1" fill="hold">
+                                          <p:stCondLst>
+                                            <p:cond delay="0"/>
+                                          </p:stCondLst>
+                                        </p:cTn>
+                                        <p:tgtEl>
+                                          <p:spTgt spid="7">
+                                            <p:txEl>
+                                              <p:pRg st="9" end="9"/>
+                                            </p:txEl>
+                                          </p:spTgt>
+                                        </p:tgtEl>
+                                        <p:attrNameLst>
+                                          <p:attrName>style.visibility</p:attrName>
+                                        </p:attrNameLst>
+                                      </p:cBhvr>
+                                      <p:to>
+                                        <p:strVal val="visible"/>
+                                      </p:to>
+                                    </p:set>
+                                  </p:childTnLst>
+                                </p:cTn>
+                              </p:par>
+                            </p:childTnLst>
+                          </p:cTn>
+                        </p:par>
+                      </p:childTnLst>
+                    </p:cTn>
+                  </p:par>
+                  <p:par>
+                    <p:cTn id="53" fill="hold">
+                      <p:stCondLst>
+                        <p:cond delay="indefinite"/>
+                      </p:stCondLst>
+                      <p:childTnLst>
+                        <p:par>
+                          <p:cTn id="54" fill="hold">
+                            <p:stCondLst>
+                              <p:cond delay="0"/>
+                            </p:stCondLst>
+                            <p:childTnLst>
+                              <p:par>
+                                <p:cTn id="55" presetID="1" presetClass="entr" presetSubtype="0" fill="hold" grpId="0" nodeType="clickEffect">
+                                  <p:stCondLst>
+                                    <p:cond delay="0"/>
+                                  </p:stCondLst>
+                                  <p:childTnLst>
+                                    <p:set>
+                                      <p:cBhvr>
+                                        <p:cTn id="56" dur="1" fill="hold">
+                                          <p:stCondLst>
+                                            <p:cond delay="0"/>
+                                          </p:stCondLst>
+                                        </p:cTn>
+                                        <p:tgtEl>
+                                          <p:spTgt spid="2"/>
+                                        </p:tgtEl>
+                                        <p:attrNameLst>
+                                          <p:attrName>style.visibility</p:attrName>
+                                        </p:attrNameLst>
+                                      </p:cBhvr>
+                                      <p:to>
+                                        <p:strVal val="visible"/>
+                                      </p:to>
+                                    </p:set>
+                                  </p:childTnLst>
+                                </p:cTn>
+                              </p:par>
+                            </p:childTnLst>
+                          </p:cTn>
+                        </p:par>
+                      </p:childTnLst>
+                    </p:cTn>
+                  </p:par>
+                </p:childTnLst>
+              </p:cTn>
+              <p:prevCondLst>
+                <p:cond evt="onPrev" delay="0">
+                  <p:tgtEl>
+                    <p:sldTgt/>
+                  </p:tgtEl>
+                </p:cond>
+              </p:prevCondLst>
+              <p:nextCondLst>
+                <p:cond evt="onNext" delay="0">
+                  <p:tgtEl>
+                    <p:sldTgt/>
+                  </p:tgtEl>
+                </p:cond>
+              </p:nextCondLst>
+            </p:seq>
+          </p:childTnLst>
+        </p:cTn>
+      </p:par>
+    </p:tnLst>
+    <p:bldLst>
+      <p:bldP spid="7" grpId="0" animBg="1"/>
+      <p:bldP spid="2" grpId="0"/>
+    </p:bldLst>
+  </p:timing>
 </p:sld>
 </file>
 
@@ -10684,6 +12791,471 @@
   <p:clrMapOvr>
     <a:masterClrMapping/>
   </p:clrMapOvr>
+  <p:timing>
+    <p:tnLst>
+      <p:par>
+        <p:cTn id="1" dur="indefinite" restart="never" nodeType="tmRoot">
+          <p:childTnLst>
+            <p:seq concurrent="1" nextAc="seek">
+              <p:cTn id="2" dur="indefinite" nodeType="mainSeq">
+                <p:childTnLst>
+                  <p:par>
+                    <p:cTn id="3" fill="hold">
+                      <p:stCondLst>
+                        <p:cond delay="indefinite"/>
+                        <p:cond evt="onBegin" delay="0">
+                          <p:tn val="2"/>
+                        </p:cond>
+                      </p:stCondLst>
+                      <p:childTnLst>
+                        <p:par>
+                          <p:cTn id="4" fill="hold">
+                            <p:stCondLst>
+                              <p:cond delay="0"/>
+                            </p:stCondLst>
+                            <p:childTnLst>
+                              <p:par>
+                                <p:cTn id="5" presetID="1" presetClass="entr" presetSubtype="0" fill="hold" nodeType="withEffect">
+                                  <p:stCondLst>
+                                    <p:cond delay="0"/>
+                                  </p:stCondLst>
+                                  <p:childTnLst>
+                                    <p:set>
+                                      <p:cBhvr>
+                                        <p:cTn id="6" dur="1" fill="hold">
+                                          <p:stCondLst>
+                                            <p:cond delay="0"/>
+                                          </p:stCondLst>
+                                        </p:cTn>
+                                        <p:tgtEl>
+                                          <p:spTgt spid="3">
+                                            <p:txEl>
+                                              <p:pRg st="0" end="0"/>
+                                            </p:txEl>
+                                          </p:spTgt>
+                                        </p:tgtEl>
+                                        <p:attrNameLst>
+                                          <p:attrName>style.visibility</p:attrName>
+                                        </p:attrNameLst>
+                                      </p:cBhvr>
+                                      <p:to>
+                                        <p:strVal val="visible"/>
+                                      </p:to>
+                                    </p:set>
+                                  </p:childTnLst>
+                                </p:cTn>
+                              </p:par>
+                            </p:childTnLst>
+                          </p:cTn>
+                        </p:par>
+                      </p:childTnLst>
+                    </p:cTn>
+                  </p:par>
+                  <p:par>
+                    <p:cTn id="7" fill="hold">
+                      <p:stCondLst>
+                        <p:cond delay="indefinite"/>
+                      </p:stCondLst>
+                      <p:childTnLst>
+                        <p:par>
+                          <p:cTn id="8" fill="hold">
+                            <p:stCondLst>
+                              <p:cond delay="0"/>
+                            </p:stCondLst>
+                            <p:childTnLst>
+                              <p:par>
+                                <p:cTn id="9" presetID="1" presetClass="entr" presetSubtype="0" fill="hold" grpId="0" nodeType="clickEffect">
+                                  <p:stCondLst>
+                                    <p:cond delay="0"/>
+                                  </p:stCondLst>
+                                  <p:childTnLst>
+                                    <p:set>
+                                      <p:cBhvr>
+                                        <p:cTn id="10" dur="1" fill="hold">
+                                          <p:stCondLst>
+                                            <p:cond delay="0"/>
+                                          </p:stCondLst>
+                                        </p:cTn>
+                                        <p:tgtEl>
+                                          <p:spTgt spid="6"/>
+                                        </p:tgtEl>
+                                        <p:attrNameLst>
+                                          <p:attrName>style.visibility</p:attrName>
+                                        </p:attrNameLst>
+                                      </p:cBhvr>
+                                      <p:to>
+                                        <p:strVal val="visible"/>
+                                      </p:to>
+                                    </p:set>
+                                  </p:childTnLst>
+                                </p:cTn>
+                              </p:par>
+                              <p:par>
+                                <p:cTn id="11" presetID="1" presetClass="entr" presetSubtype="0" fill="hold" grpId="0" nodeType="withEffect">
+                                  <p:stCondLst>
+                                    <p:cond delay="0"/>
+                                  </p:stCondLst>
+                                  <p:childTnLst>
+                                    <p:set>
+                                      <p:cBhvr>
+                                        <p:cTn id="12" dur="1" fill="hold">
+                                          <p:stCondLst>
+                                            <p:cond delay="0"/>
+                                          </p:stCondLst>
+                                        </p:cTn>
+                                        <p:tgtEl>
+                                          <p:spTgt spid="7"/>
+                                        </p:tgtEl>
+                                        <p:attrNameLst>
+                                          <p:attrName>style.visibility</p:attrName>
+                                        </p:attrNameLst>
+                                      </p:cBhvr>
+                                      <p:to>
+                                        <p:strVal val="visible"/>
+                                      </p:to>
+                                    </p:set>
+                                  </p:childTnLst>
+                                </p:cTn>
+                              </p:par>
+                              <p:par>
+                                <p:cTn id="13" presetID="1" presetClass="entr" presetSubtype="0" fill="hold" grpId="0" nodeType="withEffect">
+                                  <p:stCondLst>
+                                    <p:cond delay="0"/>
+                                  </p:stCondLst>
+                                  <p:childTnLst>
+                                    <p:set>
+                                      <p:cBhvr>
+                                        <p:cTn id="14" dur="1" fill="hold">
+                                          <p:stCondLst>
+                                            <p:cond delay="0"/>
+                                          </p:stCondLst>
+                                        </p:cTn>
+                                        <p:tgtEl>
+                                          <p:spTgt spid="5"/>
+                                        </p:tgtEl>
+                                        <p:attrNameLst>
+                                          <p:attrName>style.visibility</p:attrName>
+                                        </p:attrNameLst>
+                                      </p:cBhvr>
+                                      <p:to>
+                                        <p:strVal val="visible"/>
+                                      </p:to>
+                                    </p:set>
+                                  </p:childTnLst>
+                                </p:cTn>
+                              </p:par>
+                              <p:par>
+                                <p:cTn id="15" presetID="1" presetClass="entr" presetSubtype="0" fill="hold" grpId="0" nodeType="withEffect">
+                                  <p:stCondLst>
+                                    <p:cond delay="0"/>
+                                  </p:stCondLst>
+                                  <p:childTnLst>
+                                    <p:set>
+                                      <p:cBhvr>
+                                        <p:cTn id="16" dur="1" fill="hold">
+                                          <p:stCondLst>
+                                            <p:cond delay="0"/>
+                                          </p:stCondLst>
+                                        </p:cTn>
+                                        <p:tgtEl>
+                                          <p:spTgt spid="15"/>
+                                        </p:tgtEl>
+                                        <p:attrNameLst>
+                                          <p:attrName>style.visibility</p:attrName>
+                                        </p:attrNameLst>
+                                      </p:cBhvr>
+                                      <p:to>
+                                        <p:strVal val="visible"/>
+                                      </p:to>
+                                    </p:set>
+                                  </p:childTnLst>
+                                </p:cTn>
+                              </p:par>
+                              <p:par>
+                                <p:cTn id="17" presetID="1" presetClass="entr" presetSubtype="0" fill="hold" grpId="0" nodeType="withEffect">
+                                  <p:stCondLst>
+                                    <p:cond delay="0"/>
+                                  </p:stCondLst>
+                                  <p:childTnLst>
+                                    <p:set>
+                                      <p:cBhvr>
+                                        <p:cTn id="18" dur="1" fill="hold">
+                                          <p:stCondLst>
+                                            <p:cond delay="0"/>
+                                          </p:stCondLst>
+                                        </p:cTn>
+                                        <p:tgtEl>
+                                          <p:spTgt spid="16"/>
+                                        </p:tgtEl>
+                                        <p:attrNameLst>
+                                          <p:attrName>style.visibility</p:attrName>
+                                        </p:attrNameLst>
+                                      </p:cBhvr>
+                                      <p:to>
+                                        <p:strVal val="visible"/>
+                                      </p:to>
+                                    </p:set>
+                                  </p:childTnLst>
+                                </p:cTn>
+                              </p:par>
+                              <p:par>
+                                <p:cTn id="19" presetID="1" presetClass="entr" presetSubtype="0" fill="hold" grpId="0" nodeType="withEffect">
+                                  <p:stCondLst>
+                                    <p:cond delay="0"/>
+                                  </p:stCondLst>
+                                  <p:childTnLst>
+                                    <p:set>
+                                      <p:cBhvr>
+                                        <p:cTn id="20" dur="1" fill="hold">
+                                          <p:stCondLst>
+                                            <p:cond delay="0"/>
+                                          </p:stCondLst>
+                                        </p:cTn>
+                                        <p:tgtEl>
+                                          <p:spTgt spid="14"/>
+                                        </p:tgtEl>
+                                        <p:attrNameLst>
+                                          <p:attrName>style.visibility</p:attrName>
+                                        </p:attrNameLst>
+                                      </p:cBhvr>
+                                      <p:to>
+                                        <p:strVal val="visible"/>
+                                      </p:to>
+                                    </p:set>
+                                  </p:childTnLst>
+                                </p:cTn>
+                              </p:par>
+                              <p:par>
+                                <p:cTn id="21" presetID="1" presetClass="entr" presetSubtype="0" fill="hold" grpId="0" nodeType="withEffect">
+                                  <p:stCondLst>
+                                    <p:cond delay="0"/>
+                                  </p:stCondLst>
+                                  <p:childTnLst>
+                                    <p:set>
+                                      <p:cBhvr>
+                                        <p:cTn id="22" dur="1" fill="hold">
+                                          <p:stCondLst>
+                                            <p:cond delay="0"/>
+                                          </p:stCondLst>
+                                        </p:cTn>
+                                        <p:tgtEl>
+                                          <p:spTgt spid="12"/>
+                                        </p:tgtEl>
+                                        <p:attrNameLst>
+                                          <p:attrName>style.visibility</p:attrName>
+                                        </p:attrNameLst>
+                                      </p:cBhvr>
+                                      <p:to>
+                                        <p:strVal val="visible"/>
+                                      </p:to>
+                                    </p:set>
+                                  </p:childTnLst>
+                                </p:cTn>
+                              </p:par>
+                              <p:par>
+                                <p:cTn id="23" presetID="1" presetClass="entr" presetSubtype="0" fill="hold" grpId="0" nodeType="withEffect">
+                                  <p:stCondLst>
+                                    <p:cond delay="0"/>
+                                  </p:stCondLst>
+                                  <p:childTnLst>
+                                    <p:set>
+                                      <p:cBhvr>
+                                        <p:cTn id="24" dur="1" fill="hold">
+                                          <p:stCondLst>
+                                            <p:cond delay="0"/>
+                                          </p:stCondLst>
+                                        </p:cTn>
+                                        <p:tgtEl>
+                                          <p:spTgt spid="13"/>
+                                        </p:tgtEl>
+                                        <p:attrNameLst>
+                                          <p:attrName>style.visibility</p:attrName>
+                                        </p:attrNameLst>
+                                      </p:cBhvr>
+                                      <p:to>
+                                        <p:strVal val="visible"/>
+                                      </p:to>
+                                    </p:set>
+                                  </p:childTnLst>
+                                </p:cTn>
+                              </p:par>
+                              <p:par>
+                                <p:cTn id="25" presetID="1" presetClass="entr" presetSubtype="0" fill="hold" grpId="0" nodeType="withEffect">
+                                  <p:stCondLst>
+                                    <p:cond delay="0"/>
+                                  </p:stCondLst>
+                                  <p:childTnLst>
+                                    <p:set>
+                                      <p:cBhvr>
+                                        <p:cTn id="26" dur="1" fill="hold">
+                                          <p:stCondLst>
+                                            <p:cond delay="0"/>
+                                          </p:stCondLst>
+                                        </p:cTn>
+                                        <p:tgtEl>
+                                          <p:spTgt spid="11"/>
+                                        </p:tgtEl>
+                                        <p:attrNameLst>
+                                          <p:attrName>style.visibility</p:attrName>
+                                        </p:attrNameLst>
+                                      </p:cBhvr>
+                                      <p:to>
+                                        <p:strVal val="visible"/>
+                                      </p:to>
+                                    </p:set>
+                                  </p:childTnLst>
+                                </p:cTn>
+                              </p:par>
+                              <p:par>
+                                <p:cTn id="27" presetID="1" presetClass="entr" presetSubtype="0" fill="hold" grpId="0" nodeType="withEffect">
+                                  <p:stCondLst>
+                                    <p:cond delay="0"/>
+                                  </p:stCondLst>
+                                  <p:childTnLst>
+                                    <p:set>
+                                      <p:cBhvr>
+                                        <p:cTn id="28" dur="1" fill="hold">
+                                          <p:stCondLst>
+                                            <p:cond delay="0"/>
+                                          </p:stCondLst>
+                                        </p:cTn>
+                                        <p:tgtEl>
+                                          <p:spTgt spid="18"/>
+                                        </p:tgtEl>
+                                        <p:attrNameLst>
+                                          <p:attrName>style.visibility</p:attrName>
+                                        </p:attrNameLst>
+                                      </p:cBhvr>
+                                      <p:to>
+                                        <p:strVal val="visible"/>
+                                      </p:to>
+                                    </p:set>
+                                  </p:childTnLst>
+                                </p:cTn>
+                              </p:par>
+                              <p:par>
+                                <p:cTn id="29" presetID="1" presetClass="entr" presetSubtype="0" fill="hold" grpId="0" nodeType="withEffect">
+                                  <p:stCondLst>
+                                    <p:cond delay="0"/>
+                                  </p:stCondLst>
+                                  <p:childTnLst>
+                                    <p:set>
+                                      <p:cBhvr>
+                                        <p:cTn id="30" dur="1" fill="hold">
+                                          <p:stCondLst>
+                                            <p:cond delay="0"/>
+                                          </p:stCondLst>
+                                        </p:cTn>
+                                        <p:tgtEl>
+                                          <p:spTgt spid="19"/>
+                                        </p:tgtEl>
+                                        <p:attrNameLst>
+                                          <p:attrName>style.visibility</p:attrName>
+                                        </p:attrNameLst>
+                                      </p:cBhvr>
+                                      <p:to>
+                                        <p:strVal val="visible"/>
+                                      </p:to>
+                                    </p:set>
+                                  </p:childTnLst>
+                                </p:cTn>
+                              </p:par>
+                              <p:par>
+                                <p:cTn id="31" presetID="1" presetClass="entr" presetSubtype="0" fill="hold" grpId="0" nodeType="withEffect">
+                                  <p:stCondLst>
+                                    <p:cond delay="0"/>
+                                  </p:stCondLst>
+                                  <p:childTnLst>
+                                    <p:set>
+                                      <p:cBhvr>
+                                        <p:cTn id="32" dur="1" fill="hold">
+                                          <p:stCondLst>
+                                            <p:cond delay="0"/>
+                                          </p:stCondLst>
+                                        </p:cTn>
+                                        <p:tgtEl>
+                                          <p:spTgt spid="17"/>
+                                        </p:tgtEl>
+                                        <p:attrNameLst>
+                                          <p:attrName>style.visibility</p:attrName>
+                                        </p:attrNameLst>
+                                      </p:cBhvr>
+                                      <p:to>
+                                        <p:strVal val="visible"/>
+                                      </p:to>
+                                    </p:set>
+                                  </p:childTnLst>
+                                </p:cTn>
+                              </p:par>
+                              <p:par>
+                                <p:cTn id="33" presetID="1" presetClass="entr" presetSubtype="0" fill="hold" nodeType="withEffect">
+                                  <p:stCondLst>
+                                    <p:cond delay="0"/>
+                                  </p:stCondLst>
+                                  <p:childTnLst>
+                                    <p:set>
+                                      <p:cBhvr>
+                                        <p:cTn id="34" dur="1" fill="hold">
+                                          <p:stCondLst>
+                                            <p:cond delay="0"/>
+                                          </p:stCondLst>
+                                        </p:cTn>
+                                        <p:tgtEl>
+                                          <p:spTgt spid="8"/>
+                                        </p:tgtEl>
+                                        <p:attrNameLst>
+                                          <p:attrName>style.visibility</p:attrName>
+                                        </p:attrNameLst>
+                                      </p:cBhvr>
+                                      <p:to>
+                                        <p:strVal val="visible"/>
+                                      </p:to>
+                                    </p:set>
+                                  </p:childTnLst>
+                                </p:cTn>
+                              </p:par>
+                            </p:childTnLst>
+                          </p:cTn>
+                        </p:par>
+                      </p:childTnLst>
+                    </p:cTn>
+                  </p:par>
+                </p:childTnLst>
+              </p:cTn>
+              <p:prevCondLst>
+                <p:cond evt="onPrev" delay="0">
+                  <p:tgtEl>
+                    <p:sldTgt/>
+                  </p:tgtEl>
+                </p:cond>
+              </p:prevCondLst>
+              <p:nextCondLst>
+                <p:cond evt="onNext" delay="0">
+                  <p:tgtEl>
+                    <p:sldTgt/>
+                  </p:tgtEl>
+                </p:cond>
+              </p:nextCondLst>
+            </p:seq>
+          </p:childTnLst>
+        </p:cTn>
+      </p:par>
+    </p:tnLst>
+    <p:bldLst>
+      <p:bldP spid="5" grpId="0" animBg="1"/>
+      <p:bldP spid="6" grpId="0" animBg="1"/>
+      <p:bldP spid="7" grpId="0" animBg="1"/>
+      <p:bldP spid="11" grpId="0" animBg="1"/>
+      <p:bldP spid="12" grpId="0" animBg="1"/>
+      <p:bldP spid="13" grpId="0" animBg="1"/>
+      <p:bldP spid="14" grpId="0" animBg="1"/>
+      <p:bldP spid="15" grpId="0" animBg="1"/>
+      <p:bldP spid="16" grpId="0" animBg="1"/>
+      <p:bldP spid="17" grpId="0" animBg="1"/>
+      <p:bldP spid="18" grpId="0" animBg="1"/>
+      <p:bldP spid="19" grpId="0" animBg="1"/>
+    </p:bldLst>
+  </p:timing>
 </p:sld>
 </file>
 
@@ -11946,6 +14518,691 @@
   <p:clrMapOvr>
     <a:masterClrMapping/>
   </p:clrMapOvr>
+  <p:timing>
+    <p:tnLst>
+      <p:par>
+        <p:cTn id="1" dur="indefinite" restart="never" nodeType="tmRoot">
+          <p:childTnLst>
+            <p:seq concurrent="1" nextAc="seek">
+              <p:cTn id="2" dur="indefinite" nodeType="mainSeq">
+                <p:childTnLst>
+                  <p:par>
+                    <p:cTn id="3" fill="hold">
+                      <p:stCondLst>
+                        <p:cond delay="indefinite"/>
+                      </p:stCondLst>
+                      <p:childTnLst>
+                        <p:par>
+                          <p:cTn id="4" fill="hold">
+                            <p:stCondLst>
+                              <p:cond delay="0"/>
+                            </p:stCondLst>
+                            <p:childTnLst>
+                              <p:par>
+                                <p:cTn id="5" presetID="1" presetClass="entr" presetSubtype="0" fill="hold" grpId="0" nodeType="clickEffect">
+                                  <p:stCondLst>
+                                    <p:cond delay="0"/>
+                                  </p:stCondLst>
+                                  <p:childTnLst>
+                                    <p:set>
+                                      <p:cBhvr>
+                                        <p:cTn id="6" dur="1" fill="hold">
+                                          <p:stCondLst>
+                                            <p:cond delay="0"/>
+                                          </p:stCondLst>
+                                        </p:cTn>
+                                        <p:tgtEl>
+                                          <p:spTgt spid="5"/>
+                                        </p:tgtEl>
+                                        <p:attrNameLst>
+                                          <p:attrName>style.visibility</p:attrName>
+                                        </p:attrNameLst>
+                                      </p:cBhvr>
+                                      <p:to>
+                                        <p:strVal val="visible"/>
+                                      </p:to>
+                                    </p:set>
+                                  </p:childTnLst>
+                                </p:cTn>
+                              </p:par>
+                              <p:par>
+                                <p:cTn id="7" presetID="1" presetClass="entr" presetSubtype="0" fill="hold" nodeType="withEffect">
+                                  <p:stCondLst>
+                                    <p:cond delay="0"/>
+                                  </p:stCondLst>
+                                  <p:childTnLst>
+                                    <p:set>
+                                      <p:cBhvr>
+                                        <p:cTn id="8" dur="1" fill="hold">
+                                          <p:stCondLst>
+                                            <p:cond delay="0"/>
+                                          </p:stCondLst>
+                                        </p:cTn>
+                                        <p:tgtEl>
+                                          <p:spTgt spid="5">
+                                            <p:txEl>
+                                              <p:pRg st="0" end="0"/>
+                                            </p:txEl>
+                                          </p:spTgt>
+                                        </p:tgtEl>
+                                        <p:attrNameLst>
+                                          <p:attrName>style.visibility</p:attrName>
+                                        </p:attrNameLst>
+                                      </p:cBhvr>
+                                      <p:to>
+                                        <p:strVal val="visible"/>
+                                      </p:to>
+                                    </p:set>
+                                  </p:childTnLst>
+                                </p:cTn>
+                              </p:par>
+                              <p:par>
+                                <p:cTn id="9" presetID="1" presetClass="entr" presetSubtype="0" fill="hold" nodeType="withEffect">
+                                  <p:stCondLst>
+                                    <p:cond delay="0"/>
+                                  </p:stCondLst>
+                                  <p:childTnLst>
+                                    <p:set>
+                                      <p:cBhvr>
+                                        <p:cTn id="10" dur="1" fill="hold">
+                                          <p:stCondLst>
+                                            <p:cond delay="0"/>
+                                          </p:stCondLst>
+                                        </p:cTn>
+                                        <p:tgtEl>
+                                          <p:spTgt spid="5">
+                                            <p:txEl>
+                                              <p:pRg st="1" end="1"/>
+                                            </p:txEl>
+                                          </p:spTgt>
+                                        </p:tgtEl>
+                                        <p:attrNameLst>
+                                          <p:attrName>style.visibility</p:attrName>
+                                        </p:attrNameLst>
+                                      </p:cBhvr>
+                                      <p:to>
+                                        <p:strVal val="visible"/>
+                                      </p:to>
+                                    </p:set>
+                                  </p:childTnLst>
+                                </p:cTn>
+                              </p:par>
+                              <p:par>
+                                <p:cTn id="11" presetID="1" presetClass="entr" presetSubtype="0" fill="hold" nodeType="withEffect">
+                                  <p:stCondLst>
+                                    <p:cond delay="0"/>
+                                  </p:stCondLst>
+                                  <p:childTnLst>
+                                    <p:set>
+                                      <p:cBhvr>
+                                        <p:cTn id="12" dur="1" fill="hold">
+                                          <p:stCondLst>
+                                            <p:cond delay="0"/>
+                                          </p:stCondLst>
+                                        </p:cTn>
+                                        <p:tgtEl>
+                                          <p:spTgt spid="7"/>
+                                        </p:tgtEl>
+                                        <p:attrNameLst>
+                                          <p:attrName>style.visibility</p:attrName>
+                                        </p:attrNameLst>
+                                      </p:cBhvr>
+                                      <p:to>
+                                        <p:strVal val="visible"/>
+                                      </p:to>
+                                    </p:set>
+                                  </p:childTnLst>
+                                </p:cTn>
+                              </p:par>
+                              <p:par>
+                                <p:cTn id="13" presetID="1" presetClass="entr" presetSubtype="0" fill="hold" grpId="0" nodeType="withEffect">
+                                  <p:stCondLst>
+                                    <p:cond delay="0"/>
+                                  </p:stCondLst>
+                                  <p:childTnLst>
+                                    <p:set>
+                                      <p:cBhvr>
+                                        <p:cTn id="14" dur="1" fill="hold">
+                                          <p:stCondLst>
+                                            <p:cond delay="0"/>
+                                          </p:stCondLst>
+                                        </p:cTn>
+                                        <p:tgtEl>
+                                          <p:spTgt spid="6"/>
+                                        </p:tgtEl>
+                                        <p:attrNameLst>
+                                          <p:attrName>style.visibility</p:attrName>
+                                        </p:attrNameLst>
+                                      </p:cBhvr>
+                                      <p:to>
+                                        <p:strVal val="visible"/>
+                                      </p:to>
+                                    </p:set>
+                                  </p:childTnLst>
+                                </p:cTn>
+                              </p:par>
+                            </p:childTnLst>
+                          </p:cTn>
+                        </p:par>
+                      </p:childTnLst>
+                    </p:cTn>
+                  </p:par>
+                  <p:par>
+                    <p:cTn id="15" fill="hold">
+                      <p:stCondLst>
+                        <p:cond delay="indefinite"/>
+                      </p:stCondLst>
+                      <p:childTnLst>
+                        <p:par>
+                          <p:cTn id="16" fill="hold">
+                            <p:stCondLst>
+                              <p:cond delay="0"/>
+                            </p:stCondLst>
+                            <p:childTnLst>
+                              <p:par>
+                                <p:cTn id="17" presetID="1" presetClass="entr" presetSubtype="0" fill="hold" nodeType="clickEffect">
+                                  <p:stCondLst>
+                                    <p:cond delay="0"/>
+                                  </p:stCondLst>
+                                  <p:childTnLst>
+                                    <p:set>
+                                      <p:cBhvr>
+                                        <p:cTn id="18" dur="1" fill="hold">
+                                          <p:stCondLst>
+                                            <p:cond delay="0"/>
+                                          </p:stCondLst>
+                                        </p:cTn>
+                                        <p:tgtEl>
+                                          <p:spTgt spid="5">
+                                            <p:txEl>
+                                              <p:pRg st="2" end="2"/>
+                                            </p:txEl>
+                                          </p:spTgt>
+                                        </p:tgtEl>
+                                        <p:attrNameLst>
+                                          <p:attrName>style.visibility</p:attrName>
+                                        </p:attrNameLst>
+                                      </p:cBhvr>
+                                      <p:to>
+                                        <p:strVal val="visible"/>
+                                      </p:to>
+                                    </p:set>
+                                  </p:childTnLst>
+                                </p:cTn>
+                              </p:par>
+                              <p:par>
+                                <p:cTn id="19" presetID="1" presetClass="entr" presetSubtype="0" fill="hold" nodeType="withEffect">
+                                  <p:stCondLst>
+                                    <p:cond delay="0"/>
+                                  </p:stCondLst>
+                                  <p:childTnLst>
+                                    <p:set>
+                                      <p:cBhvr>
+                                        <p:cTn id="20" dur="1" fill="hold">
+                                          <p:stCondLst>
+                                            <p:cond delay="0"/>
+                                          </p:stCondLst>
+                                        </p:cTn>
+                                        <p:tgtEl>
+                                          <p:spTgt spid="5">
+                                            <p:txEl>
+                                              <p:pRg st="3" end="3"/>
+                                            </p:txEl>
+                                          </p:spTgt>
+                                        </p:tgtEl>
+                                        <p:attrNameLst>
+                                          <p:attrName>style.visibility</p:attrName>
+                                        </p:attrNameLst>
+                                      </p:cBhvr>
+                                      <p:to>
+                                        <p:strVal val="visible"/>
+                                      </p:to>
+                                    </p:set>
+                                  </p:childTnLst>
+                                </p:cTn>
+                              </p:par>
+                              <p:par>
+                                <p:cTn id="21" presetID="1" presetClass="entr" presetSubtype="0" fill="hold" nodeType="withEffect">
+                                  <p:stCondLst>
+                                    <p:cond delay="0"/>
+                                  </p:stCondLst>
+                                  <p:childTnLst>
+                                    <p:set>
+                                      <p:cBhvr>
+                                        <p:cTn id="22" dur="1" fill="hold">
+                                          <p:stCondLst>
+                                            <p:cond delay="0"/>
+                                          </p:stCondLst>
+                                        </p:cTn>
+                                        <p:tgtEl>
+                                          <p:spTgt spid="5">
+                                            <p:txEl>
+                                              <p:pRg st="13" end="13"/>
+                                            </p:txEl>
+                                          </p:spTgt>
+                                        </p:tgtEl>
+                                        <p:attrNameLst>
+                                          <p:attrName>style.visibility</p:attrName>
+                                        </p:attrNameLst>
+                                      </p:cBhvr>
+                                      <p:to>
+                                        <p:strVal val="visible"/>
+                                      </p:to>
+                                    </p:set>
+                                  </p:childTnLst>
+                                </p:cTn>
+                              </p:par>
+                            </p:childTnLst>
+                          </p:cTn>
+                        </p:par>
+                      </p:childTnLst>
+                    </p:cTn>
+                  </p:par>
+                  <p:par>
+                    <p:cTn id="23" fill="hold">
+                      <p:stCondLst>
+                        <p:cond delay="indefinite"/>
+                      </p:stCondLst>
+                      <p:childTnLst>
+                        <p:par>
+                          <p:cTn id="24" fill="hold">
+                            <p:stCondLst>
+                              <p:cond delay="0"/>
+                            </p:stCondLst>
+                            <p:childTnLst>
+                              <p:par>
+                                <p:cTn id="25" presetID="1" presetClass="entr" presetSubtype="0" fill="hold" nodeType="clickEffect">
+                                  <p:stCondLst>
+                                    <p:cond delay="0"/>
+                                  </p:stCondLst>
+                                  <p:childTnLst>
+                                    <p:set>
+                                      <p:cBhvr>
+                                        <p:cTn id="26" dur="1" fill="hold">
+                                          <p:stCondLst>
+                                            <p:cond delay="0"/>
+                                          </p:stCondLst>
+                                        </p:cTn>
+                                        <p:tgtEl>
+                                          <p:spTgt spid="5">
+                                            <p:txEl>
+                                              <p:pRg st="4" end="4"/>
+                                            </p:txEl>
+                                          </p:spTgt>
+                                        </p:tgtEl>
+                                        <p:attrNameLst>
+                                          <p:attrName>style.visibility</p:attrName>
+                                        </p:attrNameLst>
+                                      </p:cBhvr>
+                                      <p:to>
+                                        <p:strVal val="visible"/>
+                                      </p:to>
+                                    </p:set>
+                                  </p:childTnLst>
+                                </p:cTn>
+                              </p:par>
+                              <p:par>
+                                <p:cTn id="27" presetID="1" presetClass="entr" presetSubtype="0" fill="hold" nodeType="withEffect">
+                                  <p:stCondLst>
+                                    <p:cond delay="0"/>
+                                  </p:stCondLst>
+                                  <p:childTnLst>
+                                    <p:set>
+                                      <p:cBhvr>
+                                        <p:cTn id="28" dur="1" fill="hold">
+                                          <p:stCondLst>
+                                            <p:cond delay="0"/>
+                                          </p:stCondLst>
+                                        </p:cTn>
+                                        <p:tgtEl>
+                                          <p:spTgt spid="5">
+                                            <p:txEl>
+                                              <p:pRg st="5" end="5"/>
+                                            </p:txEl>
+                                          </p:spTgt>
+                                        </p:tgtEl>
+                                        <p:attrNameLst>
+                                          <p:attrName>style.visibility</p:attrName>
+                                        </p:attrNameLst>
+                                      </p:cBhvr>
+                                      <p:to>
+                                        <p:strVal val="visible"/>
+                                      </p:to>
+                                    </p:set>
+                                  </p:childTnLst>
+                                </p:cTn>
+                              </p:par>
+                              <p:par>
+                                <p:cTn id="29" presetID="1" presetClass="entr" presetSubtype="0" fill="hold" nodeType="withEffect">
+                                  <p:stCondLst>
+                                    <p:cond delay="0"/>
+                                  </p:stCondLst>
+                                  <p:childTnLst>
+                                    <p:set>
+                                      <p:cBhvr>
+                                        <p:cTn id="30" dur="1" fill="hold">
+                                          <p:stCondLst>
+                                            <p:cond delay="0"/>
+                                          </p:stCondLst>
+                                        </p:cTn>
+                                        <p:tgtEl>
+                                          <p:spTgt spid="5">
+                                            <p:txEl>
+                                              <p:pRg st="10" end="10"/>
+                                            </p:txEl>
+                                          </p:spTgt>
+                                        </p:tgtEl>
+                                        <p:attrNameLst>
+                                          <p:attrName>style.visibility</p:attrName>
+                                        </p:attrNameLst>
+                                      </p:cBhvr>
+                                      <p:to>
+                                        <p:strVal val="visible"/>
+                                      </p:to>
+                                    </p:set>
+                                  </p:childTnLst>
+                                </p:cTn>
+                              </p:par>
+                            </p:childTnLst>
+                          </p:cTn>
+                        </p:par>
+                      </p:childTnLst>
+                    </p:cTn>
+                  </p:par>
+                  <p:par>
+                    <p:cTn id="31" fill="hold">
+                      <p:stCondLst>
+                        <p:cond delay="indefinite"/>
+                      </p:stCondLst>
+                      <p:childTnLst>
+                        <p:par>
+                          <p:cTn id="32" fill="hold">
+                            <p:stCondLst>
+                              <p:cond delay="0"/>
+                            </p:stCondLst>
+                            <p:childTnLst>
+                              <p:par>
+                                <p:cTn id="33" presetID="1" presetClass="entr" presetSubtype="0" fill="hold" nodeType="clickEffect">
+                                  <p:stCondLst>
+                                    <p:cond delay="0"/>
+                                  </p:stCondLst>
+                                  <p:childTnLst>
+                                    <p:set>
+                                      <p:cBhvr>
+                                        <p:cTn id="34" dur="1" fill="hold">
+                                          <p:stCondLst>
+                                            <p:cond delay="0"/>
+                                          </p:stCondLst>
+                                        </p:cTn>
+                                        <p:tgtEl>
+                                          <p:spTgt spid="5">
+                                            <p:txEl>
+                                              <p:pRg st="6" end="6"/>
+                                            </p:txEl>
+                                          </p:spTgt>
+                                        </p:tgtEl>
+                                        <p:attrNameLst>
+                                          <p:attrName>style.visibility</p:attrName>
+                                        </p:attrNameLst>
+                                      </p:cBhvr>
+                                      <p:to>
+                                        <p:strVal val="visible"/>
+                                      </p:to>
+                                    </p:set>
+                                  </p:childTnLst>
+                                </p:cTn>
+                              </p:par>
+                              <p:par>
+                                <p:cTn id="35" presetID="1" presetClass="entr" presetSubtype="0" fill="hold" nodeType="withEffect">
+                                  <p:stCondLst>
+                                    <p:cond delay="0"/>
+                                  </p:stCondLst>
+                                  <p:childTnLst>
+                                    <p:set>
+                                      <p:cBhvr>
+                                        <p:cTn id="36" dur="1" fill="hold">
+                                          <p:stCondLst>
+                                            <p:cond delay="0"/>
+                                          </p:stCondLst>
+                                        </p:cTn>
+                                        <p:tgtEl>
+                                          <p:spTgt spid="5">
+                                            <p:txEl>
+                                              <p:pRg st="7" end="7"/>
+                                            </p:txEl>
+                                          </p:spTgt>
+                                        </p:tgtEl>
+                                        <p:attrNameLst>
+                                          <p:attrName>style.visibility</p:attrName>
+                                        </p:attrNameLst>
+                                      </p:cBhvr>
+                                      <p:to>
+                                        <p:strVal val="visible"/>
+                                      </p:to>
+                                    </p:set>
+                                  </p:childTnLst>
+                                </p:cTn>
+                              </p:par>
+                              <p:par>
+                                <p:cTn id="37" presetID="1" presetClass="entr" presetSubtype="0" fill="hold" nodeType="withEffect">
+                                  <p:stCondLst>
+                                    <p:cond delay="0"/>
+                                  </p:stCondLst>
+                                  <p:childTnLst>
+                                    <p:set>
+                                      <p:cBhvr>
+                                        <p:cTn id="38" dur="1" fill="hold">
+                                          <p:stCondLst>
+                                            <p:cond delay="0"/>
+                                          </p:stCondLst>
+                                        </p:cTn>
+                                        <p:tgtEl>
+                                          <p:spTgt spid="5">
+                                            <p:txEl>
+                                              <p:pRg st="8" end="8"/>
+                                            </p:txEl>
+                                          </p:spTgt>
+                                        </p:tgtEl>
+                                        <p:attrNameLst>
+                                          <p:attrName>style.visibility</p:attrName>
+                                        </p:attrNameLst>
+                                      </p:cBhvr>
+                                      <p:to>
+                                        <p:strVal val="visible"/>
+                                      </p:to>
+                                    </p:set>
+                                  </p:childTnLst>
+                                </p:cTn>
+                              </p:par>
+                              <p:par>
+                                <p:cTn id="39" presetID="1" presetClass="entr" presetSubtype="0" fill="hold" nodeType="withEffect">
+                                  <p:stCondLst>
+                                    <p:cond delay="0"/>
+                                  </p:stCondLst>
+                                  <p:childTnLst>
+                                    <p:set>
+                                      <p:cBhvr>
+                                        <p:cTn id="40" dur="1" fill="hold">
+                                          <p:stCondLst>
+                                            <p:cond delay="0"/>
+                                          </p:stCondLst>
+                                        </p:cTn>
+                                        <p:tgtEl>
+                                          <p:spTgt spid="5">
+                                            <p:txEl>
+                                              <p:pRg st="9" end="9"/>
+                                            </p:txEl>
+                                          </p:spTgt>
+                                        </p:tgtEl>
+                                        <p:attrNameLst>
+                                          <p:attrName>style.visibility</p:attrName>
+                                        </p:attrNameLst>
+                                      </p:cBhvr>
+                                      <p:to>
+                                        <p:strVal val="visible"/>
+                                      </p:to>
+                                    </p:set>
+                                  </p:childTnLst>
+                                </p:cTn>
+                              </p:par>
+                            </p:childTnLst>
+                          </p:cTn>
+                        </p:par>
+                      </p:childTnLst>
+                    </p:cTn>
+                  </p:par>
+                  <p:par>
+                    <p:cTn id="41" fill="hold">
+                      <p:stCondLst>
+                        <p:cond delay="indefinite"/>
+                      </p:stCondLst>
+                      <p:childTnLst>
+                        <p:par>
+                          <p:cTn id="42" fill="hold">
+                            <p:stCondLst>
+                              <p:cond delay="0"/>
+                            </p:stCondLst>
+                            <p:childTnLst>
+                              <p:par>
+                                <p:cTn id="43" presetID="1" presetClass="entr" presetSubtype="0" fill="hold" nodeType="clickEffect">
+                                  <p:stCondLst>
+                                    <p:cond delay="0"/>
+                                  </p:stCondLst>
+                                  <p:childTnLst>
+                                    <p:set>
+                                      <p:cBhvr>
+                                        <p:cTn id="44" dur="1" fill="hold">
+                                          <p:stCondLst>
+                                            <p:cond delay="0"/>
+                                          </p:stCondLst>
+                                        </p:cTn>
+                                        <p:tgtEl>
+                                          <p:spTgt spid="5">
+                                            <p:txEl>
+                                              <p:pRg st="11" end="11"/>
+                                            </p:txEl>
+                                          </p:spTgt>
+                                        </p:tgtEl>
+                                        <p:attrNameLst>
+                                          <p:attrName>style.visibility</p:attrName>
+                                        </p:attrNameLst>
+                                      </p:cBhvr>
+                                      <p:to>
+                                        <p:strVal val="visible"/>
+                                      </p:to>
+                                    </p:set>
+                                  </p:childTnLst>
+                                </p:cTn>
+                              </p:par>
+                              <p:par>
+                                <p:cTn id="45" presetID="1" presetClass="entr" presetSubtype="0" fill="hold" nodeType="withEffect">
+                                  <p:stCondLst>
+                                    <p:cond delay="0"/>
+                                  </p:stCondLst>
+                                  <p:childTnLst>
+                                    <p:set>
+                                      <p:cBhvr>
+                                        <p:cTn id="46" dur="1" fill="hold">
+                                          <p:stCondLst>
+                                            <p:cond delay="0"/>
+                                          </p:stCondLst>
+                                        </p:cTn>
+                                        <p:tgtEl>
+                                          <p:spTgt spid="5">
+                                            <p:txEl>
+                                              <p:pRg st="12" end="12"/>
+                                            </p:txEl>
+                                          </p:spTgt>
+                                        </p:tgtEl>
+                                        <p:attrNameLst>
+                                          <p:attrName>style.visibility</p:attrName>
+                                        </p:attrNameLst>
+                                      </p:cBhvr>
+                                      <p:to>
+                                        <p:strVal val="visible"/>
+                                      </p:to>
+                                    </p:set>
+                                  </p:childTnLst>
+                                </p:cTn>
+                              </p:par>
+                            </p:childTnLst>
+                          </p:cTn>
+                        </p:par>
+                      </p:childTnLst>
+                    </p:cTn>
+                  </p:par>
+                  <p:par>
+                    <p:cTn id="47" fill="hold">
+                      <p:stCondLst>
+                        <p:cond delay="indefinite"/>
+                      </p:stCondLst>
+                      <p:childTnLst>
+                        <p:par>
+                          <p:cTn id="48" fill="hold">
+                            <p:stCondLst>
+                              <p:cond delay="0"/>
+                            </p:stCondLst>
+                            <p:childTnLst>
+                              <p:par>
+                                <p:cTn id="49" presetID="1" presetClass="entr" presetSubtype="0" fill="hold" grpId="0" nodeType="clickEffect">
+                                  <p:stCondLst>
+                                    <p:cond delay="0"/>
+                                  </p:stCondLst>
+                                  <p:childTnLst>
+                                    <p:set>
+                                      <p:cBhvr>
+                                        <p:cTn id="50" dur="1" fill="hold">
+                                          <p:stCondLst>
+                                            <p:cond delay="0"/>
+                                          </p:stCondLst>
+                                        </p:cTn>
+                                        <p:tgtEl>
+                                          <p:spTgt spid="2"/>
+                                        </p:tgtEl>
+                                        <p:attrNameLst>
+                                          <p:attrName>style.visibility</p:attrName>
+                                        </p:attrNameLst>
+                                      </p:cBhvr>
+                                      <p:to>
+                                        <p:strVal val="visible"/>
+                                      </p:to>
+                                    </p:set>
+                                  </p:childTnLst>
+                                </p:cTn>
+                              </p:par>
+                            </p:childTnLst>
+                          </p:cTn>
+                        </p:par>
+                      </p:childTnLst>
+                    </p:cTn>
+                  </p:par>
+                </p:childTnLst>
+              </p:cTn>
+              <p:prevCondLst>
+                <p:cond evt="onPrev" delay="0">
+                  <p:tgtEl>
+                    <p:sldTgt/>
+                  </p:tgtEl>
+                </p:cond>
+              </p:prevCondLst>
+              <p:nextCondLst>
+                <p:cond evt="onNext" delay="0">
+                  <p:tgtEl>
+                    <p:sldTgt/>
+                  </p:tgtEl>
+                </p:cond>
+              </p:nextCondLst>
+            </p:seq>
+          </p:childTnLst>
+        </p:cTn>
+      </p:par>
+    </p:tnLst>
+    <p:bldLst>
+      <p:bldP spid="5" grpId="0" animBg="1"/>
+      <p:bldP spid="6" grpId="0" animBg="1"/>
+      <p:bldP spid="2" grpId="0"/>
+    </p:bldLst>
+  </p:timing>
 </p:sld>
 </file>
 
@@ -14619,6 +17876,471 @@
   <p:clrMapOvr>
     <a:masterClrMapping/>
   </p:clrMapOvr>
+  <p:timing>
+    <p:tnLst>
+      <p:par>
+        <p:cTn id="1" dur="indefinite" restart="never" nodeType="tmRoot">
+          <p:childTnLst>
+            <p:seq concurrent="1" nextAc="seek">
+              <p:cTn id="2" dur="indefinite" nodeType="mainSeq">
+                <p:childTnLst>
+                  <p:par>
+                    <p:cTn id="3" fill="hold">
+                      <p:stCondLst>
+                        <p:cond delay="indefinite"/>
+                        <p:cond evt="onBegin" delay="0">
+                          <p:tn val="2"/>
+                        </p:cond>
+                      </p:stCondLst>
+                      <p:childTnLst>
+                        <p:par>
+                          <p:cTn id="4" fill="hold">
+                            <p:stCondLst>
+                              <p:cond delay="0"/>
+                            </p:stCondLst>
+                            <p:childTnLst>
+                              <p:par>
+                                <p:cTn id="5" presetID="1" presetClass="entr" presetSubtype="0" fill="hold" nodeType="withEffect">
+                                  <p:stCondLst>
+                                    <p:cond delay="0"/>
+                                  </p:stCondLst>
+                                  <p:childTnLst>
+                                    <p:set>
+                                      <p:cBhvr>
+                                        <p:cTn id="6" dur="1" fill="hold">
+                                          <p:stCondLst>
+                                            <p:cond delay="0"/>
+                                          </p:stCondLst>
+                                        </p:cTn>
+                                        <p:tgtEl>
+                                          <p:spTgt spid="3">
+                                            <p:txEl>
+                                              <p:pRg st="0" end="0"/>
+                                            </p:txEl>
+                                          </p:spTgt>
+                                        </p:tgtEl>
+                                        <p:attrNameLst>
+                                          <p:attrName>style.visibility</p:attrName>
+                                        </p:attrNameLst>
+                                      </p:cBhvr>
+                                      <p:to>
+                                        <p:strVal val="visible"/>
+                                      </p:to>
+                                    </p:set>
+                                  </p:childTnLst>
+                                </p:cTn>
+                              </p:par>
+                            </p:childTnLst>
+                          </p:cTn>
+                        </p:par>
+                      </p:childTnLst>
+                    </p:cTn>
+                  </p:par>
+                  <p:par>
+                    <p:cTn id="7" fill="hold">
+                      <p:stCondLst>
+                        <p:cond delay="indefinite"/>
+                      </p:stCondLst>
+                      <p:childTnLst>
+                        <p:par>
+                          <p:cTn id="8" fill="hold">
+                            <p:stCondLst>
+                              <p:cond delay="0"/>
+                            </p:stCondLst>
+                            <p:childTnLst>
+                              <p:par>
+                                <p:cTn id="9" presetID="1" presetClass="entr" presetSubtype="0" fill="hold" grpId="0" nodeType="clickEffect">
+                                  <p:stCondLst>
+                                    <p:cond delay="0"/>
+                                  </p:stCondLst>
+                                  <p:childTnLst>
+                                    <p:set>
+                                      <p:cBhvr>
+                                        <p:cTn id="10" dur="1" fill="hold">
+                                          <p:stCondLst>
+                                            <p:cond delay="0"/>
+                                          </p:stCondLst>
+                                        </p:cTn>
+                                        <p:tgtEl>
+                                          <p:spTgt spid="40"/>
+                                        </p:tgtEl>
+                                        <p:attrNameLst>
+                                          <p:attrName>style.visibility</p:attrName>
+                                        </p:attrNameLst>
+                                      </p:cBhvr>
+                                      <p:to>
+                                        <p:strVal val="visible"/>
+                                      </p:to>
+                                    </p:set>
+                                  </p:childTnLst>
+                                </p:cTn>
+                              </p:par>
+                              <p:par>
+                                <p:cTn id="11" presetID="1" presetClass="entr" presetSubtype="0" fill="hold" grpId="0" nodeType="withEffect">
+                                  <p:stCondLst>
+                                    <p:cond delay="0"/>
+                                  </p:stCondLst>
+                                  <p:childTnLst>
+                                    <p:set>
+                                      <p:cBhvr>
+                                        <p:cTn id="12" dur="1" fill="hold">
+                                          <p:stCondLst>
+                                            <p:cond delay="0"/>
+                                          </p:stCondLst>
+                                        </p:cTn>
+                                        <p:tgtEl>
+                                          <p:spTgt spid="41"/>
+                                        </p:tgtEl>
+                                        <p:attrNameLst>
+                                          <p:attrName>style.visibility</p:attrName>
+                                        </p:attrNameLst>
+                                      </p:cBhvr>
+                                      <p:to>
+                                        <p:strVal val="visible"/>
+                                      </p:to>
+                                    </p:set>
+                                  </p:childTnLst>
+                                </p:cTn>
+                              </p:par>
+                              <p:par>
+                                <p:cTn id="13" presetID="1" presetClass="entr" presetSubtype="0" fill="hold" grpId="0" nodeType="withEffect">
+                                  <p:stCondLst>
+                                    <p:cond delay="0"/>
+                                  </p:stCondLst>
+                                  <p:childTnLst>
+                                    <p:set>
+                                      <p:cBhvr>
+                                        <p:cTn id="14" dur="1" fill="hold">
+                                          <p:stCondLst>
+                                            <p:cond delay="0"/>
+                                          </p:stCondLst>
+                                        </p:cTn>
+                                        <p:tgtEl>
+                                          <p:spTgt spid="39"/>
+                                        </p:tgtEl>
+                                        <p:attrNameLst>
+                                          <p:attrName>style.visibility</p:attrName>
+                                        </p:attrNameLst>
+                                      </p:cBhvr>
+                                      <p:to>
+                                        <p:strVal val="visible"/>
+                                      </p:to>
+                                    </p:set>
+                                  </p:childTnLst>
+                                </p:cTn>
+                              </p:par>
+                              <p:par>
+                                <p:cTn id="15" presetID="1" presetClass="entr" presetSubtype="0" fill="hold" nodeType="withEffect">
+                                  <p:stCondLst>
+                                    <p:cond delay="0"/>
+                                  </p:stCondLst>
+                                  <p:childTnLst>
+                                    <p:set>
+                                      <p:cBhvr>
+                                        <p:cTn id="16" dur="1" fill="hold">
+                                          <p:stCondLst>
+                                            <p:cond delay="0"/>
+                                          </p:stCondLst>
+                                        </p:cTn>
+                                        <p:tgtEl>
+                                          <p:spTgt spid="11266"/>
+                                        </p:tgtEl>
+                                        <p:attrNameLst>
+                                          <p:attrName>style.visibility</p:attrName>
+                                        </p:attrNameLst>
+                                      </p:cBhvr>
+                                      <p:to>
+                                        <p:strVal val="visible"/>
+                                      </p:to>
+                                    </p:set>
+                                  </p:childTnLst>
+                                </p:cTn>
+                              </p:par>
+                              <p:par>
+                                <p:cTn id="17" presetID="1" presetClass="entr" presetSubtype="0" fill="hold" grpId="0" nodeType="withEffect">
+                                  <p:stCondLst>
+                                    <p:cond delay="0"/>
+                                  </p:stCondLst>
+                                  <p:childTnLst>
+                                    <p:set>
+                                      <p:cBhvr>
+                                        <p:cTn id="18" dur="1" fill="hold">
+                                          <p:stCondLst>
+                                            <p:cond delay="0"/>
+                                          </p:stCondLst>
+                                        </p:cTn>
+                                        <p:tgtEl>
+                                          <p:spTgt spid="6"/>
+                                        </p:tgtEl>
+                                        <p:attrNameLst>
+                                          <p:attrName>style.visibility</p:attrName>
+                                        </p:attrNameLst>
+                                      </p:cBhvr>
+                                      <p:to>
+                                        <p:strVal val="visible"/>
+                                      </p:to>
+                                    </p:set>
+                                  </p:childTnLst>
+                                </p:cTn>
+                              </p:par>
+                              <p:par>
+                                <p:cTn id="19" presetID="1" presetClass="entr" presetSubtype="0" fill="hold" grpId="0" nodeType="withEffect">
+                                  <p:stCondLst>
+                                    <p:cond delay="0"/>
+                                  </p:stCondLst>
+                                  <p:childTnLst>
+                                    <p:set>
+                                      <p:cBhvr>
+                                        <p:cTn id="20" dur="1" fill="hold">
+                                          <p:stCondLst>
+                                            <p:cond delay="0"/>
+                                          </p:stCondLst>
+                                        </p:cTn>
+                                        <p:tgtEl>
+                                          <p:spTgt spid="7"/>
+                                        </p:tgtEl>
+                                        <p:attrNameLst>
+                                          <p:attrName>style.visibility</p:attrName>
+                                        </p:attrNameLst>
+                                      </p:cBhvr>
+                                      <p:to>
+                                        <p:strVal val="visible"/>
+                                      </p:to>
+                                    </p:set>
+                                  </p:childTnLst>
+                                </p:cTn>
+                              </p:par>
+                              <p:par>
+                                <p:cTn id="21" presetID="1" presetClass="entr" presetSubtype="0" fill="hold" grpId="0" nodeType="withEffect">
+                                  <p:stCondLst>
+                                    <p:cond delay="0"/>
+                                  </p:stCondLst>
+                                  <p:childTnLst>
+                                    <p:set>
+                                      <p:cBhvr>
+                                        <p:cTn id="22" dur="1" fill="hold">
+                                          <p:stCondLst>
+                                            <p:cond delay="0"/>
+                                          </p:stCondLst>
+                                        </p:cTn>
+                                        <p:tgtEl>
+                                          <p:spTgt spid="5"/>
+                                        </p:tgtEl>
+                                        <p:attrNameLst>
+                                          <p:attrName>style.visibility</p:attrName>
+                                        </p:attrNameLst>
+                                      </p:cBhvr>
+                                      <p:to>
+                                        <p:strVal val="visible"/>
+                                      </p:to>
+                                    </p:set>
+                                  </p:childTnLst>
+                                </p:cTn>
+                              </p:par>
+                              <p:par>
+                                <p:cTn id="23" presetID="1" presetClass="entr" presetSubtype="0" fill="hold" grpId="0" nodeType="withEffect">
+                                  <p:stCondLst>
+                                    <p:cond delay="0"/>
+                                  </p:stCondLst>
+                                  <p:childTnLst>
+                                    <p:set>
+                                      <p:cBhvr>
+                                        <p:cTn id="24" dur="1" fill="hold">
+                                          <p:stCondLst>
+                                            <p:cond delay="0"/>
+                                          </p:stCondLst>
+                                        </p:cTn>
+                                        <p:tgtEl>
+                                          <p:spTgt spid="15"/>
+                                        </p:tgtEl>
+                                        <p:attrNameLst>
+                                          <p:attrName>style.visibility</p:attrName>
+                                        </p:attrNameLst>
+                                      </p:cBhvr>
+                                      <p:to>
+                                        <p:strVal val="visible"/>
+                                      </p:to>
+                                    </p:set>
+                                  </p:childTnLst>
+                                </p:cTn>
+                              </p:par>
+                              <p:par>
+                                <p:cTn id="25" presetID="1" presetClass="entr" presetSubtype="0" fill="hold" grpId="0" nodeType="withEffect">
+                                  <p:stCondLst>
+                                    <p:cond delay="0"/>
+                                  </p:stCondLst>
+                                  <p:childTnLst>
+                                    <p:set>
+                                      <p:cBhvr>
+                                        <p:cTn id="26" dur="1" fill="hold">
+                                          <p:stCondLst>
+                                            <p:cond delay="0"/>
+                                          </p:stCondLst>
+                                        </p:cTn>
+                                        <p:tgtEl>
+                                          <p:spTgt spid="16"/>
+                                        </p:tgtEl>
+                                        <p:attrNameLst>
+                                          <p:attrName>style.visibility</p:attrName>
+                                        </p:attrNameLst>
+                                      </p:cBhvr>
+                                      <p:to>
+                                        <p:strVal val="visible"/>
+                                      </p:to>
+                                    </p:set>
+                                  </p:childTnLst>
+                                </p:cTn>
+                              </p:par>
+                              <p:par>
+                                <p:cTn id="27" presetID="1" presetClass="entr" presetSubtype="0" fill="hold" grpId="0" nodeType="withEffect">
+                                  <p:stCondLst>
+                                    <p:cond delay="0"/>
+                                  </p:stCondLst>
+                                  <p:childTnLst>
+                                    <p:set>
+                                      <p:cBhvr>
+                                        <p:cTn id="28" dur="1" fill="hold">
+                                          <p:stCondLst>
+                                            <p:cond delay="0"/>
+                                          </p:stCondLst>
+                                        </p:cTn>
+                                        <p:tgtEl>
+                                          <p:spTgt spid="14"/>
+                                        </p:tgtEl>
+                                        <p:attrNameLst>
+                                          <p:attrName>style.visibility</p:attrName>
+                                        </p:attrNameLst>
+                                      </p:cBhvr>
+                                      <p:to>
+                                        <p:strVal val="visible"/>
+                                      </p:to>
+                                    </p:set>
+                                  </p:childTnLst>
+                                </p:cTn>
+                              </p:par>
+                              <p:par>
+                                <p:cTn id="29" presetID="1" presetClass="entr" presetSubtype="0" fill="hold" grpId="0" nodeType="withEffect">
+                                  <p:stCondLst>
+                                    <p:cond delay="0"/>
+                                  </p:stCondLst>
+                                  <p:childTnLst>
+                                    <p:set>
+                                      <p:cBhvr>
+                                        <p:cTn id="30" dur="1" fill="hold">
+                                          <p:stCondLst>
+                                            <p:cond delay="0"/>
+                                          </p:stCondLst>
+                                        </p:cTn>
+                                        <p:tgtEl>
+                                          <p:spTgt spid="12"/>
+                                        </p:tgtEl>
+                                        <p:attrNameLst>
+                                          <p:attrName>style.visibility</p:attrName>
+                                        </p:attrNameLst>
+                                      </p:cBhvr>
+                                      <p:to>
+                                        <p:strVal val="visible"/>
+                                      </p:to>
+                                    </p:set>
+                                  </p:childTnLst>
+                                </p:cTn>
+                              </p:par>
+                              <p:par>
+                                <p:cTn id="31" presetID="1" presetClass="entr" presetSubtype="0" fill="hold" grpId="0" nodeType="withEffect">
+                                  <p:stCondLst>
+                                    <p:cond delay="0"/>
+                                  </p:stCondLst>
+                                  <p:childTnLst>
+                                    <p:set>
+                                      <p:cBhvr>
+                                        <p:cTn id="32" dur="1" fill="hold">
+                                          <p:stCondLst>
+                                            <p:cond delay="0"/>
+                                          </p:stCondLst>
+                                        </p:cTn>
+                                        <p:tgtEl>
+                                          <p:spTgt spid="13"/>
+                                        </p:tgtEl>
+                                        <p:attrNameLst>
+                                          <p:attrName>style.visibility</p:attrName>
+                                        </p:attrNameLst>
+                                      </p:cBhvr>
+                                      <p:to>
+                                        <p:strVal val="visible"/>
+                                      </p:to>
+                                    </p:set>
+                                  </p:childTnLst>
+                                </p:cTn>
+                              </p:par>
+                              <p:par>
+                                <p:cTn id="33" presetID="1" presetClass="entr" presetSubtype="0" fill="hold" grpId="0" nodeType="withEffect">
+                                  <p:stCondLst>
+                                    <p:cond delay="0"/>
+                                  </p:stCondLst>
+                                  <p:childTnLst>
+                                    <p:set>
+                                      <p:cBhvr>
+                                        <p:cTn id="34" dur="1" fill="hold">
+                                          <p:stCondLst>
+                                            <p:cond delay="0"/>
+                                          </p:stCondLst>
+                                        </p:cTn>
+                                        <p:tgtEl>
+                                          <p:spTgt spid="11"/>
+                                        </p:tgtEl>
+                                        <p:attrNameLst>
+                                          <p:attrName>style.visibility</p:attrName>
+                                        </p:attrNameLst>
+                                      </p:cBhvr>
+                                      <p:to>
+                                        <p:strVal val="visible"/>
+                                      </p:to>
+                                    </p:set>
+                                  </p:childTnLst>
+                                </p:cTn>
+                              </p:par>
+                            </p:childTnLst>
+                          </p:cTn>
+                        </p:par>
+                      </p:childTnLst>
+                    </p:cTn>
+                  </p:par>
+                </p:childTnLst>
+              </p:cTn>
+              <p:prevCondLst>
+                <p:cond evt="onPrev" delay="0">
+                  <p:tgtEl>
+                    <p:sldTgt/>
+                  </p:tgtEl>
+                </p:cond>
+              </p:prevCondLst>
+              <p:nextCondLst>
+                <p:cond evt="onNext" delay="0">
+                  <p:tgtEl>
+                    <p:sldTgt/>
+                  </p:tgtEl>
+                </p:cond>
+              </p:nextCondLst>
+            </p:seq>
+          </p:childTnLst>
+        </p:cTn>
+      </p:par>
+    </p:tnLst>
+    <p:bldLst>
+      <p:bldP spid="5" grpId="0" animBg="1"/>
+      <p:bldP spid="6" grpId="0" animBg="1"/>
+      <p:bldP spid="7" grpId="0" animBg="1"/>
+      <p:bldP spid="11" grpId="0" animBg="1"/>
+      <p:bldP spid="12" grpId="0" animBg="1"/>
+      <p:bldP spid="13" grpId="0" animBg="1"/>
+      <p:bldP spid="14" grpId="0" animBg="1"/>
+      <p:bldP spid="15" grpId="0" animBg="1"/>
+      <p:bldP spid="16" grpId="0" animBg="1"/>
+      <p:bldP spid="39" grpId="0" animBg="1"/>
+      <p:bldP spid="40" grpId="0" animBg="1"/>
+      <p:bldP spid="41" grpId="0" animBg="1"/>
+    </p:bldLst>
+  </p:timing>
 </p:sld>
 </file>
 
@@ -16133,6 +19855,574 @@
   <p:clrMapOvr>
     <a:masterClrMapping/>
   </p:clrMapOvr>
+  <p:timing>
+    <p:tnLst>
+      <p:par>
+        <p:cTn id="1" dur="indefinite" restart="never" nodeType="tmRoot">
+          <p:childTnLst>
+            <p:seq concurrent="1" nextAc="seek">
+              <p:cTn id="2" dur="indefinite" nodeType="mainSeq">
+                <p:childTnLst>
+                  <p:par>
+                    <p:cTn id="3" fill="hold">
+                      <p:stCondLst>
+                        <p:cond delay="indefinite"/>
+                        <p:cond evt="onBegin" delay="0">
+                          <p:tn val="2"/>
+                        </p:cond>
+                      </p:stCondLst>
+                      <p:childTnLst>
+                        <p:par>
+                          <p:cTn id="4" fill="hold">
+                            <p:stCondLst>
+                              <p:cond delay="0"/>
+                            </p:stCondLst>
+                            <p:childTnLst>
+                              <p:par>
+                                <p:cTn id="5" presetID="1" presetClass="entr" presetSubtype="0" fill="hold" grpId="0" nodeType="withEffect">
+                                  <p:stCondLst>
+                                    <p:cond delay="0"/>
+                                  </p:stCondLst>
+                                  <p:childTnLst>
+                                    <p:set>
+                                      <p:cBhvr>
+                                        <p:cTn id="6" dur="1" fill="hold">
+                                          <p:stCondLst>
+                                            <p:cond delay="0"/>
+                                          </p:stCondLst>
+                                        </p:cTn>
+                                        <p:tgtEl>
+                                          <p:spTgt spid="5"/>
+                                        </p:tgtEl>
+                                        <p:attrNameLst>
+                                          <p:attrName>style.visibility</p:attrName>
+                                        </p:attrNameLst>
+                                      </p:cBhvr>
+                                      <p:to>
+                                        <p:strVal val="visible"/>
+                                      </p:to>
+                                    </p:set>
+                                  </p:childTnLst>
+                                </p:cTn>
+                              </p:par>
+                              <p:par>
+                                <p:cTn id="7" presetID="1" presetClass="entr" presetSubtype="0" fill="hold" grpId="0" nodeType="withEffect">
+                                  <p:stCondLst>
+                                    <p:cond delay="0"/>
+                                  </p:stCondLst>
+                                  <p:childTnLst>
+                                    <p:set>
+                                      <p:cBhvr>
+                                        <p:cTn id="8" dur="1" fill="hold">
+                                          <p:stCondLst>
+                                            <p:cond delay="0"/>
+                                          </p:stCondLst>
+                                        </p:cTn>
+                                        <p:tgtEl>
+                                          <p:spTgt spid="8"/>
+                                        </p:tgtEl>
+                                        <p:attrNameLst>
+                                          <p:attrName>style.visibility</p:attrName>
+                                        </p:attrNameLst>
+                                      </p:cBhvr>
+                                      <p:to>
+                                        <p:strVal val="visible"/>
+                                      </p:to>
+                                    </p:set>
+                                  </p:childTnLst>
+                                </p:cTn>
+                              </p:par>
+                              <p:par>
+                                <p:cTn id="9" presetID="1" presetClass="entr" presetSubtype="0" fill="hold" nodeType="withEffect">
+                                  <p:stCondLst>
+                                    <p:cond delay="0"/>
+                                  </p:stCondLst>
+                                  <p:childTnLst>
+                                    <p:set>
+                                      <p:cBhvr>
+                                        <p:cTn id="10" dur="1" fill="hold">
+                                          <p:stCondLst>
+                                            <p:cond delay="0"/>
+                                          </p:stCondLst>
+                                        </p:cTn>
+                                        <p:tgtEl>
+                                          <p:spTgt spid="5">
+                                            <p:txEl>
+                                              <p:pRg st="0" end="0"/>
+                                            </p:txEl>
+                                          </p:spTgt>
+                                        </p:tgtEl>
+                                        <p:attrNameLst>
+                                          <p:attrName>style.visibility</p:attrName>
+                                        </p:attrNameLst>
+                                      </p:cBhvr>
+                                      <p:to>
+                                        <p:strVal val="visible"/>
+                                      </p:to>
+                                    </p:set>
+                                  </p:childTnLst>
+                                </p:cTn>
+                              </p:par>
+                            </p:childTnLst>
+                          </p:cTn>
+                        </p:par>
+                      </p:childTnLst>
+                    </p:cTn>
+                  </p:par>
+                  <p:par>
+                    <p:cTn id="11" fill="hold">
+                      <p:stCondLst>
+                        <p:cond delay="indefinite"/>
+                      </p:stCondLst>
+                      <p:childTnLst>
+                        <p:par>
+                          <p:cTn id="12" fill="hold">
+                            <p:stCondLst>
+                              <p:cond delay="0"/>
+                            </p:stCondLst>
+                            <p:childTnLst>
+                              <p:par>
+                                <p:cTn id="13" presetID="1" presetClass="entr" presetSubtype="0" fill="hold" nodeType="clickEffect">
+                                  <p:stCondLst>
+                                    <p:cond delay="0"/>
+                                  </p:stCondLst>
+                                  <p:childTnLst>
+                                    <p:set>
+                                      <p:cBhvr>
+                                        <p:cTn id="14" dur="1" fill="hold">
+                                          <p:stCondLst>
+                                            <p:cond delay="0"/>
+                                          </p:stCondLst>
+                                        </p:cTn>
+                                        <p:tgtEl>
+                                          <p:spTgt spid="5">
+                                            <p:txEl>
+                                              <p:pRg st="1" end="1"/>
+                                            </p:txEl>
+                                          </p:spTgt>
+                                        </p:tgtEl>
+                                        <p:attrNameLst>
+                                          <p:attrName>style.visibility</p:attrName>
+                                        </p:attrNameLst>
+                                      </p:cBhvr>
+                                      <p:to>
+                                        <p:strVal val="visible"/>
+                                      </p:to>
+                                    </p:set>
+                                  </p:childTnLst>
+                                </p:cTn>
+                              </p:par>
+                              <p:par>
+                                <p:cTn id="15" presetID="1" presetClass="entr" presetSubtype="0" fill="hold" nodeType="withEffect">
+                                  <p:stCondLst>
+                                    <p:cond delay="0"/>
+                                  </p:stCondLst>
+                                  <p:childTnLst>
+                                    <p:set>
+                                      <p:cBhvr>
+                                        <p:cTn id="16" dur="1" fill="hold">
+                                          <p:stCondLst>
+                                            <p:cond delay="0"/>
+                                          </p:stCondLst>
+                                        </p:cTn>
+                                        <p:tgtEl>
+                                          <p:spTgt spid="5">
+                                            <p:txEl>
+                                              <p:pRg st="2" end="2"/>
+                                            </p:txEl>
+                                          </p:spTgt>
+                                        </p:tgtEl>
+                                        <p:attrNameLst>
+                                          <p:attrName>style.visibility</p:attrName>
+                                        </p:attrNameLst>
+                                      </p:cBhvr>
+                                      <p:to>
+                                        <p:strVal val="visible"/>
+                                      </p:to>
+                                    </p:set>
+                                  </p:childTnLst>
+                                </p:cTn>
+                              </p:par>
+                              <p:par>
+                                <p:cTn id="17" presetID="1" presetClass="entr" presetSubtype="0" fill="hold" nodeType="withEffect">
+                                  <p:stCondLst>
+                                    <p:cond delay="0"/>
+                                  </p:stCondLst>
+                                  <p:childTnLst>
+                                    <p:set>
+                                      <p:cBhvr>
+                                        <p:cTn id="18" dur="1" fill="hold">
+                                          <p:stCondLst>
+                                            <p:cond delay="0"/>
+                                          </p:stCondLst>
+                                        </p:cTn>
+                                        <p:tgtEl>
+                                          <p:spTgt spid="5">
+                                            <p:txEl>
+                                              <p:pRg st="10" end="10"/>
+                                            </p:txEl>
+                                          </p:spTgt>
+                                        </p:tgtEl>
+                                        <p:attrNameLst>
+                                          <p:attrName>style.visibility</p:attrName>
+                                        </p:attrNameLst>
+                                      </p:cBhvr>
+                                      <p:to>
+                                        <p:strVal val="visible"/>
+                                      </p:to>
+                                    </p:set>
+                                  </p:childTnLst>
+                                </p:cTn>
+                              </p:par>
+                            </p:childTnLst>
+                          </p:cTn>
+                        </p:par>
+                      </p:childTnLst>
+                    </p:cTn>
+                  </p:par>
+                  <p:par>
+                    <p:cTn id="19" fill="hold">
+                      <p:stCondLst>
+                        <p:cond delay="indefinite"/>
+                      </p:stCondLst>
+                      <p:childTnLst>
+                        <p:par>
+                          <p:cTn id="20" fill="hold">
+                            <p:stCondLst>
+                              <p:cond delay="0"/>
+                            </p:stCondLst>
+                            <p:childTnLst>
+                              <p:par>
+                                <p:cTn id="21" presetID="1" presetClass="entr" presetSubtype="0" fill="hold" nodeType="clickEffect">
+                                  <p:stCondLst>
+                                    <p:cond delay="0"/>
+                                  </p:stCondLst>
+                                  <p:childTnLst>
+                                    <p:set>
+                                      <p:cBhvr>
+                                        <p:cTn id="22" dur="1" fill="hold">
+                                          <p:stCondLst>
+                                            <p:cond delay="0"/>
+                                          </p:stCondLst>
+                                        </p:cTn>
+                                        <p:tgtEl>
+                                          <p:spTgt spid="5">
+                                            <p:txEl>
+                                              <p:pRg st="3" end="3"/>
+                                            </p:txEl>
+                                          </p:spTgt>
+                                        </p:tgtEl>
+                                        <p:attrNameLst>
+                                          <p:attrName>style.visibility</p:attrName>
+                                        </p:attrNameLst>
+                                      </p:cBhvr>
+                                      <p:to>
+                                        <p:strVal val="visible"/>
+                                      </p:to>
+                                    </p:set>
+                                  </p:childTnLst>
+                                </p:cTn>
+                              </p:par>
+                              <p:par>
+                                <p:cTn id="23" presetID="1" presetClass="entr" presetSubtype="0" fill="hold" nodeType="withEffect">
+                                  <p:stCondLst>
+                                    <p:cond delay="0"/>
+                                  </p:stCondLst>
+                                  <p:childTnLst>
+                                    <p:set>
+                                      <p:cBhvr>
+                                        <p:cTn id="24" dur="1" fill="hold">
+                                          <p:stCondLst>
+                                            <p:cond delay="0"/>
+                                          </p:stCondLst>
+                                        </p:cTn>
+                                        <p:tgtEl>
+                                          <p:spTgt spid="5">
+                                            <p:txEl>
+                                              <p:pRg st="4" end="4"/>
+                                            </p:txEl>
+                                          </p:spTgt>
+                                        </p:tgtEl>
+                                        <p:attrNameLst>
+                                          <p:attrName>style.visibility</p:attrName>
+                                        </p:attrNameLst>
+                                      </p:cBhvr>
+                                      <p:to>
+                                        <p:strVal val="visible"/>
+                                      </p:to>
+                                    </p:set>
+                                  </p:childTnLst>
+                                </p:cTn>
+                              </p:par>
+                              <p:par>
+                                <p:cTn id="25" presetID="1" presetClass="entr" presetSubtype="0" fill="hold" nodeType="withEffect">
+                                  <p:stCondLst>
+                                    <p:cond delay="0"/>
+                                  </p:stCondLst>
+                                  <p:childTnLst>
+                                    <p:set>
+                                      <p:cBhvr>
+                                        <p:cTn id="26" dur="1" fill="hold">
+                                          <p:stCondLst>
+                                            <p:cond delay="0"/>
+                                          </p:stCondLst>
+                                        </p:cTn>
+                                        <p:tgtEl>
+                                          <p:spTgt spid="5">
+                                            <p:txEl>
+                                              <p:pRg st="8" end="8"/>
+                                            </p:txEl>
+                                          </p:spTgt>
+                                        </p:tgtEl>
+                                        <p:attrNameLst>
+                                          <p:attrName>style.visibility</p:attrName>
+                                        </p:attrNameLst>
+                                      </p:cBhvr>
+                                      <p:to>
+                                        <p:strVal val="visible"/>
+                                      </p:to>
+                                    </p:set>
+                                  </p:childTnLst>
+                                </p:cTn>
+                              </p:par>
+                            </p:childTnLst>
+                          </p:cTn>
+                        </p:par>
+                      </p:childTnLst>
+                    </p:cTn>
+                  </p:par>
+                  <p:par>
+                    <p:cTn id="27" fill="hold">
+                      <p:stCondLst>
+                        <p:cond delay="indefinite"/>
+                      </p:stCondLst>
+                      <p:childTnLst>
+                        <p:par>
+                          <p:cTn id="28" fill="hold">
+                            <p:stCondLst>
+                              <p:cond delay="0"/>
+                            </p:stCondLst>
+                            <p:childTnLst>
+                              <p:par>
+                                <p:cTn id="29" presetID="1" presetClass="entr" presetSubtype="0" fill="hold" nodeType="clickEffect">
+                                  <p:stCondLst>
+                                    <p:cond delay="0"/>
+                                  </p:stCondLst>
+                                  <p:childTnLst>
+                                    <p:set>
+                                      <p:cBhvr>
+                                        <p:cTn id="30" dur="1" fill="hold">
+                                          <p:stCondLst>
+                                            <p:cond delay="0"/>
+                                          </p:stCondLst>
+                                        </p:cTn>
+                                        <p:tgtEl>
+                                          <p:spTgt spid="5">
+                                            <p:txEl>
+                                              <p:pRg st="5" end="5"/>
+                                            </p:txEl>
+                                          </p:spTgt>
+                                        </p:tgtEl>
+                                        <p:attrNameLst>
+                                          <p:attrName>style.visibility</p:attrName>
+                                        </p:attrNameLst>
+                                      </p:cBhvr>
+                                      <p:to>
+                                        <p:strVal val="visible"/>
+                                      </p:to>
+                                    </p:set>
+                                  </p:childTnLst>
+                                </p:cTn>
+                              </p:par>
+                              <p:par>
+                                <p:cTn id="31" presetID="1" presetClass="entr" presetSubtype="0" fill="hold" nodeType="withEffect">
+                                  <p:stCondLst>
+                                    <p:cond delay="0"/>
+                                  </p:stCondLst>
+                                  <p:childTnLst>
+                                    <p:set>
+                                      <p:cBhvr>
+                                        <p:cTn id="32" dur="1" fill="hold">
+                                          <p:stCondLst>
+                                            <p:cond delay="0"/>
+                                          </p:stCondLst>
+                                        </p:cTn>
+                                        <p:tgtEl>
+                                          <p:spTgt spid="5">
+                                            <p:txEl>
+                                              <p:pRg st="6" end="6"/>
+                                            </p:txEl>
+                                          </p:spTgt>
+                                        </p:tgtEl>
+                                        <p:attrNameLst>
+                                          <p:attrName>style.visibility</p:attrName>
+                                        </p:attrNameLst>
+                                      </p:cBhvr>
+                                      <p:to>
+                                        <p:strVal val="visible"/>
+                                      </p:to>
+                                    </p:set>
+                                  </p:childTnLst>
+                                </p:cTn>
+                              </p:par>
+                              <p:par>
+                                <p:cTn id="33" presetID="1" presetClass="entr" presetSubtype="0" fill="hold" nodeType="withEffect">
+                                  <p:stCondLst>
+                                    <p:cond delay="0"/>
+                                  </p:stCondLst>
+                                  <p:childTnLst>
+                                    <p:set>
+                                      <p:cBhvr>
+                                        <p:cTn id="34" dur="1" fill="hold">
+                                          <p:stCondLst>
+                                            <p:cond delay="0"/>
+                                          </p:stCondLst>
+                                        </p:cTn>
+                                        <p:tgtEl>
+                                          <p:spTgt spid="5">
+                                            <p:txEl>
+                                              <p:pRg st="7" end="7"/>
+                                            </p:txEl>
+                                          </p:spTgt>
+                                        </p:tgtEl>
+                                        <p:attrNameLst>
+                                          <p:attrName>style.visibility</p:attrName>
+                                        </p:attrNameLst>
+                                      </p:cBhvr>
+                                      <p:to>
+                                        <p:strVal val="visible"/>
+                                      </p:to>
+                                    </p:set>
+                                  </p:childTnLst>
+                                </p:cTn>
+                              </p:par>
+                            </p:childTnLst>
+                          </p:cTn>
+                        </p:par>
+                      </p:childTnLst>
+                    </p:cTn>
+                  </p:par>
+                  <p:par>
+                    <p:cTn id="35" fill="hold">
+                      <p:stCondLst>
+                        <p:cond delay="indefinite"/>
+                      </p:stCondLst>
+                      <p:childTnLst>
+                        <p:par>
+                          <p:cTn id="36" fill="hold">
+                            <p:stCondLst>
+                              <p:cond delay="0"/>
+                            </p:stCondLst>
+                            <p:childTnLst>
+                              <p:par>
+                                <p:cTn id="37" presetID="1" presetClass="entr" presetSubtype="0" fill="hold" nodeType="clickEffect">
+                                  <p:stCondLst>
+                                    <p:cond delay="0"/>
+                                  </p:stCondLst>
+                                  <p:childTnLst>
+                                    <p:set>
+                                      <p:cBhvr>
+                                        <p:cTn id="38" dur="1" fill="hold">
+                                          <p:stCondLst>
+                                            <p:cond delay="0"/>
+                                          </p:stCondLst>
+                                        </p:cTn>
+                                        <p:tgtEl>
+                                          <p:spTgt spid="5">
+                                            <p:txEl>
+                                              <p:pRg st="9" end="9"/>
+                                            </p:txEl>
+                                          </p:spTgt>
+                                        </p:tgtEl>
+                                        <p:attrNameLst>
+                                          <p:attrName>style.visibility</p:attrName>
+                                        </p:attrNameLst>
+                                      </p:cBhvr>
+                                      <p:to>
+                                        <p:strVal val="visible"/>
+                                      </p:to>
+                                    </p:set>
+                                  </p:childTnLst>
+                                </p:cTn>
+                              </p:par>
+                            </p:childTnLst>
+                          </p:cTn>
+                        </p:par>
+                      </p:childTnLst>
+                    </p:cTn>
+                  </p:par>
+                  <p:par>
+                    <p:cTn id="39" fill="hold">
+                      <p:stCondLst>
+                        <p:cond delay="indefinite"/>
+                      </p:stCondLst>
+                      <p:childTnLst>
+                        <p:par>
+                          <p:cTn id="40" fill="hold">
+                            <p:stCondLst>
+                              <p:cond delay="0"/>
+                            </p:stCondLst>
+                            <p:childTnLst>
+                              <p:par>
+                                <p:cTn id="41" presetID="1" presetClass="entr" presetSubtype="0" fill="hold" grpId="0" nodeType="clickEffect">
+                                  <p:stCondLst>
+                                    <p:cond delay="0"/>
+                                  </p:stCondLst>
+                                  <p:childTnLst>
+                                    <p:set>
+                                      <p:cBhvr>
+                                        <p:cTn id="42" dur="1" fill="hold">
+                                          <p:stCondLst>
+                                            <p:cond delay="0"/>
+                                          </p:stCondLst>
+                                        </p:cTn>
+                                        <p:tgtEl>
+                                          <p:spTgt spid="2"/>
+                                        </p:tgtEl>
+                                        <p:attrNameLst>
+                                          <p:attrName>style.visibility</p:attrName>
+                                        </p:attrNameLst>
+                                      </p:cBhvr>
+                                      <p:to>
+                                        <p:strVal val="visible"/>
+                                      </p:to>
+                                    </p:set>
+                                  </p:childTnLst>
+                                </p:cTn>
+                              </p:par>
+                            </p:childTnLst>
+                          </p:cTn>
+                        </p:par>
+                      </p:childTnLst>
+                    </p:cTn>
+                  </p:par>
+                </p:childTnLst>
+              </p:cTn>
+              <p:prevCondLst>
+                <p:cond evt="onPrev" delay="0">
+                  <p:tgtEl>
+                    <p:sldTgt/>
+                  </p:tgtEl>
+                </p:cond>
+              </p:prevCondLst>
+              <p:nextCondLst>
+                <p:cond evt="onNext" delay="0">
+                  <p:tgtEl>
+                    <p:sldTgt/>
+                  </p:tgtEl>
+                </p:cond>
+              </p:nextCondLst>
+            </p:seq>
+          </p:childTnLst>
+        </p:cTn>
+      </p:par>
+    </p:tnLst>
+    <p:bldLst>
+      <p:bldP spid="5" grpId="0" animBg="1"/>
+      <p:bldP spid="8" grpId="0" animBg="1"/>
+      <p:bldP spid="2" grpId="0"/>
+    </p:bldLst>
+  </p:timing>
 </p:sld>
 </file>
 
@@ -17486,6 +21776,355 @@
   <p:clrMapOvr>
     <a:masterClrMapping/>
   </p:clrMapOvr>
+  <p:timing>
+    <p:tnLst>
+      <p:par>
+        <p:cTn id="1" dur="indefinite" restart="never" nodeType="tmRoot">
+          <p:childTnLst>
+            <p:seq concurrent="1" nextAc="seek">
+              <p:cTn id="2" dur="indefinite" nodeType="mainSeq">
+                <p:childTnLst>
+                  <p:par>
+                    <p:cTn id="3" fill="hold">
+                      <p:stCondLst>
+                        <p:cond delay="indefinite"/>
+                      </p:stCondLst>
+                      <p:childTnLst>
+                        <p:par>
+                          <p:cTn id="4" fill="hold">
+                            <p:stCondLst>
+                              <p:cond delay="0"/>
+                            </p:stCondLst>
+                            <p:childTnLst>
+                              <p:par>
+                                <p:cTn id="5" presetID="1" presetClass="entr" presetSubtype="0" fill="hold" nodeType="clickEffect">
+                                  <p:stCondLst>
+                                    <p:cond delay="0"/>
+                                  </p:stCondLst>
+                                  <p:childTnLst>
+                                    <p:set>
+                                      <p:cBhvr>
+                                        <p:cTn id="6" dur="1" fill="hold">
+                                          <p:stCondLst>
+                                            <p:cond delay="0"/>
+                                          </p:stCondLst>
+                                        </p:cTn>
+                                        <p:tgtEl>
+                                          <p:spTgt spid="5">
+                                            <p:txEl>
+                                              <p:pRg st="3" end="3"/>
+                                            </p:txEl>
+                                          </p:spTgt>
+                                        </p:tgtEl>
+                                        <p:attrNameLst>
+                                          <p:attrName>style.visibility</p:attrName>
+                                        </p:attrNameLst>
+                                      </p:cBhvr>
+                                      <p:to>
+                                        <p:strVal val="visible"/>
+                                      </p:to>
+                                    </p:set>
+                                  </p:childTnLst>
+                                </p:cTn>
+                              </p:par>
+                            </p:childTnLst>
+                          </p:cTn>
+                        </p:par>
+                      </p:childTnLst>
+                    </p:cTn>
+                  </p:par>
+                  <p:par>
+                    <p:cTn id="7" fill="hold">
+                      <p:stCondLst>
+                        <p:cond delay="indefinite"/>
+                      </p:stCondLst>
+                      <p:childTnLst>
+                        <p:par>
+                          <p:cTn id="8" fill="hold">
+                            <p:stCondLst>
+                              <p:cond delay="0"/>
+                            </p:stCondLst>
+                            <p:childTnLst>
+                              <p:par>
+                                <p:cTn id="9" presetID="1" presetClass="entr" presetSubtype="0" fill="hold" nodeType="clickEffect">
+                                  <p:stCondLst>
+                                    <p:cond delay="0"/>
+                                  </p:stCondLst>
+                                  <p:childTnLst>
+                                    <p:set>
+                                      <p:cBhvr>
+                                        <p:cTn id="10" dur="1" fill="hold">
+                                          <p:stCondLst>
+                                            <p:cond delay="0"/>
+                                          </p:stCondLst>
+                                        </p:cTn>
+                                        <p:tgtEl>
+                                          <p:spTgt spid="5">
+                                            <p:txEl>
+                                              <p:pRg st="4" end="4"/>
+                                            </p:txEl>
+                                          </p:spTgt>
+                                        </p:tgtEl>
+                                        <p:attrNameLst>
+                                          <p:attrName>style.visibility</p:attrName>
+                                        </p:attrNameLst>
+                                      </p:cBhvr>
+                                      <p:to>
+                                        <p:strVal val="visible"/>
+                                      </p:to>
+                                    </p:set>
+                                  </p:childTnLst>
+                                </p:cTn>
+                              </p:par>
+                            </p:childTnLst>
+                          </p:cTn>
+                        </p:par>
+                      </p:childTnLst>
+                    </p:cTn>
+                  </p:par>
+                  <p:par>
+                    <p:cTn id="11" fill="hold">
+                      <p:stCondLst>
+                        <p:cond delay="indefinite"/>
+                      </p:stCondLst>
+                      <p:childTnLst>
+                        <p:par>
+                          <p:cTn id="12" fill="hold">
+                            <p:stCondLst>
+                              <p:cond delay="0"/>
+                            </p:stCondLst>
+                            <p:childTnLst>
+                              <p:par>
+                                <p:cTn id="13" presetID="1" presetClass="entr" presetSubtype="0" fill="hold" grpId="0" nodeType="clickEffect">
+                                  <p:stCondLst>
+                                    <p:cond delay="0"/>
+                                  </p:stCondLst>
+                                  <p:childTnLst>
+                                    <p:set>
+                                      <p:cBhvr>
+                                        <p:cTn id="14" dur="1" fill="hold">
+                                          <p:stCondLst>
+                                            <p:cond delay="0"/>
+                                          </p:stCondLst>
+                                        </p:cTn>
+                                        <p:tgtEl>
+                                          <p:spTgt spid="11"/>
+                                        </p:tgtEl>
+                                        <p:attrNameLst>
+                                          <p:attrName>style.visibility</p:attrName>
+                                        </p:attrNameLst>
+                                      </p:cBhvr>
+                                      <p:to>
+                                        <p:strVal val="visible"/>
+                                      </p:to>
+                                    </p:set>
+                                  </p:childTnLst>
+                                </p:cTn>
+                              </p:par>
+                              <p:par>
+                                <p:cTn id="15" presetID="1" presetClass="entr" presetSubtype="0" fill="hold" nodeType="withEffect">
+                                  <p:stCondLst>
+                                    <p:cond delay="0"/>
+                                  </p:stCondLst>
+                                  <p:childTnLst>
+                                    <p:set>
+                                      <p:cBhvr>
+                                        <p:cTn id="16" dur="1" fill="hold">
+                                          <p:stCondLst>
+                                            <p:cond delay="0"/>
+                                          </p:stCondLst>
+                                        </p:cTn>
+                                        <p:tgtEl>
+                                          <p:spTgt spid="11">
+                                            <p:txEl>
+                                              <p:pRg st="0" end="0"/>
+                                            </p:txEl>
+                                          </p:spTgt>
+                                        </p:tgtEl>
+                                        <p:attrNameLst>
+                                          <p:attrName>style.visibility</p:attrName>
+                                        </p:attrNameLst>
+                                      </p:cBhvr>
+                                      <p:to>
+                                        <p:strVal val="visible"/>
+                                      </p:to>
+                                    </p:set>
+                                  </p:childTnLst>
+                                </p:cTn>
+                              </p:par>
+                              <p:par>
+                                <p:cTn id="17" presetID="1" presetClass="entr" presetSubtype="0" fill="hold" nodeType="withEffect">
+                                  <p:stCondLst>
+                                    <p:cond delay="0"/>
+                                  </p:stCondLst>
+                                  <p:childTnLst>
+                                    <p:set>
+                                      <p:cBhvr>
+                                        <p:cTn id="18" dur="1" fill="hold">
+                                          <p:stCondLst>
+                                            <p:cond delay="0"/>
+                                          </p:stCondLst>
+                                        </p:cTn>
+                                        <p:tgtEl>
+                                          <p:spTgt spid="11">
+                                            <p:txEl>
+                                              <p:pRg st="1" end="1"/>
+                                            </p:txEl>
+                                          </p:spTgt>
+                                        </p:tgtEl>
+                                        <p:attrNameLst>
+                                          <p:attrName>style.visibility</p:attrName>
+                                        </p:attrNameLst>
+                                      </p:cBhvr>
+                                      <p:to>
+                                        <p:strVal val="visible"/>
+                                      </p:to>
+                                    </p:set>
+                                  </p:childTnLst>
+                                </p:cTn>
+                              </p:par>
+                              <p:par>
+                                <p:cTn id="19" presetID="1" presetClass="entr" presetSubtype="0" fill="hold" nodeType="withEffect">
+                                  <p:stCondLst>
+                                    <p:cond delay="0"/>
+                                  </p:stCondLst>
+                                  <p:childTnLst>
+                                    <p:set>
+                                      <p:cBhvr>
+                                        <p:cTn id="20" dur="1" fill="hold">
+                                          <p:stCondLst>
+                                            <p:cond delay="0"/>
+                                          </p:stCondLst>
+                                        </p:cTn>
+                                        <p:tgtEl>
+                                          <p:spTgt spid="11">
+                                            <p:txEl>
+                                              <p:pRg st="4" end="4"/>
+                                            </p:txEl>
+                                          </p:spTgt>
+                                        </p:tgtEl>
+                                        <p:attrNameLst>
+                                          <p:attrName>style.visibility</p:attrName>
+                                        </p:attrNameLst>
+                                      </p:cBhvr>
+                                      <p:to>
+                                        <p:strVal val="visible"/>
+                                      </p:to>
+                                    </p:set>
+                                  </p:childTnLst>
+                                </p:cTn>
+                              </p:par>
+                            </p:childTnLst>
+                          </p:cTn>
+                        </p:par>
+                      </p:childTnLst>
+                    </p:cTn>
+                  </p:par>
+                  <p:par>
+                    <p:cTn id="21" fill="hold">
+                      <p:stCondLst>
+                        <p:cond delay="indefinite"/>
+                      </p:stCondLst>
+                      <p:childTnLst>
+                        <p:par>
+                          <p:cTn id="22" fill="hold">
+                            <p:stCondLst>
+                              <p:cond delay="0"/>
+                            </p:stCondLst>
+                            <p:childTnLst>
+                              <p:par>
+                                <p:cTn id="23" presetID="1" presetClass="entr" presetSubtype="0" fill="hold" nodeType="clickEffect">
+                                  <p:stCondLst>
+                                    <p:cond delay="0"/>
+                                  </p:stCondLst>
+                                  <p:childTnLst>
+                                    <p:set>
+                                      <p:cBhvr>
+                                        <p:cTn id="24" dur="1" fill="hold">
+                                          <p:stCondLst>
+                                            <p:cond delay="0"/>
+                                          </p:stCondLst>
+                                        </p:cTn>
+                                        <p:tgtEl>
+                                          <p:spTgt spid="11">
+                                            <p:txEl>
+                                              <p:pRg st="2" end="2"/>
+                                            </p:txEl>
+                                          </p:spTgt>
+                                        </p:tgtEl>
+                                        <p:attrNameLst>
+                                          <p:attrName>style.visibility</p:attrName>
+                                        </p:attrNameLst>
+                                      </p:cBhvr>
+                                      <p:to>
+                                        <p:strVal val="visible"/>
+                                      </p:to>
+                                    </p:set>
+                                  </p:childTnLst>
+                                </p:cTn>
+                              </p:par>
+                              <p:par>
+                                <p:cTn id="25" presetID="1" presetClass="entr" presetSubtype="0" fill="hold" nodeType="withEffect">
+                                  <p:stCondLst>
+                                    <p:cond delay="0"/>
+                                  </p:stCondLst>
+                                  <p:childTnLst>
+                                    <p:set>
+                                      <p:cBhvr>
+                                        <p:cTn id="26" dur="1" fill="hold">
+                                          <p:stCondLst>
+                                            <p:cond delay="0"/>
+                                          </p:stCondLst>
+                                        </p:cTn>
+                                        <p:tgtEl>
+                                          <p:spTgt spid="11">
+                                            <p:txEl>
+                                              <p:pRg st="3" end="3"/>
+                                            </p:txEl>
+                                          </p:spTgt>
+                                        </p:tgtEl>
+                                        <p:attrNameLst>
+                                          <p:attrName>style.visibility</p:attrName>
+                                        </p:attrNameLst>
+                                      </p:cBhvr>
+                                      <p:to>
+                                        <p:strVal val="visible"/>
+                                      </p:to>
+                                    </p:set>
+                                  </p:childTnLst>
+                                </p:cTn>
+                              </p:par>
+                            </p:childTnLst>
+                          </p:cTn>
+                        </p:par>
+                      </p:childTnLst>
+                    </p:cTn>
+                  </p:par>
+                </p:childTnLst>
+              </p:cTn>
+              <p:prevCondLst>
+                <p:cond evt="onPrev" delay="0">
+                  <p:tgtEl>
+                    <p:sldTgt/>
+                  </p:tgtEl>
+                </p:cond>
+              </p:prevCondLst>
+              <p:nextCondLst>
+                <p:cond evt="onNext" delay="0">
+                  <p:tgtEl>
+                    <p:sldTgt/>
+                  </p:tgtEl>
+                </p:cond>
+              </p:nextCondLst>
+            </p:seq>
+          </p:childTnLst>
+        </p:cTn>
+      </p:par>
+    </p:tnLst>
+    <p:bldLst>
+      <p:bldP spid="11" grpId="0" animBg="1"/>
+    </p:bldLst>
+  </p:timing>
 </p:sld>
 </file>
 
@@ -17661,7 +22300,7 @@
                 </a:solidFill>
                 <a:latin typeface="Consolas" panose="020B0609020204030204" pitchFamily="49" charset="0"/>
               </a:rPr>
-              <a:t>try … catch</a:t>
+              <a:t>try…catch</a:t>
             </a:r>
           </a:p>
           <a:p>
@@ -17854,6 +22493,281 @@
   <p:clrMapOvr>
     <a:masterClrMapping/>
   </p:clrMapOvr>
+  <p:timing>
+    <p:tnLst>
+      <p:par>
+        <p:cTn id="1" dur="indefinite" restart="never" nodeType="tmRoot">
+          <p:childTnLst>
+            <p:seq concurrent="1" nextAc="seek">
+              <p:cTn id="2" dur="indefinite" nodeType="mainSeq">
+                <p:childTnLst>
+                  <p:par>
+                    <p:cTn id="3" fill="hold">
+                      <p:stCondLst>
+                        <p:cond delay="indefinite"/>
+                      </p:stCondLst>
+                      <p:childTnLst>
+                        <p:par>
+                          <p:cTn id="4" fill="hold">
+                            <p:stCondLst>
+                              <p:cond delay="0"/>
+                            </p:stCondLst>
+                            <p:childTnLst>
+                              <p:par>
+                                <p:cTn id="5" presetID="1" presetClass="entr" presetSubtype="0" fill="hold" nodeType="clickEffect">
+                                  <p:stCondLst>
+                                    <p:cond delay="0"/>
+                                  </p:stCondLst>
+                                  <p:childTnLst>
+                                    <p:set>
+                                      <p:cBhvr>
+                                        <p:cTn id="6" dur="1" fill="hold">
+                                          <p:stCondLst>
+                                            <p:cond delay="0"/>
+                                          </p:stCondLst>
+                                        </p:cTn>
+                                        <p:tgtEl>
+                                          <p:spTgt spid="444419">
+                                            <p:txEl>
+                                              <p:pRg st="1" end="1"/>
+                                            </p:txEl>
+                                          </p:spTgt>
+                                        </p:tgtEl>
+                                        <p:attrNameLst>
+                                          <p:attrName>style.visibility</p:attrName>
+                                        </p:attrNameLst>
+                                      </p:cBhvr>
+                                      <p:to>
+                                        <p:strVal val="visible"/>
+                                      </p:to>
+                                    </p:set>
+                                  </p:childTnLst>
+                                </p:cTn>
+                              </p:par>
+                            </p:childTnLst>
+                          </p:cTn>
+                        </p:par>
+                      </p:childTnLst>
+                    </p:cTn>
+                  </p:par>
+                  <p:par>
+                    <p:cTn id="7" fill="hold">
+                      <p:stCondLst>
+                        <p:cond delay="indefinite"/>
+                      </p:stCondLst>
+                      <p:childTnLst>
+                        <p:par>
+                          <p:cTn id="8" fill="hold">
+                            <p:stCondLst>
+                              <p:cond delay="0"/>
+                            </p:stCondLst>
+                            <p:childTnLst>
+                              <p:par>
+                                <p:cTn id="9" presetID="1" presetClass="entr" presetSubtype="0" fill="hold" nodeType="clickEffect">
+                                  <p:stCondLst>
+                                    <p:cond delay="0"/>
+                                  </p:stCondLst>
+                                  <p:childTnLst>
+                                    <p:set>
+                                      <p:cBhvr>
+                                        <p:cTn id="10" dur="1" fill="hold">
+                                          <p:stCondLst>
+                                            <p:cond delay="0"/>
+                                          </p:stCondLst>
+                                        </p:cTn>
+                                        <p:tgtEl>
+                                          <p:spTgt spid="444419">
+                                            <p:txEl>
+                                              <p:pRg st="2" end="2"/>
+                                            </p:txEl>
+                                          </p:spTgt>
+                                        </p:tgtEl>
+                                        <p:attrNameLst>
+                                          <p:attrName>style.visibility</p:attrName>
+                                        </p:attrNameLst>
+                                      </p:cBhvr>
+                                      <p:to>
+                                        <p:strVal val="visible"/>
+                                      </p:to>
+                                    </p:set>
+                                  </p:childTnLst>
+                                </p:cTn>
+                              </p:par>
+                            </p:childTnLst>
+                          </p:cTn>
+                        </p:par>
+                      </p:childTnLst>
+                    </p:cTn>
+                  </p:par>
+                  <p:par>
+                    <p:cTn id="11" fill="hold">
+                      <p:stCondLst>
+                        <p:cond delay="indefinite"/>
+                      </p:stCondLst>
+                      <p:childTnLst>
+                        <p:par>
+                          <p:cTn id="12" fill="hold">
+                            <p:stCondLst>
+                              <p:cond delay="0"/>
+                            </p:stCondLst>
+                            <p:childTnLst>
+                              <p:par>
+                                <p:cTn id="13" presetID="1" presetClass="entr" presetSubtype="0" fill="hold" nodeType="clickEffect">
+                                  <p:stCondLst>
+                                    <p:cond delay="0"/>
+                                  </p:stCondLst>
+                                  <p:childTnLst>
+                                    <p:set>
+                                      <p:cBhvr>
+                                        <p:cTn id="14" dur="1" fill="hold">
+                                          <p:stCondLst>
+                                            <p:cond delay="0"/>
+                                          </p:stCondLst>
+                                        </p:cTn>
+                                        <p:tgtEl>
+                                          <p:spTgt spid="444419">
+                                            <p:txEl>
+                                              <p:pRg st="3" end="3"/>
+                                            </p:txEl>
+                                          </p:spTgt>
+                                        </p:tgtEl>
+                                        <p:attrNameLst>
+                                          <p:attrName>style.visibility</p:attrName>
+                                        </p:attrNameLst>
+                                      </p:cBhvr>
+                                      <p:to>
+                                        <p:strVal val="visible"/>
+                                      </p:to>
+                                    </p:set>
+                                  </p:childTnLst>
+                                </p:cTn>
+                              </p:par>
+                            </p:childTnLst>
+                          </p:cTn>
+                        </p:par>
+                      </p:childTnLst>
+                    </p:cTn>
+                  </p:par>
+                  <p:par>
+                    <p:cTn id="15" fill="hold">
+                      <p:stCondLst>
+                        <p:cond delay="indefinite"/>
+                      </p:stCondLst>
+                      <p:childTnLst>
+                        <p:par>
+                          <p:cTn id="16" fill="hold">
+                            <p:stCondLst>
+                              <p:cond delay="0"/>
+                            </p:stCondLst>
+                            <p:childTnLst>
+                              <p:par>
+                                <p:cTn id="17" presetID="1" presetClass="entr" presetSubtype="0" fill="hold" nodeType="clickEffect">
+                                  <p:stCondLst>
+                                    <p:cond delay="0"/>
+                                  </p:stCondLst>
+                                  <p:childTnLst>
+                                    <p:set>
+                                      <p:cBhvr>
+                                        <p:cTn id="18" dur="1" fill="hold">
+                                          <p:stCondLst>
+                                            <p:cond delay="0"/>
+                                          </p:stCondLst>
+                                        </p:cTn>
+                                        <p:tgtEl>
+                                          <p:spTgt spid="444419">
+                                            <p:txEl>
+                                              <p:pRg st="4" end="4"/>
+                                            </p:txEl>
+                                          </p:spTgt>
+                                        </p:tgtEl>
+                                        <p:attrNameLst>
+                                          <p:attrName>style.visibility</p:attrName>
+                                        </p:attrNameLst>
+                                      </p:cBhvr>
+                                      <p:to>
+                                        <p:strVal val="visible"/>
+                                      </p:to>
+                                    </p:set>
+                                  </p:childTnLst>
+                                </p:cTn>
+                              </p:par>
+                            </p:childTnLst>
+                          </p:cTn>
+                        </p:par>
+                      </p:childTnLst>
+                    </p:cTn>
+                  </p:par>
+                  <p:par>
+                    <p:cTn id="19" fill="hold">
+                      <p:stCondLst>
+                        <p:cond delay="indefinite"/>
+                      </p:stCondLst>
+                      <p:childTnLst>
+                        <p:par>
+                          <p:cTn id="20" fill="hold">
+                            <p:stCondLst>
+                              <p:cond delay="0"/>
+                            </p:stCondLst>
+                            <p:childTnLst>
+                              <p:par>
+                                <p:cTn id="21" presetID="1" presetClass="entr" presetSubtype="0" fill="hold" nodeType="clickEffect">
+                                  <p:stCondLst>
+                                    <p:cond delay="0"/>
+                                  </p:stCondLst>
+                                  <p:childTnLst>
+                                    <p:set>
+                                      <p:cBhvr>
+                                        <p:cTn id="22" dur="1" fill="hold">
+                                          <p:stCondLst>
+                                            <p:cond delay="0"/>
+                                          </p:stCondLst>
+                                        </p:cTn>
+                                        <p:tgtEl>
+                                          <p:spTgt spid="444419">
+                                            <p:txEl>
+                                              <p:pRg st="5" end="5"/>
+                                            </p:txEl>
+                                          </p:spTgt>
+                                        </p:tgtEl>
+                                        <p:attrNameLst>
+                                          <p:attrName>style.visibility</p:attrName>
+                                        </p:attrNameLst>
+                                      </p:cBhvr>
+                                      <p:to>
+                                        <p:strVal val="visible"/>
+                                      </p:to>
+                                    </p:set>
+                                  </p:childTnLst>
+                                </p:cTn>
+                              </p:par>
+                            </p:childTnLst>
+                          </p:cTn>
+                        </p:par>
+                      </p:childTnLst>
+                    </p:cTn>
+                  </p:par>
+                </p:childTnLst>
+              </p:cTn>
+              <p:prevCondLst>
+                <p:cond evt="onPrev" delay="0">
+                  <p:tgtEl>
+                    <p:sldTgt/>
+                  </p:tgtEl>
+                </p:cond>
+              </p:prevCondLst>
+              <p:nextCondLst>
+                <p:cond evt="onNext" delay="0">
+                  <p:tgtEl>
+                    <p:sldTgt/>
+                  </p:tgtEl>
+                </p:cond>
+              </p:nextCondLst>
+            </p:seq>
+          </p:childTnLst>
+        </p:cTn>
+      </p:par>
+    </p:tnLst>
+  </p:timing>
 </p:sld>
 </file>
 
@@ -17899,31 +22813,133 @@
       </p:sp>
       <p:sp>
         <p:nvSpPr>
-          <p:cNvPr id="2" name="Text Placeholder 1"/>
-          <p:cNvSpPr>
-            <a:spLocks noGrp="1"/>
-          </p:cNvSpPr>
-          <p:nvPr>
-            <p:ph type="body" sz="quarter" idx="10"/>
-          </p:nvPr>
+          <p:cNvPr id="6" name="Текстово поле 1">
+            <a:extLst>
+              <a:ext uri="{FF2B5EF4-FFF2-40B4-BE49-F238E27FC236}">
+                <a16:creationId xmlns:a16="http://schemas.microsoft.com/office/drawing/2014/main" id="{B398007E-9BC4-479A-87BF-1B270134F51F}"/>
+              </a:ext>
+            </a:extLst>
+          </p:cNvPr>
+          <p:cNvSpPr txBox="1"/>
+          <p:nvPr/>
         </p:nvSpPr>
         <p:spPr>
           <a:xfrm>
-            <a:off x="1529384" y="6400802"/>
-            <a:ext cx="10482604" cy="351754"/>
+            <a:off x="836612" y="6448327"/>
+            <a:ext cx="11216029" cy="369332"/>
           </a:xfrm>
+          <a:prstGeom prst="rect">
+            <a:avLst/>
+          </a:prstGeom>
+          <a:noFill/>
         </p:spPr>
         <p:txBody>
-          <a:bodyPr/>
-          <a:lstStyle/>
-          <a:p>
-            <a:r>
-              <a:rPr lang="en-US">
+          <a:bodyPr wrap="square" rtlCol="0">
+            <a:spAutoFit/>
+          </a:bodyPr>
+          <a:lstStyle>
+            <a:defPPr>
+              <a:defRPr lang="en-US"/>
+            </a:defPPr>
+            <a:lvl1pPr marL="0" algn="l" defTabSz="1218987" rtl="0" eaLnBrk="1" latinLnBrk="0" hangingPunct="1">
+              <a:defRPr sz="2400" kern="1200">
+                <a:solidFill>
+                  <a:schemeClr val="tx1"/>
+                </a:solidFill>
+                <a:latin typeface="+mn-lt"/>
+                <a:ea typeface="+mn-ea"/>
+                <a:cs typeface="+mn-cs"/>
+              </a:defRPr>
+            </a:lvl1pPr>
+            <a:lvl2pPr marL="609493" algn="l" defTabSz="1218987" rtl="0" eaLnBrk="1" latinLnBrk="0" hangingPunct="1">
+              <a:defRPr sz="2400" kern="1200">
+                <a:solidFill>
+                  <a:schemeClr val="tx1"/>
+                </a:solidFill>
+                <a:latin typeface="+mn-lt"/>
+                <a:ea typeface="+mn-ea"/>
+                <a:cs typeface="+mn-cs"/>
+              </a:defRPr>
+            </a:lvl2pPr>
+            <a:lvl3pPr marL="1218987" algn="l" defTabSz="1218987" rtl="0" eaLnBrk="1" latinLnBrk="0" hangingPunct="1">
+              <a:defRPr sz="2400" kern="1200">
+                <a:solidFill>
+                  <a:schemeClr val="tx1"/>
+                </a:solidFill>
+                <a:latin typeface="+mn-lt"/>
+                <a:ea typeface="+mn-ea"/>
+                <a:cs typeface="+mn-cs"/>
+              </a:defRPr>
+            </a:lvl3pPr>
+            <a:lvl4pPr marL="1828480" algn="l" defTabSz="1218987" rtl="0" eaLnBrk="1" latinLnBrk="0" hangingPunct="1">
+              <a:defRPr sz="2400" kern="1200">
+                <a:solidFill>
+                  <a:schemeClr val="tx1"/>
+                </a:solidFill>
+                <a:latin typeface="+mn-lt"/>
+                <a:ea typeface="+mn-ea"/>
+                <a:cs typeface="+mn-cs"/>
+              </a:defRPr>
+            </a:lvl4pPr>
+            <a:lvl5pPr marL="2437973" algn="l" defTabSz="1218987" rtl="0" eaLnBrk="1" latinLnBrk="0" hangingPunct="1">
+              <a:defRPr sz="2400" kern="1200">
+                <a:solidFill>
+                  <a:schemeClr val="tx1"/>
+                </a:solidFill>
+                <a:latin typeface="+mn-lt"/>
+                <a:ea typeface="+mn-ea"/>
+                <a:cs typeface="+mn-cs"/>
+              </a:defRPr>
+            </a:lvl5pPr>
+            <a:lvl6pPr marL="3047467" algn="l" defTabSz="1218987" rtl="0" eaLnBrk="1" latinLnBrk="0" hangingPunct="1">
+              <a:defRPr sz="2400" kern="1200">
+                <a:solidFill>
+                  <a:schemeClr val="tx1"/>
+                </a:solidFill>
+                <a:latin typeface="+mn-lt"/>
+                <a:ea typeface="+mn-ea"/>
+                <a:cs typeface="+mn-cs"/>
+              </a:defRPr>
+            </a:lvl6pPr>
+            <a:lvl7pPr marL="3656960" algn="l" defTabSz="1218987" rtl="0" eaLnBrk="1" latinLnBrk="0" hangingPunct="1">
+              <a:defRPr sz="2400" kern="1200">
+                <a:solidFill>
+                  <a:schemeClr val="tx1"/>
+                </a:solidFill>
+                <a:latin typeface="+mn-lt"/>
+                <a:ea typeface="+mn-ea"/>
+                <a:cs typeface="+mn-cs"/>
+              </a:defRPr>
+            </a:lvl7pPr>
+            <a:lvl8pPr marL="4266453" algn="l" defTabSz="1218987" rtl="0" eaLnBrk="1" latinLnBrk="0" hangingPunct="1">
+              <a:defRPr sz="2400" kern="1200">
+                <a:solidFill>
+                  <a:schemeClr val="tx1"/>
+                </a:solidFill>
+                <a:latin typeface="+mn-lt"/>
+                <a:ea typeface="+mn-ea"/>
+                <a:cs typeface="+mn-cs"/>
+              </a:defRPr>
+            </a:lvl8pPr>
+            <a:lvl9pPr marL="4875947" algn="l" defTabSz="1218987" rtl="0" eaLnBrk="1" latinLnBrk="0" hangingPunct="1">
+              <a:defRPr sz="2400" kern="1200">
+                <a:solidFill>
+                  <a:schemeClr val="tx1"/>
+                </a:solidFill>
+                <a:latin typeface="+mn-lt"/>
+                <a:ea typeface="+mn-ea"/>
+                <a:cs typeface="+mn-cs"/>
+              </a:defRPr>
+            </a:lvl9pPr>
+          </a:lstStyle>
+          <a:p>
+            <a:r>
+              <a:rPr lang="en-US" sz="1800" b="1" dirty="0">
                 <a:hlinkClick r:id="rId3"/>
               </a:rPr>
-              <a:t>https://it-kariera.mon.bg/e-learning/</a:t>
-            </a:r>
-            <a:endParaRPr lang="en-US"/>
+              <a:t>https://github.com/BG-IT-Edu/School-Programming/tree/main/Courses/Applied-Programmer/Programming-Basics</a:t>
+            </a:r>
+            <a:endParaRPr lang="bg-BG" sz="1800" b="1" dirty="0"/>
           </a:p>
         </p:txBody>
       </p:sp>
@@ -19196,6 +24212,88 @@
   <p:clrMapOvr>
     <a:masterClrMapping/>
   </p:clrMapOvr>
+  <p:timing>
+    <p:tnLst>
+      <p:par>
+        <p:cTn id="1" dur="indefinite" restart="never" nodeType="tmRoot">
+          <p:childTnLst>
+            <p:seq concurrent="1" nextAc="seek">
+              <p:cTn id="2" dur="indefinite" nodeType="mainSeq">
+                <p:childTnLst>
+                  <p:par>
+                    <p:cTn id="3" fill="hold">
+                      <p:stCondLst>
+                        <p:cond delay="indefinite"/>
+                      </p:stCondLst>
+                      <p:childTnLst>
+                        <p:par>
+                          <p:cTn id="4" fill="hold">
+                            <p:stCondLst>
+                              <p:cond delay="0"/>
+                            </p:stCondLst>
+                            <p:childTnLst>
+                              <p:par>
+                                <p:cTn id="5" presetID="1" presetClass="entr" presetSubtype="0" fill="hold" grpId="0" nodeType="clickEffect">
+                                  <p:stCondLst>
+                                    <p:cond delay="0"/>
+                                  </p:stCondLst>
+                                  <p:childTnLst>
+                                    <p:set>
+                                      <p:cBhvr>
+                                        <p:cTn id="6" dur="1" fill="hold">
+                                          <p:stCondLst>
+                                            <p:cond delay="0"/>
+                                          </p:stCondLst>
+                                        </p:cTn>
+                                        <p:tgtEl>
+                                          <p:spTgt spid="6">
+                                            <p:txEl>
+                                              <p:pRg st="0" end="0"/>
+                                            </p:txEl>
+                                          </p:spTgt>
+                                        </p:tgtEl>
+                                        <p:attrNameLst>
+                                          <p:attrName>style.visibility</p:attrName>
+                                        </p:attrNameLst>
+                                      </p:cBhvr>
+                                      <p:to>
+                                        <p:strVal val="visible"/>
+                                      </p:to>
+                                    </p:set>
+                                  </p:childTnLst>
+                                </p:cTn>
+                              </p:par>
+                            </p:childTnLst>
+                          </p:cTn>
+                        </p:par>
+                      </p:childTnLst>
+                    </p:cTn>
+                  </p:par>
+                </p:childTnLst>
+              </p:cTn>
+              <p:prevCondLst>
+                <p:cond evt="onPrev" delay="0">
+                  <p:tgtEl>
+                    <p:sldTgt/>
+                  </p:tgtEl>
+                </p:cond>
+              </p:prevCondLst>
+              <p:nextCondLst>
+                <p:cond evt="onNext" delay="0">
+                  <p:tgtEl>
+                    <p:sldTgt/>
+                  </p:tgtEl>
+                </p:cond>
+              </p:nextCondLst>
+            </p:seq>
+          </p:childTnLst>
+        </p:cTn>
+      </p:par>
+    </p:tnLst>
+    <p:bldLst>
+      <p:bldP spid="6" grpId="0" build="p"/>
+    </p:bldLst>
+  </p:timing>
 </p:sld>
 </file>
 
@@ -20022,6 +25120,545 @@
   <p:clrMapOvr>
     <a:masterClrMapping/>
   </p:clrMapOvr>
+  <p:timing>
+    <p:tnLst>
+      <p:par>
+        <p:cTn id="1" dur="indefinite" restart="never" nodeType="tmRoot">
+          <p:childTnLst>
+            <p:seq concurrent="1" nextAc="seek">
+              <p:cTn id="2" dur="indefinite" nodeType="mainSeq">
+                <p:childTnLst>
+                  <p:par>
+                    <p:cTn id="3" fill="hold">
+                      <p:stCondLst>
+                        <p:cond delay="indefinite"/>
+                      </p:stCondLst>
+                      <p:childTnLst>
+                        <p:par>
+                          <p:cTn id="4" fill="hold">
+                            <p:stCondLst>
+                              <p:cond delay="0"/>
+                            </p:stCondLst>
+                            <p:childTnLst>
+                              <p:par>
+                                <p:cTn id="5" presetID="1" presetClass="entr" presetSubtype="0" fill="hold" nodeType="clickEffect">
+                                  <p:stCondLst>
+                                    <p:cond delay="0"/>
+                                  </p:stCondLst>
+                                  <p:childTnLst>
+                                    <p:set>
+                                      <p:cBhvr>
+                                        <p:cTn id="6" dur="1" fill="hold">
+                                          <p:stCondLst>
+                                            <p:cond delay="0"/>
+                                          </p:stCondLst>
+                                        </p:cTn>
+                                        <p:tgtEl>
+                                          <p:spTgt spid="3">
+                                            <p:txEl>
+                                              <p:pRg st="1" end="1"/>
+                                            </p:txEl>
+                                          </p:spTgt>
+                                        </p:tgtEl>
+                                        <p:attrNameLst>
+                                          <p:attrName>style.visibility</p:attrName>
+                                        </p:attrNameLst>
+                                      </p:cBhvr>
+                                      <p:to>
+                                        <p:strVal val="visible"/>
+                                      </p:to>
+                                    </p:set>
+                                  </p:childTnLst>
+                                </p:cTn>
+                              </p:par>
+                            </p:childTnLst>
+                          </p:cTn>
+                        </p:par>
+                      </p:childTnLst>
+                    </p:cTn>
+                  </p:par>
+                  <p:par>
+                    <p:cTn id="7" fill="hold">
+                      <p:stCondLst>
+                        <p:cond delay="indefinite"/>
+                      </p:stCondLst>
+                      <p:childTnLst>
+                        <p:par>
+                          <p:cTn id="8" fill="hold">
+                            <p:stCondLst>
+                              <p:cond delay="0"/>
+                            </p:stCondLst>
+                            <p:childTnLst>
+                              <p:par>
+                                <p:cTn id="9" presetID="1" presetClass="entr" presetSubtype="0" fill="hold" grpId="0" nodeType="clickEffect">
+                                  <p:stCondLst>
+                                    <p:cond delay="0"/>
+                                  </p:stCondLst>
+                                  <p:childTnLst>
+                                    <p:set>
+                                      <p:cBhvr>
+                                        <p:cTn id="10" dur="1" fill="hold">
+                                          <p:stCondLst>
+                                            <p:cond delay="0"/>
+                                          </p:stCondLst>
+                                        </p:cTn>
+                                        <p:tgtEl>
+                                          <p:spTgt spid="5"/>
+                                        </p:tgtEl>
+                                        <p:attrNameLst>
+                                          <p:attrName>style.visibility</p:attrName>
+                                        </p:attrNameLst>
+                                      </p:cBhvr>
+                                      <p:to>
+                                        <p:strVal val="visible"/>
+                                      </p:to>
+                                    </p:set>
+                                  </p:childTnLst>
+                                </p:cTn>
+                              </p:par>
+                              <p:par>
+                                <p:cTn id="11" presetID="1" presetClass="entr" presetSubtype="0" fill="hold" grpId="0" nodeType="withEffect">
+                                  <p:stCondLst>
+                                    <p:cond delay="0"/>
+                                  </p:stCondLst>
+                                  <p:childTnLst>
+                                    <p:set>
+                                      <p:cBhvr>
+                                        <p:cTn id="12" dur="1" fill="hold">
+                                          <p:stCondLst>
+                                            <p:cond delay="0"/>
+                                          </p:stCondLst>
+                                        </p:cTn>
+                                        <p:tgtEl>
+                                          <p:spTgt spid="7"/>
+                                        </p:tgtEl>
+                                        <p:attrNameLst>
+                                          <p:attrName>style.visibility</p:attrName>
+                                        </p:attrNameLst>
+                                      </p:cBhvr>
+                                      <p:to>
+                                        <p:strVal val="visible"/>
+                                      </p:to>
+                                    </p:set>
+                                  </p:childTnLst>
+                                </p:cTn>
+                              </p:par>
+                              <p:par>
+                                <p:cTn id="13" presetID="1" presetClass="entr" presetSubtype="0" fill="hold" nodeType="withEffect">
+                                  <p:stCondLst>
+                                    <p:cond delay="0"/>
+                                  </p:stCondLst>
+                                  <p:childTnLst>
+                                    <p:set>
+                                      <p:cBhvr>
+                                        <p:cTn id="14" dur="1" fill="hold">
+                                          <p:stCondLst>
+                                            <p:cond delay="0"/>
+                                          </p:stCondLst>
+                                        </p:cTn>
+                                        <p:tgtEl>
+                                          <p:spTgt spid="5">
+                                            <p:txEl>
+                                              <p:pRg st="0" end="0"/>
+                                            </p:txEl>
+                                          </p:spTgt>
+                                        </p:tgtEl>
+                                        <p:attrNameLst>
+                                          <p:attrName>style.visibility</p:attrName>
+                                        </p:attrNameLst>
+                                      </p:cBhvr>
+                                      <p:to>
+                                        <p:strVal val="visible"/>
+                                      </p:to>
+                                    </p:set>
+                                  </p:childTnLst>
+                                </p:cTn>
+                              </p:par>
+                            </p:childTnLst>
+                          </p:cTn>
+                        </p:par>
+                      </p:childTnLst>
+                    </p:cTn>
+                  </p:par>
+                  <p:par>
+                    <p:cTn id="15" fill="hold">
+                      <p:stCondLst>
+                        <p:cond delay="indefinite"/>
+                      </p:stCondLst>
+                      <p:childTnLst>
+                        <p:par>
+                          <p:cTn id="16" fill="hold">
+                            <p:stCondLst>
+                              <p:cond delay="0"/>
+                            </p:stCondLst>
+                            <p:childTnLst>
+                              <p:par>
+                                <p:cTn id="17" presetID="1" presetClass="entr" presetSubtype="0" fill="hold" nodeType="clickEffect">
+                                  <p:stCondLst>
+                                    <p:cond delay="0"/>
+                                  </p:stCondLst>
+                                  <p:childTnLst>
+                                    <p:set>
+                                      <p:cBhvr>
+                                        <p:cTn id="18" dur="1" fill="hold">
+                                          <p:stCondLst>
+                                            <p:cond delay="0"/>
+                                          </p:stCondLst>
+                                        </p:cTn>
+                                        <p:tgtEl>
+                                          <p:spTgt spid="5">
+                                            <p:txEl>
+                                              <p:pRg st="1" end="1"/>
+                                            </p:txEl>
+                                          </p:spTgt>
+                                        </p:tgtEl>
+                                        <p:attrNameLst>
+                                          <p:attrName>style.visibility</p:attrName>
+                                        </p:attrNameLst>
+                                      </p:cBhvr>
+                                      <p:to>
+                                        <p:strVal val="visible"/>
+                                      </p:to>
+                                    </p:set>
+                                  </p:childTnLst>
+                                </p:cTn>
+                              </p:par>
+                            </p:childTnLst>
+                          </p:cTn>
+                        </p:par>
+                      </p:childTnLst>
+                    </p:cTn>
+                  </p:par>
+                  <p:par>
+                    <p:cTn id="19" fill="hold">
+                      <p:stCondLst>
+                        <p:cond delay="indefinite"/>
+                      </p:stCondLst>
+                      <p:childTnLst>
+                        <p:par>
+                          <p:cTn id="20" fill="hold">
+                            <p:stCondLst>
+                              <p:cond delay="0"/>
+                            </p:stCondLst>
+                            <p:childTnLst>
+                              <p:par>
+                                <p:cTn id="21" presetID="1" presetClass="entr" presetSubtype="0" fill="hold" nodeType="clickEffect">
+                                  <p:stCondLst>
+                                    <p:cond delay="0"/>
+                                  </p:stCondLst>
+                                  <p:childTnLst>
+                                    <p:set>
+                                      <p:cBhvr>
+                                        <p:cTn id="22" dur="1" fill="hold">
+                                          <p:stCondLst>
+                                            <p:cond delay="0"/>
+                                          </p:stCondLst>
+                                        </p:cTn>
+                                        <p:tgtEl>
+                                          <p:spTgt spid="5">
+                                            <p:txEl>
+                                              <p:pRg st="2" end="2"/>
+                                            </p:txEl>
+                                          </p:spTgt>
+                                        </p:tgtEl>
+                                        <p:attrNameLst>
+                                          <p:attrName>style.visibility</p:attrName>
+                                        </p:attrNameLst>
+                                      </p:cBhvr>
+                                      <p:to>
+                                        <p:strVal val="visible"/>
+                                      </p:to>
+                                    </p:set>
+                                  </p:childTnLst>
+                                </p:cTn>
+                              </p:par>
+                              <p:par>
+                                <p:cTn id="23" presetID="1" presetClass="entr" presetSubtype="0" fill="hold" nodeType="withEffect">
+                                  <p:stCondLst>
+                                    <p:cond delay="0"/>
+                                  </p:stCondLst>
+                                  <p:childTnLst>
+                                    <p:set>
+                                      <p:cBhvr>
+                                        <p:cTn id="24" dur="1" fill="hold">
+                                          <p:stCondLst>
+                                            <p:cond delay="0"/>
+                                          </p:stCondLst>
+                                        </p:cTn>
+                                        <p:tgtEl>
+                                          <p:spTgt spid="5">
+                                            <p:txEl>
+                                              <p:pRg st="3" end="3"/>
+                                            </p:txEl>
+                                          </p:spTgt>
+                                        </p:tgtEl>
+                                        <p:attrNameLst>
+                                          <p:attrName>style.visibility</p:attrName>
+                                        </p:attrNameLst>
+                                      </p:cBhvr>
+                                      <p:to>
+                                        <p:strVal val="visible"/>
+                                      </p:to>
+                                    </p:set>
+                                  </p:childTnLst>
+                                </p:cTn>
+                              </p:par>
+                              <p:par>
+                                <p:cTn id="25" presetID="1" presetClass="entr" presetSubtype="0" fill="hold" nodeType="withEffect">
+                                  <p:stCondLst>
+                                    <p:cond delay="0"/>
+                                  </p:stCondLst>
+                                  <p:childTnLst>
+                                    <p:set>
+                                      <p:cBhvr>
+                                        <p:cTn id="26" dur="1" fill="hold">
+                                          <p:stCondLst>
+                                            <p:cond delay="0"/>
+                                          </p:stCondLst>
+                                        </p:cTn>
+                                        <p:tgtEl>
+                                          <p:spTgt spid="5">
+                                            <p:txEl>
+                                              <p:pRg st="6" end="6"/>
+                                            </p:txEl>
+                                          </p:spTgt>
+                                        </p:tgtEl>
+                                        <p:attrNameLst>
+                                          <p:attrName>style.visibility</p:attrName>
+                                        </p:attrNameLst>
+                                      </p:cBhvr>
+                                      <p:to>
+                                        <p:strVal val="visible"/>
+                                      </p:to>
+                                    </p:set>
+                                  </p:childTnLst>
+                                </p:cTn>
+                              </p:par>
+                            </p:childTnLst>
+                          </p:cTn>
+                        </p:par>
+                      </p:childTnLst>
+                    </p:cTn>
+                  </p:par>
+                  <p:par>
+                    <p:cTn id="27" fill="hold">
+                      <p:stCondLst>
+                        <p:cond delay="indefinite"/>
+                      </p:stCondLst>
+                      <p:childTnLst>
+                        <p:par>
+                          <p:cTn id="28" fill="hold">
+                            <p:stCondLst>
+                              <p:cond delay="0"/>
+                            </p:stCondLst>
+                            <p:childTnLst>
+                              <p:par>
+                                <p:cTn id="29" presetID="1" presetClass="entr" presetSubtype="0" fill="hold" nodeType="clickEffect">
+                                  <p:stCondLst>
+                                    <p:cond delay="0"/>
+                                  </p:stCondLst>
+                                  <p:childTnLst>
+                                    <p:set>
+                                      <p:cBhvr>
+                                        <p:cTn id="30" dur="1" fill="hold">
+                                          <p:stCondLst>
+                                            <p:cond delay="0"/>
+                                          </p:stCondLst>
+                                        </p:cTn>
+                                        <p:tgtEl>
+                                          <p:spTgt spid="5">
+                                            <p:txEl>
+                                              <p:pRg st="4" end="4"/>
+                                            </p:txEl>
+                                          </p:spTgt>
+                                        </p:tgtEl>
+                                        <p:attrNameLst>
+                                          <p:attrName>style.visibility</p:attrName>
+                                        </p:attrNameLst>
+                                      </p:cBhvr>
+                                      <p:to>
+                                        <p:strVal val="visible"/>
+                                      </p:to>
+                                    </p:set>
+                                  </p:childTnLst>
+                                </p:cTn>
+                              </p:par>
+                            </p:childTnLst>
+                          </p:cTn>
+                        </p:par>
+                      </p:childTnLst>
+                    </p:cTn>
+                  </p:par>
+                  <p:par>
+                    <p:cTn id="31" fill="hold">
+                      <p:stCondLst>
+                        <p:cond delay="indefinite"/>
+                      </p:stCondLst>
+                      <p:childTnLst>
+                        <p:par>
+                          <p:cTn id="32" fill="hold">
+                            <p:stCondLst>
+                              <p:cond delay="0"/>
+                            </p:stCondLst>
+                            <p:childTnLst>
+                              <p:par>
+                                <p:cTn id="33" presetID="1" presetClass="entr" presetSubtype="0" fill="hold" nodeType="clickEffect">
+                                  <p:stCondLst>
+                                    <p:cond delay="0"/>
+                                  </p:stCondLst>
+                                  <p:childTnLst>
+                                    <p:set>
+                                      <p:cBhvr>
+                                        <p:cTn id="34" dur="1" fill="hold">
+                                          <p:stCondLst>
+                                            <p:cond delay="0"/>
+                                          </p:stCondLst>
+                                        </p:cTn>
+                                        <p:tgtEl>
+                                          <p:spTgt spid="5">
+                                            <p:txEl>
+                                              <p:pRg st="5" end="5"/>
+                                            </p:txEl>
+                                          </p:spTgt>
+                                        </p:tgtEl>
+                                        <p:attrNameLst>
+                                          <p:attrName>style.visibility</p:attrName>
+                                        </p:attrNameLst>
+                                      </p:cBhvr>
+                                      <p:to>
+                                        <p:strVal val="visible"/>
+                                      </p:to>
+                                    </p:set>
+                                  </p:childTnLst>
+                                </p:cTn>
+                              </p:par>
+                            </p:childTnLst>
+                          </p:cTn>
+                        </p:par>
+                      </p:childTnLst>
+                    </p:cTn>
+                  </p:par>
+                  <p:par>
+                    <p:cTn id="35" fill="hold">
+                      <p:stCondLst>
+                        <p:cond delay="indefinite"/>
+                      </p:stCondLst>
+                      <p:childTnLst>
+                        <p:par>
+                          <p:cTn id="36" fill="hold">
+                            <p:stCondLst>
+                              <p:cond delay="0"/>
+                            </p:stCondLst>
+                            <p:childTnLst>
+                              <p:par>
+                                <p:cTn id="37" presetID="1" presetClass="entr" presetSubtype="0" fill="hold" nodeType="clickEffect">
+                                  <p:stCondLst>
+                                    <p:cond delay="0"/>
+                                  </p:stCondLst>
+                                  <p:childTnLst>
+                                    <p:set>
+                                      <p:cBhvr>
+                                        <p:cTn id="38" dur="1" fill="hold">
+                                          <p:stCondLst>
+                                            <p:cond delay="0"/>
+                                          </p:stCondLst>
+                                        </p:cTn>
+                                        <p:tgtEl>
+                                          <p:spTgt spid="5">
+                                            <p:txEl>
+                                              <p:pRg st="7" end="7"/>
+                                            </p:txEl>
+                                          </p:spTgt>
+                                        </p:tgtEl>
+                                        <p:attrNameLst>
+                                          <p:attrName>style.visibility</p:attrName>
+                                        </p:attrNameLst>
+                                      </p:cBhvr>
+                                      <p:to>
+                                        <p:strVal val="visible"/>
+                                      </p:to>
+                                    </p:set>
+                                  </p:childTnLst>
+                                </p:cTn>
+                              </p:par>
+                            </p:childTnLst>
+                          </p:cTn>
+                        </p:par>
+                      </p:childTnLst>
+                    </p:cTn>
+                  </p:par>
+                  <p:par>
+                    <p:cTn id="39" fill="hold">
+                      <p:stCondLst>
+                        <p:cond delay="indefinite"/>
+                      </p:stCondLst>
+                      <p:childTnLst>
+                        <p:par>
+                          <p:cTn id="40" fill="hold">
+                            <p:stCondLst>
+                              <p:cond delay="0"/>
+                            </p:stCondLst>
+                            <p:childTnLst>
+                              <p:par>
+                                <p:cTn id="41" presetID="1" presetClass="entr" presetSubtype="0" fill="hold" grpId="0" nodeType="clickEffect">
+                                  <p:stCondLst>
+                                    <p:cond delay="0"/>
+                                  </p:stCondLst>
+                                  <p:childTnLst>
+                                    <p:set>
+                                      <p:cBhvr>
+                                        <p:cTn id="42" dur="1" fill="hold">
+                                          <p:stCondLst>
+                                            <p:cond delay="0"/>
+                                          </p:stCondLst>
+                                        </p:cTn>
+                                        <p:tgtEl>
+                                          <p:spTgt spid="9"/>
+                                        </p:tgtEl>
+                                        <p:attrNameLst>
+                                          <p:attrName>style.visibility</p:attrName>
+                                        </p:attrNameLst>
+                                      </p:cBhvr>
+                                      <p:to>
+                                        <p:strVal val="visible"/>
+                                      </p:to>
+                                    </p:set>
+                                  </p:childTnLst>
+                                </p:cTn>
+                              </p:par>
+                            </p:childTnLst>
+                          </p:cTn>
+                        </p:par>
+                      </p:childTnLst>
+                    </p:cTn>
+                  </p:par>
+                </p:childTnLst>
+              </p:cTn>
+              <p:prevCondLst>
+                <p:cond evt="onPrev" delay="0">
+                  <p:tgtEl>
+                    <p:sldTgt/>
+                  </p:tgtEl>
+                </p:cond>
+              </p:prevCondLst>
+              <p:nextCondLst>
+                <p:cond evt="onNext" delay="0">
+                  <p:tgtEl>
+                    <p:sldTgt/>
+                  </p:tgtEl>
+                </p:cond>
+              </p:nextCondLst>
+            </p:seq>
+          </p:childTnLst>
+        </p:cTn>
+      </p:par>
+    </p:tnLst>
+    <p:bldLst>
+      <p:bldP spid="5" grpId="0" animBg="1"/>
+      <p:bldP spid="7" grpId="0"/>
+      <p:bldP spid="9" grpId="0"/>
+    </p:bldLst>
+  </p:timing>
 </p:sld>
 </file>
 
@@ -21173,6 +26810,9 @@
                     <p:cTn id="3" fill="hold">
                       <p:stCondLst>
                         <p:cond delay="indefinite"/>
+                        <p:cond evt="onBegin" delay="0">
+                          <p:tn val="2"/>
+                        </p:cond>
                       </p:stCondLst>
                       <p:childTnLst>
                         <p:par>
@@ -21182,7 +26822,7 @@
                             </p:stCondLst>
                             <p:childTnLst>
                               <p:par>
-                                <p:cTn id="5" presetID="1" presetClass="entr" presetSubtype="0" fill="hold" grpId="0" nodeType="clickEffect">
+                                <p:cTn id="5" presetID="1" presetClass="entr" presetSubtype="0" fill="hold" nodeType="withEffect">
                                   <p:stCondLst>
                                     <p:cond delay="0"/>
                                   </p:stCondLst>
@@ -21195,7 +26835,11 @@
                                           </p:stCondLst>
                                         </p:cTn>
                                         <p:tgtEl>
-                                          <p:spTgt spid="7"/>
+                                          <p:spTgt spid="3">
+                                            <p:txEl>
+                                              <p:pRg st="0" end="0"/>
+                                            </p:txEl>
+                                          </p:spTgt>
                                         </p:tgtEl>
                                         <p:attrNameLst>
                                           <p:attrName>style.visibility</p:attrName>
@@ -21227,7 +26871,7 @@
                             </p:stCondLst>
                             <p:childTnLst>
                               <p:par>
-                                <p:cTn id="9" presetID="1" presetClass="entr" presetSubtype="0" fill="hold" grpId="0" nodeType="clickEffect">
+                                <p:cTn id="9" presetID="1" presetClass="entr" presetSubtype="0" fill="hold" nodeType="clickEffect">
                                   <p:stCondLst>
                                     <p:cond delay="0"/>
                                   </p:stCondLst>
@@ -21240,7 +26884,511 @@
                                           </p:stCondLst>
                                         </p:cTn>
                                         <p:tgtEl>
+                                          <p:spTgt spid="3">
+                                            <p:txEl>
+                                              <p:pRg st="1" end="1"/>
+                                            </p:txEl>
+                                          </p:spTgt>
+                                        </p:tgtEl>
+                                        <p:attrNameLst>
+                                          <p:attrName>style.visibility</p:attrName>
+                                        </p:attrNameLst>
+                                      </p:cBhvr>
+                                      <p:to>
+                                        <p:strVal val="visible"/>
+                                      </p:to>
+                                    </p:set>
+                                  </p:childTnLst>
+                                </p:cTn>
+                              </p:par>
+                            </p:childTnLst>
+                          </p:cTn>
+                        </p:par>
+                      </p:childTnLst>
+                    </p:cTn>
+                  </p:par>
+                  <p:par>
+                    <p:cTn id="11" fill="hold">
+                      <p:stCondLst>
+                        <p:cond delay="indefinite"/>
+                      </p:stCondLst>
+                      <p:childTnLst>
+                        <p:par>
+                          <p:cTn id="12" fill="hold">
+                            <p:stCondLst>
+                              <p:cond delay="0"/>
+                            </p:stCondLst>
+                            <p:childTnLst>
+                              <p:par>
+                                <p:cTn id="13" presetID="1" presetClass="entr" presetSubtype="0" fill="hold" grpId="0" nodeType="clickEffect">
+                                  <p:stCondLst>
+                                    <p:cond delay="0"/>
+                                  </p:stCondLst>
+                                  <p:childTnLst>
+                                    <p:set>
+                                      <p:cBhvr>
+                                        <p:cTn id="14" dur="1" fill="hold">
+                                          <p:stCondLst>
+                                            <p:cond delay="0"/>
+                                          </p:stCondLst>
+                                        </p:cTn>
+                                        <p:tgtEl>
+                                          <p:spTgt spid="5"/>
+                                        </p:tgtEl>
+                                        <p:attrNameLst>
+                                          <p:attrName>style.visibility</p:attrName>
+                                        </p:attrNameLst>
+                                      </p:cBhvr>
+                                      <p:to>
+                                        <p:strVal val="visible"/>
+                                      </p:to>
+                                    </p:set>
+                                  </p:childTnLst>
+                                </p:cTn>
+                              </p:par>
+                              <p:par>
+                                <p:cTn id="15" presetID="1" presetClass="entr" presetSubtype="0" fill="hold" nodeType="withEffect">
+                                  <p:stCondLst>
+                                    <p:cond delay="0"/>
+                                  </p:stCondLst>
+                                  <p:childTnLst>
+                                    <p:set>
+                                      <p:cBhvr>
+                                        <p:cTn id="16" dur="1" fill="hold">
+                                          <p:stCondLst>
+                                            <p:cond delay="0"/>
+                                          </p:stCondLst>
+                                        </p:cTn>
+                                        <p:tgtEl>
+                                          <p:spTgt spid="5">
+                                            <p:txEl>
+                                              <p:pRg st="0" end="0"/>
+                                            </p:txEl>
+                                          </p:spTgt>
+                                        </p:tgtEl>
+                                        <p:attrNameLst>
+                                          <p:attrName>style.visibility</p:attrName>
+                                        </p:attrNameLst>
+                                      </p:cBhvr>
+                                      <p:to>
+                                        <p:strVal val="visible"/>
+                                      </p:to>
+                                    </p:set>
+                                  </p:childTnLst>
+                                </p:cTn>
+                              </p:par>
+                            </p:childTnLst>
+                          </p:cTn>
+                        </p:par>
+                      </p:childTnLst>
+                    </p:cTn>
+                  </p:par>
+                  <p:par>
+                    <p:cTn id="17" fill="hold">
+                      <p:stCondLst>
+                        <p:cond delay="indefinite"/>
+                      </p:stCondLst>
+                      <p:childTnLst>
+                        <p:par>
+                          <p:cTn id="18" fill="hold">
+                            <p:stCondLst>
+                              <p:cond delay="0"/>
+                            </p:stCondLst>
+                            <p:childTnLst>
+                              <p:par>
+                                <p:cTn id="19" presetID="1" presetClass="entr" presetSubtype="0" fill="hold" nodeType="clickEffect">
+                                  <p:stCondLst>
+                                    <p:cond delay="0"/>
+                                  </p:stCondLst>
+                                  <p:childTnLst>
+                                    <p:set>
+                                      <p:cBhvr>
+                                        <p:cTn id="20" dur="1" fill="hold">
+                                          <p:stCondLst>
+                                            <p:cond delay="0"/>
+                                          </p:stCondLst>
+                                        </p:cTn>
+                                        <p:tgtEl>
+                                          <p:spTgt spid="5">
+                                            <p:txEl>
+                                              <p:pRg st="1" end="1"/>
+                                            </p:txEl>
+                                          </p:spTgt>
+                                        </p:tgtEl>
+                                        <p:attrNameLst>
+                                          <p:attrName>style.visibility</p:attrName>
+                                        </p:attrNameLst>
+                                      </p:cBhvr>
+                                      <p:to>
+                                        <p:strVal val="visible"/>
+                                      </p:to>
+                                    </p:set>
+                                  </p:childTnLst>
+                                </p:cTn>
+                              </p:par>
+                            </p:childTnLst>
+                          </p:cTn>
+                        </p:par>
+                      </p:childTnLst>
+                    </p:cTn>
+                  </p:par>
+                  <p:par>
+                    <p:cTn id="21" fill="hold">
+                      <p:stCondLst>
+                        <p:cond delay="indefinite"/>
+                      </p:stCondLst>
+                      <p:childTnLst>
+                        <p:par>
+                          <p:cTn id="22" fill="hold">
+                            <p:stCondLst>
+                              <p:cond delay="0"/>
+                            </p:stCondLst>
+                            <p:childTnLst>
+                              <p:par>
+                                <p:cTn id="23" presetID="1" presetClass="entr" presetSubtype="0" fill="hold" nodeType="clickEffect">
+                                  <p:stCondLst>
+                                    <p:cond delay="0"/>
+                                  </p:stCondLst>
+                                  <p:childTnLst>
+                                    <p:set>
+                                      <p:cBhvr>
+                                        <p:cTn id="24" dur="1" fill="hold">
+                                          <p:stCondLst>
+                                            <p:cond delay="0"/>
+                                          </p:stCondLst>
+                                        </p:cTn>
+                                        <p:tgtEl>
+                                          <p:spTgt spid="5">
+                                            <p:txEl>
+                                              <p:pRg st="2" end="2"/>
+                                            </p:txEl>
+                                          </p:spTgt>
+                                        </p:tgtEl>
+                                        <p:attrNameLst>
+                                          <p:attrName>style.visibility</p:attrName>
+                                        </p:attrNameLst>
+                                      </p:cBhvr>
+                                      <p:to>
+                                        <p:strVal val="visible"/>
+                                      </p:to>
+                                    </p:set>
+                                  </p:childTnLst>
+                                </p:cTn>
+                              </p:par>
+                              <p:par>
+                                <p:cTn id="25" presetID="1" presetClass="entr" presetSubtype="0" fill="hold" nodeType="withEffect">
+                                  <p:stCondLst>
+                                    <p:cond delay="0"/>
+                                  </p:stCondLst>
+                                  <p:childTnLst>
+                                    <p:set>
+                                      <p:cBhvr>
+                                        <p:cTn id="26" dur="1" fill="hold">
+                                          <p:stCondLst>
+                                            <p:cond delay="0"/>
+                                          </p:stCondLst>
+                                        </p:cTn>
+                                        <p:tgtEl>
+                                          <p:spTgt spid="5">
+                                            <p:txEl>
+                                              <p:pRg st="3" end="3"/>
+                                            </p:txEl>
+                                          </p:spTgt>
+                                        </p:tgtEl>
+                                        <p:attrNameLst>
+                                          <p:attrName>style.visibility</p:attrName>
+                                        </p:attrNameLst>
+                                      </p:cBhvr>
+                                      <p:to>
+                                        <p:strVal val="visible"/>
+                                      </p:to>
+                                    </p:set>
+                                  </p:childTnLst>
+                                </p:cTn>
+                              </p:par>
+                              <p:par>
+                                <p:cTn id="27" presetID="1" presetClass="entr" presetSubtype="0" fill="hold" nodeType="withEffect">
+                                  <p:stCondLst>
+                                    <p:cond delay="0"/>
+                                  </p:stCondLst>
+                                  <p:childTnLst>
+                                    <p:set>
+                                      <p:cBhvr>
+                                        <p:cTn id="28" dur="1" fill="hold">
+                                          <p:stCondLst>
+                                            <p:cond delay="0"/>
+                                          </p:stCondLst>
+                                        </p:cTn>
+                                        <p:tgtEl>
+                                          <p:spTgt spid="5">
+                                            <p:txEl>
+                                              <p:pRg st="6" end="6"/>
+                                            </p:txEl>
+                                          </p:spTgt>
+                                        </p:tgtEl>
+                                        <p:attrNameLst>
+                                          <p:attrName>style.visibility</p:attrName>
+                                        </p:attrNameLst>
+                                      </p:cBhvr>
+                                      <p:to>
+                                        <p:strVal val="visible"/>
+                                      </p:to>
+                                    </p:set>
+                                  </p:childTnLst>
+                                </p:cTn>
+                              </p:par>
+                            </p:childTnLst>
+                          </p:cTn>
+                        </p:par>
+                      </p:childTnLst>
+                    </p:cTn>
+                  </p:par>
+                  <p:par>
+                    <p:cTn id="29" fill="hold">
+                      <p:stCondLst>
+                        <p:cond delay="indefinite"/>
+                      </p:stCondLst>
+                      <p:childTnLst>
+                        <p:par>
+                          <p:cTn id="30" fill="hold">
+                            <p:stCondLst>
+                              <p:cond delay="0"/>
+                            </p:stCondLst>
+                            <p:childTnLst>
+                              <p:par>
+                                <p:cTn id="31" presetID="1" presetClass="entr" presetSubtype="0" fill="hold" nodeType="clickEffect">
+                                  <p:stCondLst>
+                                    <p:cond delay="0"/>
+                                  </p:stCondLst>
+                                  <p:childTnLst>
+                                    <p:set>
+                                      <p:cBhvr>
+                                        <p:cTn id="32" dur="1" fill="hold">
+                                          <p:stCondLst>
+                                            <p:cond delay="0"/>
+                                          </p:stCondLst>
+                                        </p:cTn>
+                                        <p:tgtEl>
+                                          <p:spTgt spid="5">
+                                            <p:txEl>
+                                              <p:pRg st="4" end="4"/>
+                                            </p:txEl>
+                                          </p:spTgt>
+                                        </p:tgtEl>
+                                        <p:attrNameLst>
+                                          <p:attrName>style.visibility</p:attrName>
+                                        </p:attrNameLst>
+                                      </p:cBhvr>
+                                      <p:to>
+                                        <p:strVal val="visible"/>
+                                      </p:to>
+                                    </p:set>
+                                  </p:childTnLst>
+                                </p:cTn>
+                              </p:par>
+                              <p:par>
+                                <p:cTn id="33" presetID="1" presetClass="entr" presetSubtype="0" fill="hold" nodeType="withEffect">
+                                  <p:stCondLst>
+                                    <p:cond delay="0"/>
+                                  </p:stCondLst>
+                                  <p:childTnLst>
+                                    <p:set>
+                                      <p:cBhvr>
+                                        <p:cTn id="34" dur="1" fill="hold">
+                                          <p:stCondLst>
+                                            <p:cond delay="0"/>
+                                          </p:stCondLst>
+                                        </p:cTn>
+                                        <p:tgtEl>
+                                          <p:spTgt spid="5">
+                                            <p:txEl>
+                                              <p:pRg st="5" end="5"/>
+                                            </p:txEl>
+                                          </p:spTgt>
+                                        </p:tgtEl>
+                                        <p:attrNameLst>
+                                          <p:attrName>style.visibility</p:attrName>
+                                        </p:attrNameLst>
+                                      </p:cBhvr>
+                                      <p:to>
+                                        <p:strVal val="visible"/>
+                                      </p:to>
+                                    </p:set>
+                                  </p:childTnLst>
+                                </p:cTn>
+                              </p:par>
+                            </p:childTnLst>
+                          </p:cTn>
+                        </p:par>
+                      </p:childTnLst>
+                    </p:cTn>
+                  </p:par>
+                  <p:par>
+                    <p:cTn id="35" fill="hold">
+                      <p:stCondLst>
+                        <p:cond delay="indefinite"/>
+                      </p:stCondLst>
+                      <p:childTnLst>
+                        <p:par>
+                          <p:cTn id="36" fill="hold">
+                            <p:stCondLst>
+                              <p:cond delay="0"/>
+                            </p:stCondLst>
+                            <p:childTnLst>
+                              <p:par>
+                                <p:cTn id="37" presetID="1" presetClass="entr" presetSubtype="0" fill="hold" nodeType="clickEffect">
+                                  <p:stCondLst>
+                                    <p:cond delay="0"/>
+                                  </p:stCondLst>
+                                  <p:childTnLst>
+                                    <p:set>
+                                      <p:cBhvr>
+                                        <p:cTn id="38" dur="1" fill="hold">
+                                          <p:stCondLst>
+                                            <p:cond delay="0"/>
+                                          </p:stCondLst>
+                                        </p:cTn>
+                                        <p:tgtEl>
+                                          <p:spTgt spid="5">
+                                            <p:txEl>
+                                              <p:pRg st="7" end="7"/>
+                                            </p:txEl>
+                                          </p:spTgt>
+                                        </p:tgtEl>
+                                        <p:attrNameLst>
+                                          <p:attrName>style.visibility</p:attrName>
+                                        </p:attrNameLst>
+                                      </p:cBhvr>
+                                      <p:to>
+                                        <p:strVal val="visible"/>
+                                      </p:to>
+                                    </p:set>
+                                  </p:childTnLst>
+                                </p:cTn>
+                              </p:par>
+                            </p:childTnLst>
+                          </p:cTn>
+                        </p:par>
+                      </p:childTnLst>
+                    </p:cTn>
+                  </p:par>
+                  <p:par>
+                    <p:cTn id="39" fill="hold">
+                      <p:stCondLst>
+                        <p:cond delay="indefinite"/>
+                      </p:stCondLst>
+                      <p:childTnLst>
+                        <p:par>
+                          <p:cTn id="40" fill="hold">
+                            <p:stCondLst>
+                              <p:cond delay="0"/>
+                            </p:stCondLst>
+                            <p:childTnLst>
+                              <p:par>
+                                <p:cTn id="41" presetID="1" presetClass="entr" presetSubtype="0" fill="hold" grpId="0" nodeType="clickEffect">
+                                  <p:stCondLst>
+                                    <p:cond delay="0"/>
+                                  </p:stCondLst>
+                                  <p:childTnLst>
+                                    <p:set>
+                                      <p:cBhvr>
+                                        <p:cTn id="42" dur="1" fill="hold">
+                                          <p:stCondLst>
+                                            <p:cond delay="0"/>
+                                          </p:stCondLst>
+                                        </p:cTn>
+                                        <p:tgtEl>
+                                          <p:spTgt spid="7"/>
+                                        </p:tgtEl>
+                                        <p:attrNameLst>
+                                          <p:attrName>style.visibility</p:attrName>
+                                        </p:attrNameLst>
+                                      </p:cBhvr>
+                                      <p:to>
+                                        <p:strVal val="visible"/>
+                                      </p:to>
+                                    </p:set>
+                                  </p:childTnLst>
+                                </p:cTn>
+                              </p:par>
+                            </p:childTnLst>
+                          </p:cTn>
+                        </p:par>
+                      </p:childTnLst>
+                    </p:cTn>
+                  </p:par>
+                  <p:par>
+                    <p:cTn id="43" fill="hold">
+                      <p:stCondLst>
+                        <p:cond delay="indefinite"/>
+                      </p:stCondLst>
+                      <p:childTnLst>
+                        <p:par>
+                          <p:cTn id="44" fill="hold">
+                            <p:stCondLst>
+                              <p:cond delay="0"/>
+                            </p:stCondLst>
+                            <p:childTnLst>
+                              <p:par>
+                                <p:cTn id="45" presetID="1" presetClass="entr" presetSubtype="0" fill="hold" grpId="0" nodeType="clickEffect">
+                                  <p:stCondLst>
+                                    <p:cond delay="0"/>
+                                  </p:stCondLst>
+                                  <p:childTnLst>
+                                    <p:set>
+                                      <p:cBhvr>
+                                        <p:cTn id="46" dur="1" fill="hold">
+                                          <p:stCondLst>
+                                            <p:cond delay="0"/>
+                                          </p:stCondLst>
+                                        </p:cTn>
+                                        <p:tgtEl>
                                           <p:spTgt spid="8"/>
+                                        </p:tgtEl>
+                                        <p:attrNameLst>
+                                          <p:attrName>style.visibility</p:attrName>
+                                        </p:attrNameLst>
+                                      </p:cBhvr>
+                                      <p:to>
+                                        <p:strVal val="visible"/>
+                                      </p:to>
+                                    </p:set>
+                                  </p:childTnLst>
+                                </p:cTn>
+                              </p:par>
+                            </p:childTnLst>
+                          </p:cTn>
+                        </p:par>
+                      </p:childTnLst>
+                    </p:cTn>
+                  </p:par>
+                  <p:par>
+                    <p:cTn id="47" fill="hold">
+                      <p:stCondLst>
+                        <p:cond delay="indefinite"/>
+                      </p:stCondLst>
+                      <p:childTnLst>
+                        <p:par>
+                          <p:cTn id="48" fill="hold">
+                            <p:stCondLst>
+                              <p:cond delay="0"/>
+                            </p:stCondLst>
+                            <p:childTnLst>
+                              <p:par>
+                                <p:cTn id="49" presetID="1" presetClass="entr" presetSubtype="0" fill="hold" grpId="0" nodeType="clickEffect">
+                                  <p:stCondLst>
+                                    <p:cond delay="0"/>
+                                  </p:stCondLst>
+                                  <p:childTnLst>
+                                    <p:set>
+                                      <p:cBhvr>
+                                        <p:cTn id="50" dur="1" fill="hold">
+                                          <p:stCondLst>
+                                            <p:cond delay="0"/>
+                                          </p:stCondLst>
+                                        </p:cTn>
+                                        <p:tgtEl>
+                                          <p:spTgt spid="2"/>
                                         </p:tgtEl>
                                         <p:attrNameLst>
                                           <p:attrName>style.visibility</p:attrName>
@@ -21281,8 +27429,10 @@
       </p:par>
     </p:tnLst>
     <p:bldLst>
+      <p:bldP spid="5" grpId="0" animBg="1"/>
       <p:bldP spid="7" grpId="0" animBg="1"/>
       <p:bldP spid="8" grpId="0" animBg="1"/>
+      <p:bldP spid="2" grpId="0"/>
     </p:bldLst>
   </p:timing>
 </p:sld>
@@ -22274,6 +28424,184 @@
   <p:clrMapOvr>
     <a:masterClrMapping/>
   </p:clrMapOvr>
+  <p:timing>
+    <p:tnLst>
+      <p:par>
+        <p:cTn id="1" dur="indefinite" restart="never" nodeType="tmRoot">
+          <p:childTnLst>
+            <p:seq concurrent="1" nextAc="seek">
+              <p:cTn id="2" dur="indefinite" nodeType="mainSeq">
+                <p:childTnLst>
+                  <p:par>
+                    <p:cTn id="3" fill="hold">
+                      <p:stCondLst>
+                        <p:cond delay="indefinite"/>
+                      </p:stCondLst>
+                      <p:childTnLst>
+                        <p:par>
+                          <p:cTn id="4" fill="hold">
+                            <p:stCondLst>
+                              <p:cond delay="0"/>
+                            </p:stCondLst>
+                            <p:childTnLst>
+                              <p:par>
+                                <p:cTn id="5" presetID="1" presetClass="entr" presetSubtype="0" fill="hold" grpId="0" nodeType="clickEffect">
+                                  <p:stCondLst>
+                                    <p:cond delay="0"/>
+                                  </p:stCondLst>
+                                  <p:childTnLst>
+                                    <p:set>
+                                      <p:cBhvr>
+                                        <p:cTn id="6" dur="1" fill="hold">
+                                          <p:stCondLst>
+                                            <p:cond delay="0"/>
+                                          </p:stCondLst>
+                                        </p:cTn>
+                                        <p:tgtEl>
+                                          <p:spTgt spid="5"/>
+                                        </p:tgtEl>
+                                        <p:attrNameLst>
+                                          <p:attrName>style.visibility</p:attrName>
+                                        </p:attrNameLst>
+                                      </p:cBhvr>
+                                      <p:to>
+                                        <p:strVal val="visible"/>
+                                      </p:to>
+                                    </p:set>
+                                  </p:childTnLst>
+                                </p:cTn>
+                              </p:par>
+                              <p:par>
+                                <p:cTn id="7" presetID="1" presetClass="entr" presetSubtype="0" fill="hold" nodeType="withEffect">
+                                  <p:stCondLst>
+                                    <p:cond delay="0"/>
+                                  </p:stCondLst>
+                                  <p:childTnLst>
+                                    <p:set>
+                                      <p:cBhvr>
+                                        <p:cTn id="8" dur="1" fill="hold">
+                                          <p:stCondLst>
+                                            <p:cond delay="0"/>
+                                          </p:stCondLst>
+                                        </p:cTn>
+                                        <p:tgtEl>
+                                          <p:spTgt spid="5122"/>
+                                        </p:tgtEl>
+                                        <p:attrNameLst>
+                                          <p:attrName>style.visibility</p:attrName>
+                                        </p:attrNameLst>
+                                      </p:cBhvr>
+                                      <p:to>
+                                        <p:strVal val="visible"/>
+                                      </p:to>
+                                    </p:set>
+                                  </p:childTnLst>
+                                </p:cTn>
+                              </p:par>
+                            </p:childTnLst>
+                          </p:cTn>
+                        </p:par>
+                      </p:childTnLst>
+                    </p:cTn>
+                  </p:par>
+                  <p:par>
+                    <p:cTn id="9" fill="hold">
+                      <p:stCondLst>
+                        <p:cond delay="indefinite"/>
+                      </p:stCondLst>
+                      <p:childTnLst>
+                        <p:par>
+                          <p:cTn id="10" fill="hold">
+                            <p:stCondLst>
+                              <p:cond delay="0"/>
+                            </p:stCondLst>
+                            <p:childTnLst>
+                              <p:par>
+                                <p:cTn id="11" presetID="1" presetClass="entr" presetSubtype="0" fill="hold" grpId="0" nodeType="clickEffect">
+                                  <p:stCondLst>
+                                    <p:cond delay="0"/>
+                                  </p:stCondLst>
+                                  <p:childTnLst>
+                                    <p:set>
+                                      <p:cBhvr>
+                                        <p:cTn id="12" dur="1" fill="hold">
+                                          <p:stCondLst>
+                                            <p:cond delay="0"/>
+                                          </p:stCondLst>
+                                        </p:cTn>
+                                        <p:tgtEl>
+                                          <p:spTgt spid="6"/>
+                                        </p:tgtEl>
+                                        <p:attrNameLst>
+                                          <p:attrName>style.visibility</p:attrName>
+                                        </p:attrNameLst>
+                                      </p:cBhvr>
+                                      <p:to>
+                                        <p:strVal val="visible"/>
+                                      </p:to>
+                                    </p:set>
+                                  </p:childTnLst>
+                                </p:cTn>
+                              </p:par>
+                              <p:par>
+                                <p:cTn id="13" presetID="1" presetClass="entr" presetSubtype="0" fill="hold" nodeType="withEffect">
+                                  <p:stCondLst>
+                                    <p:cond delay="0"/>
+                                  </p:stCondLst>
+                                  <p:childTnLst>
+                                    <p:set>
+                                      <p:cBhvr>
+                                        <p:cTn id="14" dur="1" fill="hold">
+                                          <p:stCondLst>
+                                            <p:cond delay="0"/>
+                                          </p:stCondLst>
+                                        </p:cTn>
+                                        <p:tgtEl>
+                                          <p:spTgt spid="7"/>
+                                        </p:tgtEl>
+                                        <p:attrNameLst>
+                                          <p:attrName>style.visibility</p:attrName>
+                                        </p:attrNameLst>
+                                      </p:cBhvr>
+                                      <p:to>
+                                        <p:strVal val="visible"/>
+                                      </p:to>
+                                    </p:set>
+                                  </p:childTnLst>
+                                </p:cTn>
+                              </p:par>
+                            </p:childTnLst>
+                          </p:cTn>
+                        </p:par>
+                      </p:childTnLst>
+                    </p:cTn>
+                  </p:par>
+                </p:childTnLst>
+              </p:cTn>
+              <p:prevCondLst>
+                <p:cond evt="onPrev" delay="0">
+                  <p:tgtEl>
+                    <p:sldTgt/>
+                  </p:tgtEl>
+                </p:cond>
+              </p:prevCondLst>
+              <p:nextCondLst>
+                <p:cond evt="onNext" delay="0">
+                  <p:tgtEl>
+                    <p:sldTgt/>
+                  </p:tgtEl>
+                </p:cond>
+              </p:nextCondLst>
+            </p:seq>
+          </p:childTnLst>
+        </p:cTn>
+      </p:par>
+    </p:tnLst>
+    <p:bldLst>
+      <p:bldP spid="5" grpId="0" animBg="1"/>
+      <p:bldP spid="6" grpId="0" animBg="1"/>
+    </p:bldLst>
+  </p:timing>
 </p:sld>
 </file>
 
@@ -23093,6 +29421,507 @@
   <p:clrMapOvr>
     <a:masterClrMapping/>
   </p:clrMapOvr>
+  <p:timing>
+    <p:tnLst>
+      <p:par>
+        <p:cTn id="1" dur="indefinite" restart="never" nodeType="tmRoot">
+          <p:childTnLst>
+            <p:seq concurrent="1" nextAc="seek">
+              <p:cTn id="2" dur="indefinite" nodeType="mainSeq">
+                <p:childTnLst>
+                  <p:par>
+                    <p:cTn id="3" fill="hold">
+                      <p:stCondLst>
+                        <p:cond delay="indefinite"/>
+                        <p:cond evt="onBegin" delay="0">
+                          <p:tn val="2"/>
+                        </p:cond>
+                      </p:stCondLst>
+                      <p:childTnLst>
+                        <p:par>
+                          <p:cTn id="4" fill="hold">
+                            <p:stCondLst>
+                              <p:cond delay="0"/>
+                            </p:stCondLst>
+                            <p:childTnLst>
+                              <p:par>
+                                <p:cTn id="5" presetID="1" presetClass="entr" presetSubtype="0" fill="hold" nodeType="withEffect">
+                                  <p:stCondLst>
+                                    <p:cond delay="0"/>
+                                  </p:stCondLst>
+                                  <p:childTnLst>
+                                    <p:set>
+                                      <p:cBhvr>
+                                        <p:cTn id="6" dur="1" fill="hold">
+                                          <p:stCondLst>
+                                            <p:cond delay="0"/>
+                                          </p:stCondLst>
+                                        </p:cTn>
+                                        <p:tgtEl>
+                                          <p:spTgt spid="3">
+                                            <p:txEl>
+                                              <p:pRg st="0" end="0"/>
+                                            </p:txEl>
+                                          </p:spTgt>
+                                        </p:tgtEl>
+                                        <p:attrNameLst>
+                                          <p:attrName>style.visibility</p:attrName>
+                                        </p:attrNameLst>
+                                      </p:cBhvr>
+                                      <p:to>
+                                        <p:strVal val="visible"/>
+                                      </p:to>
+                                    </p:set>
+                                  </p:childTnLst>
+                                </p:cTn>
+                              </p:par>
+                              <p:par>
+                                <p:cTn id="7" presetID="1" presetClass="entr" presetSubtype="0" fill="hold" nodeType="withEffect">
+                                  <p:stCondLst>
+                                    <p:cond delay="0"/>
+                                  </p:stCondLst>
+                                  <p:childTnLst>
+                                    <p:set>
+                                      <p:cBhvr>
+                                        <p:cTn id="8" dur="1" fill="hold">
+                                          <p:stCondLst>
+                                            <p:cond delay="0"/>
+                                          </p:stCondLst>
+                                        </p:cTn>
+                                        <p:tgtEl>
+                                          <p:spTgt spid="7"/>
+                                        </p:tgtEl>
+                                        <p:attrNameLst>
+                                          <p:attrName>style.visibility</p:attrName>
+                                        </p:attrNameLst>
+                                      </p:cBhvr>
+                                      <p:to>
+                                        <p:strVal val="visible"/>
+                                      </p:to>
+                                    </p:set>
+                                  </p:childTnLst>
+                                </p:cTn>
+                              </p:par>
+                            </p:childTnLst>
+                          </p:cTn>
+                        </p:par>
+                      </p:childTnLst>
+                    </p:cTn>
+                  </p:par>
+                  <p:par>
+                    <p:cTn id="9" fill="hold">
+                      <p:stCondLst>
+                        <p:cond delay="indefinite"/>
+                      </p:stCondLst>
+                      <p:childTnLst>
+                        <p:par>
+                          <p:cTn id="10" fill="hold">
+                            <p:stCondLst>
+                              <p:cond delay="0"/>
+                            </p:stCondLst>
+                            <p:childTnLst>
+                              <p:par>
+                                <p:cTn id="11" presetID="1" presetClass="entr" presetSubtype="0" fill="hold" nodeType="clickEffect">
+                                  <p:stCondLst>
+                                    <p:cond delay="0"/>
+                                  </p:stCondLst>
+                                  <p:childTnLst>
+                                    <p:set>
+                                      <p:cBhvr>
+                                        <p:cTn id="12" dur="1" fill="hold">
+                                          <p:stCondLst>
+                                            <p:cond delay="0"/>
+                                          </p:stCondLst>
+                                        </p:cTn>
+                                        <p:tgtEl>
+                                          <p:spTgt spid="3">
+                                            <p:txEl>
+                                              <p:pRg st="1" end="1"/>
+                                            </p:txEl>
+                                          </p:spTgt>
+                                        </p:tgtEl>
+                                        <p:attrNameLst>
+                                          <p:attrName>style.visibility</p:attrName>
+                                        </p:attrNameLst>
+                                      </p:cBhvr>
+                                      <p:to>
+                                        <p:strVal val="visible"/>
+                                      </p:to>
+                                    </p:set>
+                                  </p:childTnLst>
+                                </p:cTn>
+                              </p:par>
+                            </p:childTnLst>
+                          </p:cTn>
+                        </p:par>
+                      </p:childTnLst>
+                    </p:cTn>
+                  </p:par>
+                  <p:par>
+                    <p:cTn id="13" fill="hold">
+                      <p:stCondLst>
+                        <p:cond delay="indefinite"/>
+                      </p:stCondLst>
+                      <p:childTnLst>
+                        <p:par>
+                          <p:cTn id="14" fill="hold">
+                            <p:stCondLst>
+                              <p:cond delay="0"/>
+                            </p:stCondLst>
+                            <p:childTnLst>
+                              <p:par>
+                                <p:cTn id="15" presetID="1" presetClass="entr" presetSubtype="0" fill="hold" nodeType="clickEffect">
+                                  <p:stCondLst>
+                                    <p:cond delay="0"/>
+                                  </p:stCondLst>
+                                  <p:childTnLst>
+                                    <p:set>
+                                      <p:cBhvr>
+                                        <p:cTn id="16" dur="1" fill="hold">
+                                          <p:stCondLst>
+                                            <p:cond delay="0"/>
+                                          </p:stCondLst>
+                                        </p:cTn>
+                                        <p:tgtEl>
+                                          <p:spTgt spid="3">
+                                            <p:txEl>
+                                              <p:pRg st="2" end="2"/>
+                                            </p:txEl>
+                                          </p:spTgt>
+                                        </p:tgtEl>
+                                        <p:attrNameLst>
+                                          <p:attrName>style.visibility</p:attrName>
+                                        </p:attrNameLst>
+                                      </p:cBhvr>
+                                      <p:to>
+                                        <p:strVal val="visible"/>
+                                      </p:to>
+                                    </p:set>
+                                  </p:childTnLst>
+                                </p:cTn>
+                              </p:par>
+                            </p:childTnLst>
+                          </p:cTn>
+                        </p:par>
+                      </p:childTnLst>
+                    </p:cTn>
+                  </p:par>
+                  <p:par>
+                    <p:cTn id="17" fill="hold">
+                      <p:stCondLst>
+                        <p:cond delay="indefinite"/>
+                      </p:stCondLst>
+                      <p:childTnLst>
+                        <p:par>
+                          <p:cTn id="18" fill="hold">
+                            <p:stCondLst>
+                              <p:cond delay="0"/>
+                            </p:stCondLst>
+                            <p:childTnLst>
+                              <p:par>
+                                <p:cTn id="19" presetID="1" presetClass="entr" presetSubtype="0" fill="hold" nodeType="clickEffect">
+                                  <p:stCondLst>
+                                    <p:cond delay="0"/>
+                                  </p:stCondLst>
+                                  <p:childTnLst>
+                                    <p:set>
+                                      <p:cBhvr>
+                                        <p:cTn id="20" dur="1" fill="hold">
+                                          <p:stCondLst>
+                                            <p:cond delay="0"/>
+                                          </p:stCondLst>
+                                        </p:cTn>
+                                        <p:tgtEl>
+                                          <p:spTgt spid="3">
+                                            <p:txEl>
+                                              <p:pRg st="3" end="3"/>
+                                            </p:txEl>
+                                          </p:spTgt>
+                                        </p:tgtEl>
+                                        <p:attrNameLst>
+                                          <p:attrName>style.visibility</p:attrName>
+                                        </p:attrNameLst>
+                                      </p:cBhvr>
+                                      <p:to>
+                                        <p:strVal val="visible"/>
+                                      </p:to>
+                                    </p:set>
+                                  </p:childTnLst>
+                                </p:cTn>
+                              </p:par>
+                            </p:childTnLst>
+                          </p:cTn>
+                        </p:par>
+                      </p:childTnLst>
+                    </p:cTn>
+                  </p:par>
+                  <p:par>
+                    <p:cTn id="21" fill="hold">
+                      <p:stCondLst>
+                        <p:cond delay="indefinite"/>
+                      </p:stCondLst>
+                      <p:childTnLst>
+                        <p:par>
+                          <p:cTn id="22" fill="hold">
+                            <p:stCondLst>
+                              <p:cond delay="0"/>
+                            </p:stCondLst>
+                            <p:childTnLst>
+                              <p:par>
+                                <p:cTn id="23" presetID="1" presetClass="entr" presetSubtype="0" fill="hold" nodeType="clickEffect">
+                                  <p:stCondLst>
+                                    <p:cond delay="0"/>
+                                  </p:stCondLst>
+                                  <p:childTnLst>
+                                    <p:set>
+                                      <p:cBhvr>
+                                        <p:cTn id="24" dur="1" fill="hold">
+                                          <p:stCondLst>
+                                            <p:cond delay="0"/>
+                                          </p:stCondLst>
+                                        </p:cTn>
+                                        <p:tgtEl>
+                                          <p:spTgt spid="3">
+                                            <p:txEl>
+                                              <p:pRg st="4" end="4"/>
+                                            </p:txEl>
+                                          </p:spTgt>
+                                        </p:tgtEl>
+                                        <p:attrNameLst>
+                                          <p:attrName>style.visibility</p:attrName>
+                                        </p:attrNameLst>
+                                      </p:cBhvr>
+                                      <p:to>
+                                        <p:strVal val="visible"/>
+                                      </p:to>
+                                    </p:set>
+                                  </p:childTnLst>
+                                </p:cTn>
+                              </p:par>
+                            </p:childTnLst>
+                          </p:cTn>
+                        </p:par>
+                      </p:childTnLst>
+                    </p:cTn>
+                  </p:par>
+                  <p:par>
+                    <p:cTn id="25" fill="hold">
+                      <p:stCondLst>
+                        <p:cond delay="indefinite"/>
+                      </p:stCondLst>
+                      <p:childTnLst>
+                        <p:par>
+                          <p:cTn id="26" fill="hold">
+                            <p:stCondLst>
+                              <p:cond delay="0"/>
+                            </p:stCondLst>
+                            <p:childTnLst>
+                              <p:par>
+                                <p:cTn id="27" presetID="1" presetClass="entr" presetSubtype="0" fill="hold" nodeType="clickEffect">
+                                  <p:stCondLst>
+                                    <p:cond delay="0"/>
+                                  </p:stCondLst>
+                                  <p:childTnLst>
+                                    <p:set>
+                                      <p:cBhvr>
+                                        <p:cTn id="28" dur="1" fill="hold">
+                                          <p:stCondLst>
+                                            <p:cond delay="0"/>
+                                          </p:stCondLst>
+                                        </p:cTn>
+                                        <p:tgtEl>
+                                          <p:spTgt spid="3">
+                                            <p:txEl>
+                                              <p:pRg st="5" end="5"/>
+                                            </p:txEl>
+                                          </p:spTgt>
+                                        </p:tgtEl>
+                                        <p:attrNameLst>
+                                          <p:attrName>style.visibility</p:attrName>
+                                        </p:attrNameLst>
+                                      </p:cBhvr>
+                                      <p:to>
+                                        <p:strVal val="visible"/>
+                                      </p:to>
+                                    </p:set>
+                                  </p:childTnLst>
+                                </p:cTn>
+                              </p:par>
+                            </p:childTnLst>
+                          </p:cTn>
+                        </p:par>
+                      </p:childTnLst>
+                    </p:cTn>
+                  </p:par>
+                  <p:par>
+                    <p:cTn id="29" fill="hold">
+                      <p:stCondLst>
+                        <p:cond delay="indefinite"/>
+                      </p:stCondLst>
+                      <p:childTnLst>
+                        <p:par>
+                          <p:cTn id="30" fill="hold">
+                            <p:stCondLst>
+                              <p:cond delay="0"/>
+                            </p:stCondLst>
+                            <p:childTnLst>
+                              <p:par>
+                                <p:cTn id="31" presetID="1" presetClass="entr" presetSubtype="0" fill="hold" nodeType="clickEffect">
+                                  <p:stCondLst>
+                                    <p:cond delay="0"/>
+                                  </p:stCondLst>
+                                  <p:childTnLst>
+                                    <p:set>
+                                      <p:cBhvr>
+                                        <p:cTn id="32" dur="1" fill="hold">
+                                          <p:stCondLst>
+                                            <p:cond delay="0"/>
+                                          </p:stCondLst>
+                                        </p:cTn>
+                                        <p:tgtEl>
+                                          <p:spTgt spid="3">
+                                            <p:txEl>
+                                              <p:pRg st="6" end="6"/>
+                                            </p:txEl>
+                                          </p:spTgt>
+                                        </p:tgtEl>
+                                        <p:attrNameLst>
+                                          <p:attrName>style.visibility</p:attrName>
+                                        </p:attrNameLst>
+                                      </p:cBhvr>
+                                      <p:to>
+                                        <p:strVal val="visible"/>
+                                      </p:to>
+                                    </p:set>
+                                  </p:childTnLst>
+                                </p:cTn>
+                              </p:par>
+                            </p:childTnLst>
+                          </p:cTn>
+                        </p:par>
+                      </p:childTnLst>
+                    </p:cTn>
+                  </p:par>
+                  <p:par>
+                    <p:cTn id="33" fill="hold">
+                      <p:stCondLst>
+                        <p:cond delay="indefinite"/>
+                      </p:stCondLst>
+                      <p:childTnLst>
+                        <p:par>
+                          <p:cTn id="34" fill="hold">
+                            <p:stCondLst>
+                              <p:cond delay="0"/>
+                            </p:stCondLst>
+                            <p:childTnLst>
+                              <p:par>
+                                <p:cTn id="35" presetID="1" presetClass="entr" presetSubtype="0" fill="hold" nodeType="clickEffect">
+                                  <p:stCondLst>
+                                    <p:cond delay="0"/>
+                                  </p:stCondLst>
+                                  <p:childTnLst>
+                                    <p:set>
+                                      <p:cBhvr>
+                                        <p:cTn id="36" dur="1" fill="hold">
+                                          <p:stCondLst>
+                                            <p:cond delay="0"/>
+                                          </p:stCondLst>
+                                        </p:cTn>
+                                        <p:tgtEl>
+                                          <p:spTgt spid="3">
+                                            <p:txEl>
+                                              <p:pRg st="7" end="7"/>
+                                            </p:txEl>
+                                          </p:spTgt>
+                                        </p:tgtEl>
+                                        <p:attrNameLst>
+                                          <p:attrName>style.visibility</p:attrName>
+                                        </p:attrNameLst>
+                                      </p:cBhvr>
+                                      <p:to>
+                                        <p:strVal val="visible"/>
+                                      </p:to>
+                                    </p:set>
+                                  </p:childTnLst>
+                                </p:cTn>
+                              </p:par>
+                            </p:childTnLst>
+                          </p:cTn>
+                        </p:par>
+                      </p:childTnLst>
+                    </p:cTn>
+                  </p:par>
+                  <p:par>
+                    <p:cTn id="37" fill="hold">
+                      <p:stCondLst>
+                        <p:cond delay="indefinite"/>
+                      </p:stCondLst>
+                      <p:childTnLst>
+                        <p:par>
+                          <p:cTn id="38" fill="hold">
+                            <p:stCondLst>
+                              <p:cond delay="0"/>
+                            </p:stCondLst>
+                            <p:childTnLst>
+                              <p:par>
+                                <p:cTn id="39" presetID="1" presetClass="entr" presetSubtype="0" fill="hold" nodeType="clickEffect">
+                                  <p:stCondLst>
+                                    <p:cond delay="0"/>
+                                  </p:stCondLst>
+                                  <p:childTnLst>
+                                    <p:set>
+                                      <p:cBhvr>
+                                        <p:cTn id="40" dur="1" fill="hold">
+                                          <p:stCondLst>
+                                            <p:cond delay="0"/>
+                                          </p:stCondLst>
+                                        </p:cTn>
+                                        <p:tgtEl>
+                                          <p:spTgt spid="3">
+                                            <p:txEl>
+                                              <p:pRg st="8" end="8"/>
+                                            </p:txEl>
+                                          </p:spTgt>
+                                        </p:tgtEl>
+                                        <p:attrNameLst>
+                                          <p:attrName>style.visibility</p:attrName>
+                                        </p:attrNameLst>
+                                      </p:cBhvr>
+                                      <p:to>
+                                        <p:strVal val="visible"/>
+                                      </p:to>
+                                    </p:set>
+                                  </p:childTnLst>
+                                </p:cTn>
+                              </p:par>
+                            </p:childTnLst>
+                          </p:cTn>
+                        </p:par>
+                      </p:childTnLst>
+                    </p:cTn>
+                  </p:par>
+                </p:childTnLst>
+              </p:cTn>
+              <p:prevCondLst>
+                <p:cond evt="onPrev" delay="0">
+                  <p:tgtEl>
+                    <p:sldTgt/>
+                  </p:tgtEl>
+                </p:cond>
+              </p:prevCondLst>
+              <p:nextCondLst>
+                <p:cond evt="onNext" delay="0">
+                  <p:tgtEl>
+                    <p:sldTgt/>
+                  </p:tgtEl>
+                </p:cond>
+              </p:nextCondLst>
+            </p:seq>
+          </p:childTnLst>
+        </p:cTn>
+      </p:par>
+    </p:tnLst>
+  </p:timing>
 </p:sld>
 </file>
 
@@ -23852,6 +30681,9 @@
                     <p:cTn id="3" fill="hold">
                       <p:stCondLst>
                         <p:cond delay="indefinite"/>
+                        <p:cond evt="onBegin" delay="0">
+                          <p:tn val="2"/>
+                        </p:cond>
                       </p:stCondLst>
                       <p:childTnLst>
                         <p:par>
@@ -23861,7 +30693,7 @@
                             </p:stCondLst>
                             <p:childTnLst>
                               <p:par>
-                                <p:cTn id="5" presetID="1" presetClass="entr" presetSubtype="0" fill="hold" grpId="0" nodeType="clickEffect">
+                                <p:cTn id="5" presetID="1" presetClass="entr" presetSubtype="0" fill="hold" grpId="0" nodeType="withEffect">
                                   <p:stCondLst>
                                     <p:cond delay="0"/>
                                   </p:stCondLst>
@@ -23874,7 +30706,520 @@
                                           </p:stCondLst>
                                         </p:cTn>
                                         <p:tgtEl>
+                                          <p:spTgt spid="5"/>
+                                        </p:tgtEl>
+                                        <p:attrNameLst>
+                                          <p:attrName>style.visibility</p:attrName>
+                                        </p:attrNameLst>
+                                      </p:cBhvr>
+                                      <p:to>
+                                        <p:strVal val="visible"/>
+                                      </p:to>
+                                    </p:set>
+                                  </p:childTnLst>
+                                </p:cTn>
+                              </p:par>
+                              <p:par>
+                                <p:cTn id="7" presetID="1" presetClass="entr" presetSubtype="0" fill="hold" nodeType="withEffect">
+                                  <p:stCondLst>
+                                    <p:cond delay="0"/>
+                                  </p:stCondLst>
+                                  <p:childTnLst>
+                                    <p:set>
+                                      <p:cBhvr>
+                                        <p:cTn id="8" dur="1" fill="hold">
+                                          <p:stCondLst>
+                                            <p:cond delay="0"/>
+                                          </p:stCondLst>
+                                        </p:cTn>
+                                        <p:tgtEl>
+                                          <p:spTgt spid="5">
+                                            <p:txEl>
+                                              <p:pRg st="0" end="0"/>
+                                            </p:txEl>
+                                          </p:spTgt>
+                                        </p:tgtEl>
+                                        <p:attrNameLst>
+                                          <p:attrName>style.visibility</p:attrName>
+                                        </p:attrNameLst>
+                                      </p:cBhvr>
+                                      <p:to>
+                                        <p:strVal val="visible"/>
+                                      </p:to>
+                                    </p:set>
+                                  </p:childTnLst>
+                                </p:cTn>
+                              </p:par>
+                              <p:par>
+                                <p:cTn id="9" presetID="1" presetClass="entr" presetSubtype="0" fill="hold" nodeType="withEffect">
+                                  <p:stCondLst>
+                                    <p:cond delay="0"/>
+                                  </p:stCondLst>
+                                  <p:childTnLst>
+                                    <p:set>
+                                      <p:cBhvr>
+                                        <p:cTn id="10" dur="1" fill="hold">
+                                          <p:stCondLst>
+                                            <p:cond delay="0"/>
+                                          </p:stCondLst>
+                                        </p:cTn>
+                                        <p:tgtEl>
+                                          <p:spTgt spid="3"/>
+                                        </p:tgtEl>
+                                        <p:attrNameLst>
+                                          <p:attrName>style.visibility</p:attrName>
+                                        </p:attrNameLst>
+                                      </p:cBhvr>
+                                      <p:to>
+                                        <p:strVal val="visible"/>
+                                      </p:to>
+                                    </p:set>
+                                  </p:childTnLst>
+                                </p:cTn>
+                              </p:par>
+                            </p:childTnLst>
+                          </p:cTn>
+                        </p:par>
+                      </p:childTnLst>
+                    </p:cTn>
+                  </p:par>
+                  <p:par>
+                    <p:cTn id="11" fill="hold">
+                      <p:stCondLst>
+                        <p:cond delay="indefinite"/>
+                      </p:stCondLst>
+                      <p:childTnLst>
+                        <p:par>
+                          <p:cTn id="12" fill="hold">
+                            <p:stCondLst>
+                              <p:cond delay="0"/>
+                            </p:stCondLst>
+                            <p:childTnLst>
+                              <p:par>
+                                <p:cTn id="13" presetID="1" presetClass="entr" presetSubtype="0" fill="hold" nodeType="clickEffect">
+                                  <p:stCondLst>
+                                    <p:cond delay="0"/>
+                                  </p:stCondLst>
+                                  <p:childTnLst>
+                                    <p:set>
+                                      <p:cBhvr>
+                                        <p:cTn id="14" dur="1" fill="hold">
+                                          <p:stCondLst>
+                                            <p:cond delay="0"/>
+                                          </p:stCondLst>
+                                        </p:cTn>
+                                        <p:tgtEl>
+                                          <p:spTgt spid="5">
+                                            <p:txEl>
+                                              <p:pRg st="1" end="1"/>
+                                            </p:txEl>
+                                          </p:spTgt>
+                                        </p:tgtEl>
+                                        <p:attrNameLst>
+                                          <p:attrName>style.visibility</p:attrName>
+                                        </p:attrNameLst>
+                                      </p:cBhvr>
+                                      <p:to>
+                                        <p:strVal val="visible"/>
+                                      </p:to>
+                                    </p:set>
+                                  </p:childTnLst>
+                                </p:cTn>
+                              </p:par>
+                            </p:childTnLst>
+                          </p:cTn>
+                        </p:par>
+                      </p:childTnLst>
+                    </p:cTn>
+                  </p:par>
+                  <p:par>
+                    <p:cTn id="15" fill="hold">
+                      <p:stCondLst>
+                        <p:cond delay="indefinite"/>
+                      </p:stCondLst>
+                      <p:childTnLst>
+                        <p:par>
+                          <p:cTn id="16" fill="hold">
+                            <p:stCondLst>
+                              <p:cond delay="0"/>
+                            </p:stCondLst>
+                            <p:childTnLst>
+                              <p:par>
+                                <p:cTn id="17" presetID="1" presetClass="entr" presetSubtype="0" fill="hold" nodeType="clickEffect">
+                                  <p:stCondLst>
+                                    <p:cond delay="0"/>
+                                  </p:stCondLst>
+                                  <p:childTnLst>
+                                    <p:set>
+                                      <p:cBhvr>
+                                        <p:cTn id="18" dur="1" fill="hold">
+                                          <p:stCondLst>
+                                            <p:cond delay="0"/>
+                                          </p:stCondLst>
+                                        </p:cTn>
+                                        <p:tgtEl>
+                                          <p:spTgt spid="5">
+                                            <p:txEl>
+                                              <p:pRg st="2" end="2"/>
+                                            </p:txEl>
+                                          </p:spTgt>
+                                        </p:tgtEl>
+                                        <p:attrNameLst>
+                                          <p:attrName>style.visibility</p:attrName>
+                                        </p:attrNameLst>
+                                      </p:cBhvr>
+                                      <p:to>
+                                        <p:strVal val="visible"/>
+                                      </p:to>
+                                    </p:set>
+                                  </p:childTnLst>
+                                </p:cTn>
+                              </p:par>
+                            </p:childTnLst>
+                          </p:cTn>
+                        </p:par>
+                      </p:childTnLst>
+                    </p:cTn>
+                  </p:par>
+                  <p:par>
+                    <p:cTn id="19" fill="hold">
+                      <p:stCondLst>
+                        <p:cond delay="indefinite"/>
+                      </p:stCondLst>
+                      <p:childTnLst>
+                        <p:par>
+                          <p:cTn id="20" fill="hold">
+                            <p:stCondLst>
+                              <p:cond delay="0"/>
+                            </p:stCondLst>
+                            <p:childTnLst>
+                              <p:par>
+                                <p:cTn id="21" presetID="1" presetClass="entr" presetSubtype="0" fill="hold" nodeType="clickEffect">
+                                  <p:stCondLst>
+                                    <p:cond delay="0"/>
+                                  </p:stCondLst>
+                                  <p:childTnLst>
+                                    <p:set>
+                                      <p:cBhvr>
+                                        <p:cTn id="22" dur="1" fill="hold">
+                                          <p:stCondLst>
+                                            <p:cond delay="0"/>
+                                          </p:stCondLst>
+                                        </p:cTn>
+                                        <p:tgtEl>
+                                          <p:spTgt spid="5">
+                                            <p:txEl>
+                                              <p:pRg st="3" end="3"/>
+                                            </p:txEl>
+                                          </p:spTgt>
+                                        </p:tgtEl>
+                                        <p:attrNameLst>
+                                          <p:attrName>style.visibility</p:attrName>
+                                        </p:attrNameLst>
+                                      </p:cBhvr>
+                                      <p:to>
+                                        <p:strVal val="visible"/>
+                                      </p:to>
+                                    </p:set>
+                                  </p:childTnLst>
+                                </p:cTn>
+                              </p:par>
+                              <p:par>
+                                <p:cTn id="23" presetID="1" presetClass="entr" presetSubtype="0" fill="hold" nodeType="withEffect">
+                                  <p:stCondLst>
+                                    <p:cond delay="0"/>
+                                  </p:stCondLst>
+                                  <p:childTnLst>
+                                    <p:set>
+                                      <p:cBhvr>
+                                        <p:cTn id="24" dur="1" fill="hold">
+                                          <p:stCondLst>
+                                            <p:cond delay="0"/>
+                                          </p:stCondLst>
+                                        </p:cTn>
+                                        <p:tgtEl>
+                                          <p:spTgt spid="5">
+                                            <p:txEl>
+                                              <p:pRg st="4" end="4"/>
+                                            </p:txEl>
+                                          </p:spTgt>
+                                        </p:tgtEl>
+                                        <p:attrNameLst>
+                                          <p:attrName>style.visibility</p:attrName>
+                                        </p:attrNameLst>
+                                      </p:cBhvr>
+                                      <p:to>
+                                        <p:strVal val="visible"/>
+                                      </p:to>
+                                    </p:set>
+                                  </p:childTnLst>
+                                </p:cTn>
+                              </p:par>
+                              <p:par>
+                                <p:cTn id="25" presetID="1" presetClass="entr" presetSubtype="0" fill="hold" nodeType="withEffect">
+                                  <p:stCondLst>
+                                    <p:cond delay="0"/>
+                                  </p:stCondLst>
+                                  <p:childTnLst>
+                                    <p:set>
+                                      <p:cBhvr>
+                                        <p:cTn id="26" dur="1" fill="hold">
+                                          <p:stCondLst>
+                                            <p:cond delay="0"/>
+                                          </p:stCondLst>
+                                        </p:cTn>
+                                        <p:tgtEl>
+                                          <p:spTgt spid="5">
+                                            <p:txEl>
+                                              <p:pRg st="5" end="5"/>
+                                            </p:txEl>
+                                          </p:spTgt>
+                                        </p:tgtEl>
+                                        <p:attrNameLst>
+                                          <p:attrName>style.visibility</p:attrName>
+                                        </p:attrNameLst>
+                                      </p:cBhvr>
+                                      <p:to>
+                                        <p:strVal val="visible"/>
+                                      </p:to>
+                                    </p:set>
+                                  </p:childTnLst>
+                                </p:cTn>
+                              </p:par>
+                              <p:par>
+                                <p:cTn id="27" presetID="1" presetClass="entr" presetSubtype="0" fill="hold" nodeType="withEffect">
+                                  <p:stCondLst>
+                                    <p:cond delay="0"/>
+                                  </p:stCondLst>
+                                  <p:childTnLst>
+                                    <p:set>
+                                      <p:cBhvr>
+                                        <p:cTn id="28" dur="1" fill="hold">
+                                          <p:stCondLst>
+                                            <p:cond delay="0"/>
+                                          </p:stCondLst>
+                                        </p:cTn>
+                                        <p:tgtEl>
+                                          <p:spTgt spid="5">
+                                            <p:txEl>
+                                              <p:pRg st="6" end="6"/>
+                                            </p:txEl>
+                                          </p:spTgt>
+                                        </p:tgtEl>
+                                        <p:attrNameLst>
+                                          <p:attrName>style.visibility</p:attrName>
+                                        </p:attrNameLst>
+                                      </p:cBhvr>
+                                      <p:to>
+                                        <p:strVal val="visible"/>
+                                      </p:to>
+                                    </p:set>
+                                  </p:childTnLst>
+                                </p:cTn>
+                              </p:par>
+                            </p:childTnLst>
+                          </p:cTn>
+                        </p:par>
+                      </p:childTnLst>
+                    </p:cTn>
+                  </p:par>
+                  <p:par>
+                    <p:cTn id="29" fill="hold">
+                      <p:stCondLst>
+                        <p:cond delay="indefinite"/>
+                      </p:stCondLst>
+                      <p:childTnLst>
+                        <p:par>
+                          <p:cTn id="30" fill="hold">
+                            <p:stCondLst>
+                              <p:cond delay="0"/>
+                            </p:stCondLst>
+                            <p:childTnLst>
+                              <p:par>
+                                <p:cTn id="31" presetID="1" presetClass="entr" presetSubtype="0" fill="hold" nodeType="clickEffect">
+                                  <p:stCondLst>
+                                    <p:cond delay="0"/>
+                                  </p:stCondLst>
+                                  <p:childTnLst>
+                                    <p:set>
+                                      <p:cBhvr>
+                                        <p:cTn id="32" dur="1" fill="hold">
+                                          <p:stCondLst>
+                                            <p:cond delay="0"/>
+                                          </p:stCondLst>
+                                        </p:cTn>
+                                        <p:tgtEl>
+                                          <p:spTgt spid="5">
+                                            <p:txEl>
+                                              <p:pRg st="7" end="7"/>
+                                            </p:txEl>
+                                          </p:spTgt>
+                                        </p:tgtEl>
+                                        <p:attrNameLst>
+                                          <p:attrName>style.visibility</p:attrName>
+                                        </p:attrNameLst>
+                                      </p:cBhvr>
+                                      <p:to>
+                                        <p:strVal val="visible"/>
+                                      </p:to>
+                                    </p:set>
+                                  </p:childTnLst>
+                                </p:cTn>
+                              </p:par>
+                            </p:childTnLst>
+                          </p:cTn>
+                        </p:par>
+                      </p:childTnLst>
+                    </p:cTn>
+                  </p:par>
+                  <p:par>
+                    <p:cTn id="33" fill="hold">
+                      <p:stCondLst>
+                        <p:cond delay="indefinite"/>
+                      </p:stCondLst>
+                      <p:childTnLst>
+                        <p:par>
+                          <p:cTn id="34" fill="hold">
+                            <p:stCondLst>
+                              <p:cond delay="0"/>
+                            </p:stCondLst>
+                            <p:childTnLst>
+                              <p:par>
+                                <p:cTn id="35" presetID="1" presetClass="entr" presetSubtype="0" fill="hold" nodeType="clickEffect">
+                                  <p:stCondLst>
+                                    <p:cond delay="0"/>
+                                  </p:stCondLst>
+                                  <p:childTnLst>
+                                    <p:set>
+                                      <p:cBhvr>
+                                        <p:cTn id="36" dur="1" fill="hold">
+                                          <p:stCondLst>
+                                            <p:cond delay="0"/>
+                                          </p:stCondLst>
+                                        </p:cTn>
+                                        <p:tgtEl>
+                                          <p:spTgt spid="5">
+                                            <p:txEl>
+                                              <p:pRg st="8" end="8"/>
+                                            </p:txEl>
+                                          </p:spTgt>
+                                        </p:tgtEl>
+                                        <p:attrNameLst>
+                                          <p:attrName>style.visibility</p:attrName>
+                                        </p:attrNameLst>
+                                      </p:cBhvr>
+                                      <p:to>
+                                        <p:strVal val="visible"/>
+                                      </p:to>
+                                    </p:set>
+                                  </p:childTnLst>
+                                </p:cTn>
+                              </p:par>
+                            </p:childTnLst>
+                          </p:cTn>
+                        </p:par>
+                      </p:childTnLst>
+                    </p:cTn>
+                  </p:par>
+                  <p:par>
+                    <p:cTn id="37" fill="hold">
+                      <p:stCondLst>
+                        <p:cond delay="indefinite"/>
+                      </p:stCondLst>
+                      <p:childTnLst>
+                        <p:par>
+                          <p:cTn id="38" fill="hold">
+                            <p:stCondLst>
+                              <p:cond delay="0"/>
+                            </p:stCondLst>
+                            <p:childTnLst>
+                              <p:par>
+                                <p:cTn id="39" presetID="1" presetClass="entr" presetSubtype="0" fill="hold" grpId="0" nodeType="clickEffect">
+                                  <p:stCondLst>
+                                    <p:cond delay="0"/>
+                                  </p:stCondLst>
+                                  <p:childTnLst>
+                                    <p:set>
+                                      <p:cBhvr>
+                                        <p:cTn id="40" dur="1" fill="hold">
+                                          <p:stCondLst>
+                                            <p:cond delay="0"/>
+                                          </p:stCondLst>
+                                        </p:cTn>
+                                        <p:tgtEl>
                                           <p:spTgt spid="8"/>
+                                        </p:tgtEl>
+                                        <p:attrNameLst>
+                                          <p:attrName>style.visibility</p:attrName>
+                                        </p:attrNameLst>
+                                      </p:cBhvr>
+                                      <p:to>
+                                        <p:strVal val="visible"/>
+                                      </p:to>
+                                    </p:set>
+                                  </p:childTnLst>
+                                </p:cTn>
+                              </p:par>
+                              <p:par>
+                                <p:cTn id="41" presetID="1" presetClass="entr" presetSubtype="0" fill="hold" nodeType="withEffect">
+                                  <p:stCondLst>
+                                    <p:cond delay="0"/>
+                                  </p:stCondLst>
+                                  <p:childTnLst>
+                                    <p:set>
+                                      <p:cBhvr>
+                                        <p:cTn id="42" dur="1" fill="hold">
+                                          <p:stCondLst>
+                                            <p:cond delay="0"/>
+                                          </p:stCondLst>
+                                        </p:cTn>
+                                        <p:tgtEl>
+                                          <p:spTgt spid="10"/>
+                                        </p:tgtEl>
+                                        <p:attrNameLst>
+                                          <p:attrName>style.visibility</p:attrName>
+                                        </p:attrNameLst>
+                                      </p:cBhvr>
+                                      <p:to>
+                                        <p:strVal val="visible"/>
+                                      </p:to>
+                                    </p:set>
+                                  </p:childTnLst>
+                                </p:cTn>
+                              </p:par>
+                            </p:childTnLst>
+                          </p:cTn>
+                        </p:par>
+                      </p:childTnLst>
+                    </p:cTn>
+                  </p:par>
+                  <p:par>
+                    <p:cTn id="43" fill="hold">
+                      <p:stCondLst>
+                        <p:cond delay="indefinite"/>
+                      </p:stCondLst>
+                      <p:childTnLst>
+                        <p:par>
+                          <p:cTn id="44" fill="hold">
+                            <p:stCondLst>
+                              <p:cond delay="0"/>
+                            </p:stCondLst>
+                            <p:childTnLst>
+                              <p:par>
+                                <p:cTn id="45" presetID="1" presetClass="entr" presetSubtype="0" fill="hold" grpId="0" nodeType="clickEffect">
+                                  <p:stCondLst>
+                                    <p:cond delay="0"/>
+                                  </p:stCondLst>
+                                  <p:childTnLst>
+                                    <p:set>
+                                      <p:cBhvr>
+                                        <p:cTn id="46" dur="1" fill="hold">
+                                          <p:stCondLst>
+                                            <p:cond delay="0"/>
+                                          </p:stCondLst>
+                                        </p:cTn>
+                                        <p:tgtEl>
+                                          <p:spTgt spid="2"/>
                                         </p:tgtEl>
                                         <p:attrNameLst>
                                           <p:attrName>style.visibility</p:attrName>
@@ -23915,7 +31260,9 @@
       </p:par>
     </p:tnLst>
     <p:bldLst>
+      <p:bldP spid="5" grpId="0" animBg="1"/>
       <p:bldP spid="8" grpId="0" animBg="1"/>
+      <p:bldP spid="2" grpId="0"/>
     </p:bldLst>
   </p:timing>
 </p:sld>
